--- a/docs/Slides/Unit4-Part2-Menu+Settings.pptx
+++ b/docs/Slides/Unit4-Part2-Menu+Settings.pptx
@@ -5,50 +5,49 @@
     <p:sldMasterId id="2147483648" r:id="rId1"/>
   </p:sldMasterIdLst>
   <p:notesMasterIdLst>
-    <p:notesMasterId r:id="rId43"/>
+    <p:notesMasterId r:id="rId42"/>
   </p:notesMasterIdLst>
   <p:sldIdLst>
     <p:sldId id="269" r:id="rId2"/>
-    <p:sldId id="268" r:id="rId3"/>
-    <p:sldId id="283" r:id="rId4"/>
-    <p:sldId id="270" r:id="rId5"/>
-    <p:sldId id="272" r:id="rId6"/>
-    <p:sldId id="271" r:id="rId7"/>
-    <p:sldId id="273" r:id="rId8"/>
-    <p:sldId id="287" r:id="rId9"/>
-    <p:sldId id="314" r:id="rId10"/>
-    <p:sldId id="274" r:id="rId11"/>
-    <p:sldId id="277" r:id="rId12"/>
-    <p:sldId id="276" r:id="rId13"/>
-    <p:sldId id="278" r:id="rId14"/>
-    <p:sldId id="286" r:id="rId15"/>
-    <p:sldId id="279" r:id="rId16"/>
-    <p:sldId id="280" r:id="rId17"/>
-    <p:sldId id="313" r:id="rId18"/>
-    <p:sldId id="311" r:id="rId19"/>
-    <p:sldId id="281" r:id="rId20"/>
-    <p:sldId id="282" r:id="rId21"/>
-    <p:sldId id="315" r:id="rId22"/>
-    <p:sldId id="312" r:id="rId23"/>
-    <p:sldId id="289" r:id="rId24"/>
-    <p:sldId id="309" r:id="rId25"/>
-    <p:sldId id="284" r:id="rId26"/>
-    <p:sldId id="288" r:id="rId27"/>
-    <p:sldId id="290" r:id="rId28"/>
-    <p:sldId id="291" r:id="rId29"/>
-    <p:sldId id="292" r:id="rId30"/>
-    <p:sldId id="306" r:id="rId31"/>
-    <p:sldId id="316" r:id="rId32"/>
-    <p:sldId id="317" r:id="rId33"/>
-    <p:sldId id="293" r:id="rId34"/>
-    <p:sldId id="294" r:id="rId35"/>
-    <p:sldId id="307" r:id="rId36"/>
-    <p:sldId id="295" r:id="rId37"/>
-    <p:sldId id="296" r:id="rId38"/>
-    <p:sldId id="297" r:id="rId39"/>
-    <p:sldId id="299" r:id="rId40"/>
-    <p:sldId id="300" r:id="rId41"/>
-    <p:sldId id="310" r:id="rId42"/>
+    <p:sldId id="283" r:id="rId3"/>
+    <p:sldId id="270" r:id="rId4"/>
+    <p:sldId id="272" r:id="rId5"/>
+    <p:sldId id="271" r:id="rId6"/>
+    <p:sldId id="273" r:id="rId7"/>
+    <p:sldId id="287" r:id="rId8"/>
+    <p:sldId id="314" r:id="rId9"/>
+    <p:sldId id="274" r:id="rId10"/>
+    <p:sldId id="277" r:id="rId11"/>
+    <p:sldId id="276" r:id="rId12"/>
+    <p:sldId id="278" r:id="rId13"/>
+    <p:sldId id="286" r:id="rId14"/>
+    <p:sldId id="279" r:id="rId15"/>
+    <p:sldId id="280" r:id="rId16"/>
+    <p:sldId id="313" r:id="rId17"/>
+    <p:sldId id="311" r:id="rId18"/>
+    <p:sldId id="281" r:id="rId19"/>
+    <p:sldId id="282" r:id="rId20"/>
+    <p:sldId id="315" r:id="rId21"/>
+    <p:sldId id="312" r:id="rId22"/>
+    <p:sldId id="289" r:id="rId23"/>
+    <p:sldId id="309" r:id="rId24"/>
+    <p:sldId id="284" r:id="rId25"/>
+    <p:sldId id="288" r:id="rId26"/>
+    <p:sldId id="290" r:id="rId27"/>
+    <p:sldId id="291" r:id="rId28"/>
+    <p:sldId id="292" r:id="rId29"/>
+    <p:sldId id="306" r:id="rId30"/>
+    <p:sldId id="316" r:id="rId31"/>
+    <p:sldId id="317" r:id="rId32"/>
+    <p:sldId id="293" r:id="rId33"/>
+    <p:sldId id="294" r:id="rId34"/>
+    <p:sldId id="307" r:id="rId35"/>
+    <p:sldId id="295" r:id="rId36"/>
+    <p:sldId id="296" r:id="rId37"/>
+    <p:sldId id="297" r:id="rId38"/>
+    <p:sldId id="299" r:id="rId39"/>
+    <p:sldId id="300" r:id="rId40"/>
+    <p:sldId id="310" r:id="rId41"/>
   </p:sldIdLst>
   <p:sldSz cx="9144000" cy="6858000" type="screen4x3"/>
   <p:notesSz cx="6858000" cy="9144000"/>
@@ -248,7 +247,7 @@
           <a:p>
             <a:fld id="{1FC32AA1-1225-9048-80C3-2B6F58548154}" type="datetimeFigureOut">
               <a:rPr lang="en-US" smtClean="0"/>
-              <a:t>7/3/19</a:t>
+              <a:t>10/22/19</a:t>
             </a:fld>
             <a:endParaRPr lang="en-US"/>
           </a:p>
@@ -615,7 +614,7 @@
           <a:p>
             <a:fld id="{44EB6C7D-DFD8-944D-93E3-D07F7EBDDEA8}" type="slidenum">
               <a:rPr lang="en-US" smtClean="0"/>
-              <a:t>4</a:t>
+              <a:t>3</a:t>
             </a:fld>
             <a:endParaRPr lang="en-US"/>
           </a:p>
@@ -723,7 +722,7 @@
           <a:p>
             <a:fld id="{44EB6C7D-DFD8-944D-93E3-D07F7EBDDEA8}" type="slidenum">
               <a:rPr lang="en-US" smtClean="0"/>
-              <a:t>10</a:t>
+              <a:t>9</a:t>
             </a:fld>
             <a:endParaRPr lang="en-US"/>
           </a:p>
@@ -834,7 +833,7 @@
           <a:p>
             <a:fld id="{44EB6C7D-DFD8-944D-93E3-D07F7EBDDEA8}" type="slidenum">
               <a:rPr lang="en-US" smtClean="0"/>
-              <a:t>25</a:t>
+              <a:t>24</a:t>
             </a:fld>
             <a:endParaRPr lang="en-US"/>
           </a:p>
@@ -952,7 +951,7 @@
           <a:p>
             <a:fld id="{44EB6C7D-DFD8-944D-93E3-D07F7EBDDEA8}" type="slidenum">
               <a:rPr lang="en-US" smtClean="0"/>
-              <a:t>28</a:t>
+              <a:t>27</a:t>
             </a:fld>
             <a:endParaRPr lang="en-US"/>
           </a:p>
@@ -1063,7 +1062,7 @@
           <a:p>
             <a:fld id="{44EB6C7D-DFD8-944D-93E3-D07F7EBDDEA8}" type="slidenum">
               <a:rPr lang="en-US" smtClean="0"/>
-              <a:t>31</a:t>
+              <a:t>30</a:t>
             </a:fld>
             <a:endParaRPr lang="en-US"/>
           </a:p>
@@ -1261,7 +1260,7 @@
           <a:p>
             <a:fld id="{12110144-19AD-4D4E-902D-E18AF93089D3}" type="datetimeFigureOut">
               <a:rPr lang="en-US" smtClean="0"/>
-              <a:t>7/3/19</a:t>
+              <a:t>10/22/19</a:t>
             </a:fld>
             <a:endParaRPr lang="en-US"/>
           </a:p>
@@ -1429,7 +1428,7 @@
           <a:p>
             <a:fld id="{12110144-19AD-4D4E-902D-E18AF93089D3}" type="datetimeFigureOut">
               <a:rPr lang="en-US" smtClean="0"/>
-              <a:t>7/3/19</a:t>
+              <a:t>10/22/19</a:t>
             </a:fld>
             <a:endParaRPr lang="en-US"/>
           </a:p>
@@ -1607,7 +1606,7 @@
           <a:p>
             <a:fld id="{12110144-19AD-4D4E-902D-E18AF93089D3}" type="datetimeFigureOut">
               <a:rPr lang="en-US" smtClean="0"/>
-              <a:t>7/3/19</a:t>
+              <a:t>10/22/19</a:t>
             </a:fld>
             <a:endParaRPr lang="en-US"/>
           </a:p>
@@ -1775,7 +1774,7 @@
           <a:p>
             <a:fld id="{12110144-19AD-4D4E-902D-E18AF93089D3}" type="datetimeFigureOut">
               <a:rPr lang="en-US" smtClean="0"/>
-              <a:t>7/3/19</a:t>
+              <a:t>10/22/19</a:t>
             </a:fld>
             <a:endParaRPr lang="en-US"/>
           </a:p>
@@ -2020,7 +2019,7 @@
           <a:p>
             <a:fld id="{12110144-19AD-4D4E-902D-E18AF93089D3}" type="datetimeFigureOut">
               <a:rPr lang="en-US" smtClean="0"/>
-              <a:t>7/3/19</a:t>
+              <a:t>10/22/19</a:t>
             </a:fld>
             <a:endParaRPr lang="en-US"/>
           </a:p>
@@ -2305,7 +2304,7 @@
           <a:p>
             <a:fld id="{12110144-19AD-4D4E-902D-E18AF93089D3}" type="datetimeFigureOut">
               <a:rPr lang="en-US" smtClean="0"/>
-              <a:t>7/3/19</a:t>
+              <a:t>10/22/19</a:t>
             </a:fld>
             <a:endParaRPr lang="en-US"/>
           </a:p>
@@ -2724,7 +2723,7 @@
           <a:p>
             <a:fld id="{12110144-19AD-4D4E-902D-E18AF93089D3}" type="datetimeFigureOut">
               <a:rPr lang="en-US" smtClean="0"/>
-              <a:t>7/3/19</a:t>
+              <a:t>10/22/19</a:t>
             </a:fld>
             <a:endParaRPr lang="en-US"/>
           </a:p>
@@ -2841,7 +2840,7 @@
           <a:p>
             <a:fld id="{12110144-19AD-4D4E-902D-E18AF93089D3}" type="datetimeFigureOut">
               <a:rPr lang="en-US" smtClean="0"/>
-              <a:t>7/3/19</a:t>
+              <a:t>10/22/19</a:t>
             </a:fld>
             <a:endParaRPr lang="en-US"/>
           </a:p>
@@ -2936,7 +2935,7 @@
           <a:p>
             <a:fld id="{12110144-19AD-4D4E-902D-E18AF93089D3}" type="datetimeFigureOut">
               <a:rPr lang="en-US" smtClean="0"/>
-              <a:t>7/3/19</a:t>
+              <a:t>10/22/19</a:t>
             </a:fld>
             <a:endParaRPr lang="en-US"/>
           </a:p>
@@ -3211,7 +3210,7 @@
           <a:p>
             <a:fld id="{12110144-19AD-4D4E-902D-E18AF93089D3}" type="datetimeFigureOut">
               <a:rPr lang="en-US" smtClean="0"/>
-              <a:t>7/3/19</a:t>
+              <a:t>10/22/19</a:t>
             </a:fld>
             <a:endParaRPr lang="en-US"/>
           </a:p>
@@ -3463,7 +3462,7 @@
           <a:p>
             <a:fld id="{12110144-19AD-4D4E-902D-E18AF93089D3}" type="datetimeFigureOut">
               <a:rPr lang="en-US" smtClean="0"/>
-              <a:t>7/3/19</a:t>
+              <a:t>10/22/19</a:t>
             </a:fld>
             <a:endParaRPr lang="en-US"/>
           </a:p>
@@ -3692,7 +3691,7 @@
           <a:p>
             <a:fld id="{12110144-19AD-4D4E-902D-E18AF93089D3}" type="datetimeFigureOut">
               <a:rPr lang="en-US" smtClean="0"/>
-              <a:t>7/3/19</a:t>
+              <a:t>10/22/19</a:t>
             </a:fld>
             <a:endParaRPr lang="en-US"/>
           </a:p>
@@ -4114,39 +4113,6 @@
           </a:p>
         </p:txBody>
       </p:sp>
-      <p:sp>
-        <p:nvSpPr>
-          <p:cNvPr id="3" name="Subtitle 2"/>
-          <p:cNvSpPr>
-            <a:spLocks noGrp="1"/>
-          </p:cNvSpPr>
-          <p:nvPr>
-            <p:ph type="subTitle" idx="1"/>
-          </p:nvPr>
-        </p:nvSpPr>
-        <p:spPr>
-          <a:xfrm>
-            <a:off x="5610728" y="5746898"/>
-            <a:ext cx="3338780" cy="893122"/>
-          </a:xfrm>
-        </p:spPr>
-        <p:txBody>
-          <a:bodyPr>
-            <a:noAutofit/>
-          </a:bodyPr>
-          <a:lstStyle/>
-          <a:p>
-            <a:r>
-              <a:rPr lang="en-US" sz="4400" dirty="0">
-                <a:solidFill>
-                  <a:schemeClr val="tx1"/>
-                </a:solidFill>
-              </a:rPr>
-              <a:t>CIS 399</a:t>
-            </a:r>
-          </a:p>
-        </p:txBody>
-      </p:sp>
     </p:spTree>
     <p:extLst>
       <p:ext uri="{BB962C8B-B14F-4D97-AF65-F5344CB8AC3E}">
@@ -4179,200 +4145,116 @@
       </p:grpSpPr>
       <p:sp>
         <p:nvSpPr>
-          <p:cNvPr id="2" name="Date Placeholder 1"/>
+          <p:cNvPr id="2" name="Title 1"/>
           <p:cNvSpPr>
             <a:spLocks noGrp="1"/>
           </p:cNvSpPr>
           <p:nvPr>
-            <p:ph type="dt" sz="half" idx="10"/>
+            <p:ph type="title"/>
           </p:nvPr>
         </p:nvSpPr>
-        <p:spPr>
-          <a:xfrm>
-            <a:off x="762000" y="6248400"/>
-            <a:ext cx="1981200" cy="457200"/>
-          </a:xfrm>
-        </p:spPr>
+        <p:spPr/>
         <p:txBody>
           <a:bodyPr/>
           <a:lstStyle/>
           <a:p>
-            <a:pPr>
-              <a:defRPr/>
-            </a:pPr>
-            <a:r>
-              <a:rPr lang="en-US"/>
-              <a:t>Murach's Android Programming, C8</a:t>
-            </a:r>
-          </a:p>
-        </p:txBody>
-      </p:sp>
-      <p:sp>
-        <p:nvSpPr>
-          <p:cNvPr id="3" name="Footer Placeholder 2"/>
+            <a:r>
+              <a:rPr lang="en-US" dirty="0"/>
+              <a:t>Elements in a Menu XML file</a:t>
+            </a:r>
+          </a:p>
+        </p:txBody>
+      </p:sp>
+      <p:sp>
+        <p:nvSpPr>
+          <p:cNvPr id="3" name="Content Placeholder 2"/>
           <p:cNvSpPr>
             <a:spLocks noGrp="1"/>
           </p:cNvSpPr>
           <p:nvPr>
-            <p:ph type="ftr" sz="quarter" idx="11"/>
+            <p:ph idx="1"/>
           </p:nvPr>
         </p:nvSpPr>
-        <p:spPr>
-          <a:xfrm>
-            <a:off x="2558606" y="6248400"/>
-            <a:ext cx="4857640" cy="457200"/>
-          </a:xfrm>
-        </p:spPr>
-        <p:txBody>
-          <a:bodyPr/>
-          <a:lstStyle/>
-          <a:p>
-            <a:pPr>
-              <a:defRPr/>
-            </a:pPr>
-            <a:r>
-              <a:rPr lang="en-US" dirty="0"/>
-              <a:t>© 2015, Mike Murach &amp; Associates, Inc. – modified by Brian Bird 2016</a:t>
-            </a:r>
-          </a:p>
-        </p:txBody>
-      </p:sp>
-      <p:sp>
-        <p:nvSpPr>
-          <p:cNvPr id="4" name="Slide Number Placeholder 3"/>
-          <p:cNvSpPr>
-            <a:spLocks noGrp="1"/>
-          </p:cNvSpPr>
-          <p:nvPr>
-            <p:ph type="sldNum" sz="quarter" idx="12"/>
-          </p:nvPr>
-        </p:nvSpPr>
-        <p:spPr>
-          <a:xfrm>
-            <a:off x="6553200" y="6248400"/>
-            <a:ext cx="1905000" cy="457200"/>
-          </a:xfrm>
-        </p:spPr>
-        <p:txBody>
-          <a:bodyPr/>
-          <a:lstStyle/>
-          <a:p>
-            <a:pPr>
-              <a:defRPr/>
-            </a:pPr>
-            <a:endParaRPr lang="en-US"/>
-          </a:p>
-          <a:p>
-            <a:pPr algn="r">
-              <a:defRPr/>
-            </a:pPr>
-            <a:r>
-              <a:rPr lang="en-US" sz="900">
-                <a:latin typeface="Arial Narrow" pitchFamily="34" charset="0"/>
-              </a:rPr>
-              <a:t>Slide </a:t>
-            </a:r>
-            <a:fld id="{5ECE9829-65B2-40C6-AEFF-7C648FF56A9C}" type="slidenum">
-              <a:rPr lang="en-US" sz="900" smtClean="0">
-                <a:latin typeface="Arial Narrow" pitchFamily="34" charset="0"/>
-              </a:rPr>
-              <a:pPr algn="r">
-                <a:defRPr/>
-              </a:pPr>
-              <a:t>10</a:t>
-            </a:fld>
-            <a:endParaRPr lang="en-US" sz="900">
-              <a:latin typeface="Arial Narrow" pitchFamily="34" charset="0"/>
-            </a:endParaRPr>
-          </a:p>
-        </p:txBody>
-      </p:sp>
-      <p:graphicFrame>
-        <p:nvGraphicFramePr>
-          <p:cNvPr id="5" name="Object 4"/>
-          <p:cNvGraphicFramePr>
-            <a:graphicFrameLocks noChangeAspect="1"/>
-          </p:cNvGraphicFramePr>
-          <p:nvPr>
-            <p:extLst>
-              <p:ext uri="{D42A27DB-BD31-4B8C-83A1-F6EECF244321}">
-                <p14:modId xmlns:p14="http://schemas.microsoft.com/office/powerpoint/2010/main" val="239275979"/>
-              </p:ext>
-            </p:extLst>
-          </p:nvPr>
-        </p:nvGraphicFramePr>
-        <p:xfrm>
-          <a:off x="914400" y="697213"/>
-          <a:ext cx="6794500" cy="3608388"/>
-        </p:xfrm>
-        <a:graphic>
-          <a:graphicData uri="http://schemas.openxmlformats.org/presentationml/2006/ole">
-            <mc:AlternateContent xmlns:mc="http://schemas.openxmlformats.org/markup-compatibility/2006">
-              <mc:Choice xmlns:v="urn:schemas-microsoft-com:vml" Requires="v">
-                <p:oleObj spid="_x0000_s3119" name="Document" r:id="rId4" imgW="6864202" imgH="3644710" progId="Word.Document.12">
-                  <p:embed/>
-                </p:oleObj>
-              </mc:Choice>
-              <mc:Fallback>
-                <p:oleObj name="Document" r:id="rId4" imgW="6864202" imgH="3644710" progId="Word.Document.12">
-                  <p:embed/>
-                  <p:pic>
-                    <p:nvPicPr>
-                      <p:cNvPr id="0" name=""/>
-                      <p:cNvPicPr/>
-                      <p:nvPr/>
-                    </p:nvPicPr>
-                    <p:blipFill>
-                      <a:blip r:embed="rId5"/>
-                      <a:stretch>
-                        <a:fillRect/>
-                      </a:stretch>
-                    </p:blipFill>
-                    <p:spPr>
-                      <a:xfrm>
-                        <a:off x="914400" y="697213"/>
-                        <a:ext cx="6794500" cy="3608388"/>
-                      </a:xfrm>
-                      <a:prstGeom prst="rect">
-                        <a:avLst/>
-                      </a:prstGeom>
-                    </p:spPr>
-                  </p:pic>
-                </p:oleObj>
-              </mc:Fallback>
-            </mc:AlternateContent>
-          </a:graphicData>
-        </a:graphic>
-      </p:graphicFrame>
-      <p:sp>
-        <p:nvSpPr>
-          <p:cNvPr id="6" name="TextBox 5"/>
-          <p:cNvSpPr txBox="1"/>
-          <p:nvPr/>
-        </p:nvSpPr>
-        <p:spPr>
-          <a:xfrm>
-            <a:off x="914400" y="4644621"/>
-            <a:ext cx="6158845" cy="369332"/>
-          </a:xfrm>
-          <a:prstGeom prst="rect">
-            <a:avLst/>
-          </a:prstGeom>
-          <a:noFill/>
-        </p:spPr>
-        <p:txBody>
-          <a:bodyPr wrap="square" rtlCol="0">
-            <a:spAutoFit/>
+        <p:spPr/>
+        <p:txBody>
+          <a:bodyPr>
+            <a:normAutofit fontScale="85000" lnSpcReduction="10000"/>
           </a:bodyPr>
           <a:lstStyle/>
           <a:p>
-            <a:r>
-              <a:rPr lang="en-US" dirty="0">
-                <a:solidFill>
-                  <a:srgbClr val="2D2DB9"/>
-                </a:solidFill>
-              </a:rPr>
-              <a:t>Note: This XML file format is used for all menu types</a:t>
+            <a:pPr marL="0" indent="0">
+              <a:buNone/>
+            </a:pPr>
+            <a:r>
+              <a:rPr lang="en-US" dirty="0"/>
+              <a:t>&lt;menu&gt;</a:t>
+            </a:r>
+          </a:p>
+          <a:p>
+            <a:pPr lvl="1"/>
+            <a:r>
+              <a:rPr lang="en-US" dirty="0"/>
+              <a:t>Defines a Menu, which is a container for menu items. </a:t>
+            </a:r>
+          </a:p>
+          <a:p>
+            <a:pPr lvl="1"/>
+            <a:r>
+              <a:rPr lang="en-US" dirty="0"/>
+              <a:t>Must be the root node for the file</a:t>
+            </a:r>
+          </a:p>
+          <a:p>
+            <a:pPr lvl="1"/>
+            <a:r>
+              <a:rPr lang="en-US" dirty="0"/>
+              <a:t> Can hold one or more &lt;item&gt; and &lt;group&gt; elements.</a:t>
+            </a:r>
+          </a:p>
+          <a:p>
+            <a:pPr marL="0" indent="0">
+              <a:buNone/>
+            </a:pPr>
+            <a:r>
+              <a:rPr lang="en-US" dirty="0"/>
+              <a:t>&lt;item&gt;</a:t>
+            </a:r>
+          </a:p>
+          <a:p>
+            <a:pPr lvl="1"/>
+            <a:r>
+              <a:rPr lang="en-US" dirty="0"/>
+              <a:t>Creates a MenuItem, which represents a single menu item</a:t>
+            </a:r>
+          </a:p>
+          <a:p>
+            <a:pPr lvl="1"/>
+            <a:r>
+              <a:rPr lang="en-US" dirty="0"/>
+              <a:t>May contain a nested &lt;menu&gt; element for a submenu</a:t>
+            </a:r>
+          </a:p>
+          <a:p>
+            <a:pPr marL="0" indent="0">
+              <a:buNone/>
+            </a:pPr>
+            <a:r>
+              <a:rPr lang="en-US" dirty="0"/>
+              <a:t>&lt;group&gt;</a:t>
+            </a:r>
+          </a:p>
+          <a:p>
+            <a:pPr lvl="1"/>
+            <a:r>
+              <a:rPr lang="en-US" dirty="0"/>
+              <a:t>An optional, invisible container for &lt;item&gt; elements. </a:t>
+            </a:r>
+          </a:p>
+          <a:p>
+            <a:pPr lvl="1"/>
+            <a:r>
+              <a:rPr lang="en-US" dirty="0"/>
+              <a:t>Allows you to categorize menu items so they share properties such as active state and visibility. </a:t>
             </a:r>
           </a:p>
         </p:txBody>
@@ -4380,7 +4262,7 @@
     </p:spTree>
     <p:extLst>
       <p:ext uri="{BB962C8B-B14F-4D97-AF65-F5344CB8AC3E}">
-        <p14:creationId xmlns:p14="http://schemas.microsoft.com/office/powerpoint/2010/main" val="839718108"/>
+        <p14:creationId xmlns:p14="http://schemas.microsoft.com/office/powerpoint/2010/main" val="607357109"/>
       </p:ext>
     </p:extLst>
   </p:cSld>
@@ -4409,7 +4291,7 @@
       </p:grpSpPr>
       <p:sp>
         <p:nvSpPr>
-          <p:cNvPr id="2" name="Title 1"/>
+          <p:cNvPr id="6" name="Title 5"/>
           <p:cNvSpPr>
             <a:spLocks noGrp="1"/>
           </p:cNvSpPr>
@@ -4417,21 +4299,32 @@
             <p:ph type="title"/>
           </p:nvPr>
         </p:nvSpPr>
-        <p:spPr/>
-        <p:txBody>
-          <a:bodyPr/>
+        <p:spPr>
+          <a:xfrm>
+            <a:off x="457200" y="274638"/>
+            <a:ext cx="8229600" cy="745139"/>
+          </a:xfrm>
+        </p:spPr>
+        <p:txBody>
+          <a:bodyPr>
+            <a:normAutofit/>
+          </a:bodyPr>
           <a:lstStyle/>
           <a:p>
             <a:r>
-              <a:rPr lang="en-US" dirty="0"/>
-              <a:t>Elements in a Menu XML file</a:t>
-            </a:r>
-          </a:p>
-        </p:txBody>
-      </p:sp>
-      <p:sp>
-        <p:nvSpPr>
-          <p:cNvPr id="3" name="Content Placeholder 2"/>
+              <a:rPr lang="en-US" sz="3600" b="1" dirty="0">
+                <a:solidFill>
+                  <a:srgbClr val="2D2DB9"/>
+                </a:solidFill>
+              </a:rPr>
+              <a:t>Attributes of the Menu Item</a:t>
+            </a:r>
+          </a:p>
+        </p:txBody>
+      </p:sp>
+      <p:sp>
+        <p:nvSpPr>
+          <p:cNvPr id="7" name="Content Placeholder 6"/>
           <p:cNvSpPr>
             <a:spLocks noGrp="1"/>
           </p:cNvSpPr>
@@ -4439,10 +4332,15 @@
             <p:ph idx="1"/>
           </p:nvPr>
         </p:nvSpPr>
-        <p:spPr/>
+        <p:spPr>
+          <a:xfrm>
+            <a:off x="457200" y="1093943"/>
+            <a:ext cx="8229600" cy="5414087"/>
+          </a:xfrm>
+        </p:spPr>
         <p:txBody>
           <a:bodyPr>
-            <a:normAutofit fontScale="85000" lnSpcReduction="10000"/>
+            <a:normAutofit fontScale="85000" lnSpcReduction="20000"/>
           </a:bodyPr>
           <a:lstStyle/>
           <a:p>
@@ -4451,90 +4349,97 @@
             </a:pPr>
             <a:r>
               <a:rPr lang="en-US" dirty="0"/>
-              <a:t>&lt;menu&gt;</a:t>
-            </a:r>
+              <a:t>Commonly used attributes of the &lt;item&gt; element:</a:t>
+            </a:r>
+          </a:p>
+          <a:p>
+            <a:r>
+              <a:rPr lang="en-US" dirty="0" err="1"/>
+              <a:t>android:id</a:t>
+            </a:r>
+            <a:endParaRPr lang="en-US" dirty="0"/>
           </a:p>
           <a:p>
             <a:pPr lvl="1"/>
             <a:r>
               <a:rPr lang="en-US" dirty="0"/>
-              <a:t>Defines a Menu, which is a container for menu items. </a:t>
-            </a:r>
+              <a:t>A resource ID that's unique to the item, which allows the application to recognize the item when the user selects it</a:t>
+            </a:r>
+          </a:p>
+          <a:p>
+            <a:r>
+              <a:rPr lang="en-US" dirty="0" err="1"/>
+              <a:t>android:icon</a:t>
+            </a:r>
+            <a:endParaRPr lang="en-US" dirty="0"/>
           </a:p>
           <a:p>
             <a:pPr lvl="1"/>
             <a:r>
               <a:rPr lang="en-US" dirty="0"/>
-              <a:t>Must be the root node for the file</a:t>
-            </a:r>
+              <a:t>A reference to a drawable to use as the item's icon</a:t>
+            </a:r>
+          </a:p>
+          <a:p>
+            <a:r>
+              <a:rPr lang="en-US" dirty="0" err="1"/>
+              <a:t>android:title</a:t>
+            </a:r>
+            <a:endParaRPr lang="en-US" dirty="0"/>
           </a:p>
           <a:p>
             <a:pPr lvl="1"/>
             <a:r>
               <a:rPr lang="en-US" dirty="0"/>
-              <a:t> Can hold one or more &lt;item&gt; and &lt;group&gt; elements.</a:t>
-            </a:r>
-          </a:p>
-          <a:p>
-            <a:pPr marL="0" indent="0">
-              <a:buNone/>
-            </a:pPr>
+              <a:t>A reference to a string to use as the item's title</a:t>
+            </a:r>
+          </a:p>
+          <a:p>
+            <a:r>
+              <a:rPr lang="en-US" dirty="0" err="1"/>
+              <a:t>android:showAsAction</a:t>
+            </a:r>
+            <a:endParaRPr lang="en-US" dirty="0"/>
+          </a:p>
+          <a:p>
+            <a:pPr lvl="1"/>
             <a:r>
               <a:rPr lang="en-US" dirty="0"/>
-              <a:t>&lt;item&gt;</a:t>
-            </a:r>
+              <a:t>Specifies when and how this item should appear as an action item in the app bar; values: </a:t>
+            </a:r>
+            <a:r>
+              <a:rPr lang="en-US" i="1" dirty="0"/>
+              <a:t>always, never, </a:t>
+            </a:r>
+            <a:r>
+              <a:rPr lang="en-US" i="1" dirty="0" err="1"/>
+              <a:t>ifRoom</a:t>
+            </a:r>
+            <a:endParaRPr lang="en-US" i="1" dirty="0"/>
+          </a:p>
+          <a:p>
+            <a:r>
+              <a:rPr lang="en-US" dirty="0" err="1"/>
+              <a:t>android:orderInCategory</a:t>
+            </a:r>
+            <a:endParaRPr lang="en-US" dirty="0"/>
           </a:p>
           <a:p>
             <a:pPr lvl="1"/>
             <a:r>
               <a:rPr lang="en-US" dirty="0"/>
-              <a:t>Creates a </a:t>
-            </a:r>
-            <a:r>
-              <a:rPr lang="en-US" dirty="0" err="1"/>
-              <a:t>MenuItem</a:t>
-            </a:r>
-            <a:r>
-              <a:rPr lang="en-US" dirty="0"/>
-              <a:t>, which represents a single menu item</a:t>
-            </a:r>
-          </a:p>
-          <a:p>
-            <a:pPr lvl="1"/>
-            <a:r>
-              <a:rPr lang="en-US" dirty="0"/>
-              <a:t>May contain a nested &lt;menu&gt; element for a submenu</a:t>
-            </a:r>
-          </a:p>
-          <a:p>
-            <a:pPr marL="0" indent="0">
-              <a:buNone/>
-            </a:pPr>
-            <a:r>
-              <a:rPr lang="en-US" dirty="0"/>
-              <a:t>&lt;group&gt;</a:t>
-            </a:r>
-          </a:p>
-          <a:p>
-            <a:pPr lvl="1"/>
-            <a:r>
-              <a:rPr lang="en-US" dirty="0"/>
-              <a:t>An optional, invisible container for &lt;item&gt; elements. </a:t>
-            </a:r>
-          </a:p>
-          <a:p>
-            <a:pPr lvl="1"/>
-            <a:r>
-              <a:rPr lang="en-US" dirty="0"/>
-              <a:t>Allows you to categorize menu items so they share properties such as active state and visibility. </a:t>
-            </a:r>
+              <a:t>Specifies an int value for the sequence of the item in ascending order</a:t>
+            </a:r>
+          </a:p>
+          <a:p>
+            <a:endParaRPr lang="en-US" dirty="0"/>
           </a:p>
         </p:txBody>
       </p:sp>
     </p:spTree>
     <p:extLst>
       <p:ext uri="{BB962C8B-B14F-4D97-AF65-F5344CB8AC3E}">
-        <p14:creationId xmlns:p14="http://schemas.microsoft.com/office/powerpoint/2010/main" val="607357109"/>
+        <p14:creationId xmlns:p14="http://schemas.microsoft.com/office/powerpoint/2010/main" val="869500514"/>
       </p:ext>
     </p:extLst>
   </p:cSld>
@@ -4563,183 +4468,6 @@
       </p:grpSpPr>
       <p:sp>
         <p:nvSpPr>
-          <p:cNvPr id="6" name="Title 5"/>
-          <p:cNvSpPr>
-            <a:spLocks noGrp="1"/>
-          </p:cNvSpPr>
-          <p:nvPr>
-            <p:ph type="title"/>
-          </p:nvPr>
-        </p:nvSpPr>
-        <p:spPr>
-          <a:xfrm>
-            <a:off x="457200" y="274638"/>
-            <a:ext cx="8229600" cy="745139"/>
-          </a:xfrm>
-        </p:spPr>
-        <p:txBody>
-          <a:bodyPr>
-            <a:normAutofit/>
-          </a:bodyPr>
-          <a:lstStyle/>
-          <a:p>
-            <a:r>
-              <a:rPr lang="en-US" sz="3600" b="1" dirty="0">
-                <a:solidFill>
-                  <a:srgbClr val="2D2DB9"/>
-                </a:solidFill>
-              </a:rPr>
-              <a:t>Attributes of the Menu Item</a:t>
-            </a:r>
-          </a:p>
-        </p:txBody>
-      </p:sp>
-      <p:sp>
-        <p:nvSpPr>
-          <p:cNvPr id="7" name="Content Placeholder 6"/>
-          <p:cNvSpPr>
-            <a:spLocks noGrp="1"/>
-          </p:cNvSpPr>
-          <p:nvPr>
-            <p:ph idx="1"/>
-          </p:nvPr>
-        </p:nvSpPr>
-        <p:spPr>
-          <a:xfrm>
-            <a:off x="457200" y="1093943"/>
-            <a:ext cx="8229600" cy="5414087"/>
-          </a:xfrm>
-        </p:spPr>
-        <p:txBody>
-          <a:bodyPr>
-            <a:normAutofit fontScale="85000" lnSpcReduction="20000"/>
-          </a:bodyPr>
-          <a:lstStyle/>
-          <a:p>
-            <a:pPr marL="0" indent="0">
-              <a:buNone/>
-            </a:pPr>
-            <a:r>
-              <a:rPr lang="en-US" dirty="0"/>
-              <a:t>Commonly used attributes of the &lt;item&gt; element:</a:t>
-            </a:r>
-          </a:p>
-          <a:p>
-            <a:r>
-              <a:rPr lang="en-US" dirty="0" err="1"/>
-              <a:t>android:id</a:t>
-            </a:r>
-            <a:endParaRPr lang="en-US" dirty="0"/>
-          </a:p>
-          <a:p>
-            <a:pPr lvl="1"/>
-            <a:r>
-              <a:rPr lang="en-US" dirty="0"/>
-              <a:t>A resource ID that's unique to the item, which allows the application to recognize the item when the user selects it</a:t>
-            </a:r>
-          </a:p>
-          <a:p>
-            <a:r>
-              <a:rPr lang="en-US" dirty="0" err="1"/>
-              <a:t>android:icon</a:t>
-            </a:r>
-            <a:endParaRPr lang="en-US" dirty="0"/>
-          </a:p>
-          <a:p>
-            <a:pPr lvl="1"/>
-            <a:r>
-              <a:rPr lang="en-US" dirty="0"/>
-              <a:t>A reference to a drawable to use as the item's icon</a:t>
-            </a:r>
-          </a:p>
-          <a:p>
-            <a:r>
-              <a:rPr lang="en-US" dirty="0" err="1"/>
-              <a:t>android:title</a:t>
-            </a:r>
-            <a:endParaRPr lang="en-US" dirty="0"/>
-          </a:p>
-          <a:p>
-            <a:pPr lvl="1"/>
-            <a:r>
-              <a:rPr lang="en-US" dirty="0"/>
-              <a:t>A reference to a string to use as the item's title</a:t>
-            </a:r>
-          </a:p>
-          <a:p>
-            <a:r>
-              <a:rPr lang="en-US" dirty="0" err="1"/>
-              <a:t>android:showAsAction</a:t>
-            </a:r>
-            <a:endParaRPr lang="en-US" dirty="0"/>
-          </a:p>
-          <a:p>
-            <a:pPr lvl="1"/>
-            <a:r>
-              <a:rPr lang="en-US" dirty="0"/>
-              <a:t>Specifies when and how this item should appear as an action item in the app bar; values: </a:t>
-            </a:r>
-            <a:r>
-              <a:rPr lang="en-US" i="1" dirty="0"/>
-              <a:t>always, never, </a:t>
-            </a:r>
-            <a:r>
-              <a:rPr lang="en-US" i="1" dirty="0" err="1"/>
-              <a:t>ifRoom</a:t>
-            </a:r>
-            <a:endParaRPr lang="en-US" i="1" dirty="0"/>
-          </a:p>
-          <a:p>
-            <a:r>
-              <a:rPr lang="en-US" dirty="0" err="1"/>
-              <a:t>android:orderInCategory</a:t>
-            </a:r>
-            <a:endParaRPr lang="en-US" dirty="0"/>
-          </a:p>
-          <a:p>
-            <a:pPr lvl="1"/>
-            <a:r>
-              <a:rPr lang="en-US" dirty="0"/>
-              <a:t>Specifies an int value for the sequence of the item in ascending order</a:t>
-            </a:r>
-          </a:p>
-          <a:p>
-            <a:endParaRPr lang="en-US" dirty="0"/>
-          </a:p>
-        </p:txBody>
-      </p:sp>
-    </p:spTree>
-    <p:extLst>
-      <p:ext uri="{BB962C8B-B14F-4D97-AF65-F5344CB8AC3E}">
-        <p14:creationId xmlns:p14="http://schemas.microsoft.com/office/powerpoint/2010/main" val="869500514"/>
-      </p:ext>
-    </p:extLst>
-  </p:cSld>
-  <p:clrMapOvr>
-    <a:masterClrMapping/>
-  </p:clrMapOvr>
-</p:sld>
-</file>
-
-<file path=ppt/slides/slide13.xml><?xml version="1.0" encoding="utf-8"?>
-<p:sld xmlns:a="http://schemas.openxmlformats.org/drawingml/2006/main" xmlns:r="http://schemas.openxmlformats.org/officeDocument/2006/relationships" xmlns:p="http://schemas.openxmlformats.org/presentationml/2006/main">
-  <p:cSld>
-    <p:spTree>
-      <p:nvGrpSpPr>
-        <p:cNvPr id="1" name=""/>
-        <p:cNvGrpSpPr/>
-        <p:nvPr/>
-      </p:nvGrpSpPr>
-      <p:grpSpPr>
-        <a:xfrm>
-          <a:off x="0" y="0"/>
-          <a:ext cx="0" cy="0"/>
-          <a:chOff x="0" y="0"/>
-          <a:chExt cx="0" cy="0"/>
-        </a:xfrm>
-      </p:grpSpPr>
-      <p:sp>
-        <p:nvSpPr>
           <p:cNvPr id="2" name="Date Placeholder 1"/>
           <p:cNvSpPr>
             <a:spLocks noGrp="1"/>
@@ -4840,7 +4568,7 @@
               <a:pPr algn="r">
                 <a:defRPr/>
               </a:pPr>
-              <a:t>13</a:t>
+              <a:t>12</a:t>
             </a:fld>
             <a:endParaRPr lang="en-US" sz="900">
               <a:latin typeface="Arial Narrow" pitchFamily="34" charset="0"/>
@@ -4870,7 +4598,7 @@
           <a:graphicData uri="http://schemas.openxmlformats.org/presentationml/2006/ole">
             <mc:AlternateContent xmlns:mc="http://schemas.openxmlformats.org/markup-compatibility/2006">
               <mc:Choice xmlns:v="urn:schemas-microsoft-com:vml" Requires="v">
-                <p:oleObj spid="_x0000_s6187" name="Document" r:id="rId3" imgW="6864202" imgH="2647457" progId="Word.Document.12">
+                <p:oleObj spid="_x0000_s6188" name="Document" r:id="rId3" imgW="6864202" imgH="2647457" progId="Word.Document.12">
                   <p:embed/>
                 </p:oleObj>
               </mc:Choice>
@@ -4918,7 +4646,7 @@
 </p:sld>
 </file>
 
-<file path=ppt/slides/slide14.xml><?xml version="1.0" encoding="utf-8"?>
+<file path=ppt/slides/slide13.xml><?xml version="1.0" encoding="utf-8"?>
 <p:sld xmlns:a="http://schemas.openxmlformats.org/drawingml/2006/main" xmlns:r="http://schemas.openxmlformats.org/officeDocument/2006/relationships" xmlns:p="http://schemas.openxmlformats.org/presentationml/2006/main">
   <p:cSld>
     <p:bg>
@@ -5030,7 +4758,7 @@
 </p:sld>
 </file>
 
-<file path=ppt/slides/slide15.xml><?xml version="1.0" encoding="utf-8"?>
+<file path=ppt/slides/slide14.xml><?xml version="1.0" encoding="utf-8"?>
 <p:sld xmlns:a="http://schemas.openxmlformats.org/drawingml/2006/main" xmlns:r="http://schemas.openxmlformats.org/officeDocument/2006/relationships" xmlns:p="http://schemas.openxmlformats.org/presentationml/2006/main">
   <p:cSld>
     <p:spTree>
@@ -5149,7 +4877,7 @@
               <a:pPr algn="r">
                 <a:defRPr/>
               </a:pPr>
-              <a:t>15</a:t>
+              <a:t>14</a:t>
             </a:fld>
             <a:endParaRPr lang="en-US" sz="900">
               <a:latin typeface="Arial Narrow" pitchFamily="34" charset="0"/>
@@ -5179,7 +4907,7 @@
           <a:graphicData uri="http://schemas.openxmlformats.org/presentationml/2006/ole">
             <mc:AlternateContent xmlns:mc="http://schemas.openxmlformats.org/markup-compatibility/2006">
               <mc:Choice xmlns:v="urn:schemas-microsoft-com:vml" Requires="v">
-                <p:oleObj spid="_x0000_s7212" name="Document" r:id="rId3" imgW="6858000" imgH="3086100" progId="Word.Document.12">
+                <p:oleObj spid="_x0000_s7213" name="Document" r:id="rId3" imgW="6858000" imgH="3086100" progId="Word.Document.12">
                   <p:embed/>
                 </p:oleObj>
               </mc:Choice>
@@ -5227,7 +4955,7 @@
 </p:sld>
 </file>
 
-<file path=ppt/slides/slide16.xml><?xml version="1.0" encoding="utf-8"?>
+<file path=ppt/slides/slide15.xml><?xml version="1.0" encoding="utf-8"?>
 <p:sld xmlns:a="http://schemas.openxmlformats.org/drawingml/2006/main" xmlns:r="http://schemas.openxmlformats.org/officeDocument/2006/relationships" xmlns:p="http://schemas.openxmlformats.org/presentationml/2006/main">
   <p:cSld>
     <p:spTree>
@@ -5346,7 +5074,7 @@
               <a:pPr algn="r">
                 <a:defRPr/>
               </a:pPr>
-              <a:t>16</a:t>
+              <a:t>15</a:t>
             </a:fld>
             <a:endParaRPr lang="en-US" sz="900">
               <a:latin typeface="Arial Narrow" pitchFamily="34" charset="0"/>
@@ -5376,7 +5104,7 @@
           <a:graphicData uri="http://schemas.openxmlformats.org/presentationml/2006/ole">
             <mc:AlternateContent xmlns:mc="http://schemas.openxmlformats.org/markup-compatibility/2006">
               <mc:Choice xmlns:v="urn:schemas-microsoft-com:vml" Requires="v">
-                <p:oleObj spid="_x0000_s8235" name="Document" r:id="rId3" imgW="6858000" imgH="5194300" progId="Word.Document.12">
+                <p:oleObj spid="_x0000_s8236" name="Document" r:id="rId3" imgW="6858000" imgH="5194300" progId="Word.Document.12">
                   <p:embed/>
                 </p:oleObj>
               </mc:Choice>
@@ -5424,7 +5152,7 @@
 </p:sld>
 </file>
 
-<file path=ppt/slides/slide17.xml><?xml version="1.0" encoding="utf-8"?>
+<file path=ppt/slides/slide16.xml><?xml version="1.0" encoding="utf-8"?>
 <p:sld xmlns:a="http://schemas.openxmlformats.org/drawingml/2006/main" xmlns:r="http://schemas.openxmlformats.org/officeDocument/2006/relationships" xmlns:p="http://schemas.openxmlformats.org/presentationml/2006/main">
   <p:cSld>
     <p:bg>
@@ -5542,7 +5270,7 @@
 </p:sld>
 </file>
 
-<file path=ppt/slides/slide18.xml><?xml version="1.0" encoding="utf-8"?>
+<file path=ppt/slides/slide17.xml><?xml version="1.0" encoding="utf-8"?>
 <p:sld xmlns:a="http://schemas.openxmlformats.org/drawingml/2006/main" xmlns:r="http://schemas.openxmlformats.org/officeDocument/2006/relationships" xmlns:p="http://schemas.openxmlformats.org/presentationml/2006/main">
   <p:cSld>
     <p:bg>
@@ -5673,7 +5401,7 @@
 </p:sld>
 </file>
 
-<file path=ppt/slides/slide19.xml><?xml version="1.0" encoding="utf-8"?>
+<file path=ppt/slides/slide18.xml><?xml version="1.0" encoding="utf-8"?>
 <p:sld xmlns:a="http://schemas.openxmlformats.org/drawingml/2006/main" xmlns:r="http://schemas.openxmlformats.org/officeDocument/2006/relationships" xmlns:p="http://schemas.openxmlformats.org/presentationml/2006/main">
   <p:cSld>
     <p:spTree>
@@ -5818,7 +5546,7 @@
               <a:pPr algn="r">
                 <a:defRPr/>
               </a:pPr>
-              <a:t>19</a:t>
+              <a:t>18</a:t>
             </a:fld>
             <a:endParaRPr lang="en-US" sz="900">
               <a:solidFill>
@@ -5851,7 +5579,7 @@
           <a:graphicData uri="http://schemas.openxmlformats.org/presentationml/2006/ole">
             <mc:AlternateContent xmlns:mc="http://schemas.openxmlformats.org/markup-compatibility/2006">
               <mc:Choice xmlns:v="urn:schemas-microsoft-com:vml" Requires="v">
-                <p:oleObj spid="_x0000_s9260" name="Document" r:id="rId3" imgW="6858000" imgH="3797300" progId="Word.Document.12">
+                <p:oleObj spid="_x0000_s9261" name="Document" r:id="rId3" imgW="6858000" imgH="3797300" progId="Word.Document.12">
                   <p:embed/>
                 </p:oleObj>
               </mc:Choice>
@@ -5957,7 +5685,7 @@
 </p:sld>
 </file>
 
-<file path=ppt/slides/slide2.xml><?xml version="1.0" encoding="utf-8"?>
+<file path=ppt/slides/slide19.xml><?xml version="1.0" encoding="utf-8"?>
 <p:sld xmlns:a="http://schemas.openxmlformats.org/drawingml/2006/main" xmlns:r="http://schemas.openxmlformats.org/officeDocument/2006/relationships" xmlns:p="http://schemas.openxmlformats.org/presentationml/2006/main">
   <p:cSld>
     <p:spTree>
@@ -5976,832 +5704,6 @@
       </p:grpSpPr>
       <p:sp>
         <p:nvSpPr>
-          <p:cNvPr id="6" name="Title 5"/>
-          <p:cNvSpPr>
-            <a:spLocks noGrp="1"/>
-          </p:cNvSpPr>
-          <p:nvPr>
-            <p:ph type="title"/>
-          </p:nvPr>
-        </p:nvSpPr>
-        <p:spPr/>
-        <p:txBody>
-          <a:bodyPr/>
-          <a:lstStyle/>
-          <a:p>
-            <a:r>
-              <a:rPr lang="en-US" dirty="0">
-                <a:solidFill>
-                  <a:srgbClr val="2D2DB9"/>
-                </a:solidFill>
-              </a:rPr>
-              <a:t>Course Overview</a:t>
-            </a:r>
-          </a:p>
-        </p:txBody>
-      </p:sp>
-      <p:graphicFrame>
-        <p:nvGraphicFramePr>
-          <p:cNvPr id="5" name="Content Placeholder 4"/>
-          <p:cNvGraphicFramePr>
-            <a:graphicFrameLocks noGrp="1"/>
-          </p:cNvGraphicFramePr>
-          <p:nvPr>
-            <p:ph sz="half" idx="1"/>
-            <p:extLst>
-              <p:ext uri="{D42A27DB-BD31-4B8C-83A1-F6EECF244321}">
-                <p14:modId xmlns:p14="http://schemas.microsoft.com/office/powerpoint/2010/main" val="1974460180"/>
-              </p:ext>
-            </p:extLst>
-          </p:nvPr>
-        </p:nvGraphicFramePr>
-        <p:xfrm>
-          <a:off x="457200" y="1600200"/>
-          <a:ext cx="3811200" cy="5152684"/>
-        </p:xfrm>
-        <a:graphic>
-          <a:graphicData uri="http://schemas.openxmlformats.org/drawingml/2006/table">
-            <a:tbl>
-              <a:tblPr firstRow="1" bandRow="1">
-                <a:tableStyleId>{5C22544A-7EE6-4342-B048-85BDC9FD1C3A}</a:tableStyleId>
-              </a:tblPr>
-              <a:tblGrid>
-                <a:gridCol w="511701">
-                  <a:extLst>
-                    <a:ext uri="{9D8B030D-6E8A-4147-A177-3AD203B41FA5}">
-                      <a16:colId xmlns:a16="http://schemas.microsoft.com/office/drawing/2014/main" val="20000"/>
-                    </a:ext>
-                  </a:extLst>
-                </a:gridCol>
-                <a:gridCol w="3299499">
-                  <a:extLst>
-                    <a:ext uri="{9D8B030D-6E8A-4147-A177-3AD203B41FA5}">
-                      <a16:colId xmlns:a16="http://schemas.microsoft.com/office/drawing/2014/main" val="20001"/>
-                    </a:ext>
-                  </a:extLst>
-                </a:gridCol>
-              </a:tblGrid>
-              <a:tr h="428284">
-                <a:tc>
-                  <a:txBody>
-                    <a:bodyPr/>
-                    <a:lstStyle/>
-                    <a:p>
-                      <a:r>
-                        <a:rPr lang="en-US" dirty="0"/>
-                        <a:t>Wk</a:t>
-                      </a:r>
-                    </a:p>
-                  </a:txBody>
-                  <a:tcPr/>
-                </a:tc>
-                <a:tc>
-                  <a:txBody>
-                    <a:bodyPr/>
-                    <a:lstStyle/>
-                    <a:p>
-                      <a:r>
-                        <a:rPr lang="en-US" dirty="0"/>
-                        <a:t>Topic</a:t>
-                      </a:r>
-                    </a:p>
-                  </a:txBody>
-                  <a:tcPr/>
-                </a:tc>
-                <a:extLst>
-                  <a:ext uri="{0D108BD9-81ED-4DB2-BD59-A6C34878D82A}">
-                    <a16:rowId xmlns:a16="http://schemas.microsoft.com/office/drawing/2014/main" val="10000"/>
-                  </a:ext>
-                </a:extLst>
-              </a:tr>
-              <a:tr h="428284">
-                <a:tc>
-                  <a:txBody>
-                    <a:bodyPr/>
-                    <a:lstStyle/>
-                    <a:p>
-                      <a:r>
-                        <a:rPr lang="en-US" sz="2800" dirty="0"/>
-                        <a:t>1</a:t>
-                      </a:r>
-                    </a:p>
-                  </a:txBody>
-                  <a:tcPr/>
-                </a:tc>
-                <a:tc>
-                  <a:txBody>
-                    <a:bodyPr/>
-                    <a:lstStyle/>
-                    <a:p>
-                      <a:pPr marL="0" marR="0" indent="0" algn="l" defTabSz="457200" rtl="0" eaLnBrk="1" fontAlgn="auto" latinLnBrk="0" hangingPunct="1">
-                        <a:lnSpc>
-                          <a:spcPct val="100000"/>
-                        </a:lnSpc>
-                        <a:spcBef>
-                          <a:spcPts val="0"/>
-                        </a:spcBef>
-                        <a:spcAft>
-                          <a:spcPts val="0"/>
-                        </a:spcAft>
-                        <a:buClrTx/>
-                        <a:buSzTx/>
-                        <a:buFontTx/>
-                        <a:buNone/>
-                        <a:tabLst/>
-                        <a:defRPr/>
-                      </a:pPr>
-                      <a:r>
-                        <a:rPr lang="en-US" sz="2800" dirty="0"/>
-                        <a:t>Intro</a:t>
-                      </a:r>
-                      <a:r>
-                        <a:rPr lang="en-US" sz="2800" baseline="0" dirty="0"/>
-                        <a:t>,</a:t>
-                      </a:r>
-                      <a:r>
-                        <a:rPr lang="en-US" sz="2800" dirty="0"/>
-                        <a:t> </a:t>
-                      </a:r>
-                      <a:br>
-                        <a:rPr lang="en-US" sz="2800" dirty="0"/>
-                      </a:br>
-                      <a:r>
-                        <a:rPr lang="en-US" sz="2800" dirty="0"/>
-                        <a:t>single-screen apps</a:t>
-                      </a:r>
-                    </a:p>
-                  </a:txBody>
-                  <a:tcPr/>
-                </a:tc>
-                <a:extLst>
-                  <a:ext uri="{0D108BD9-81ED-4DB2-BD59-A6C34878D82A}">
-                    <a16:rowId xmlns:a16="http://schemas.microsoft.com/office/drawing/2014/main" val="10001"/>
-                  </a:ext>
-                </a:extLst>
-              </a:tr>
-              <a:tr h="428284">
-                <a:tc>
-                  <a:txBody>
-                    <a:bodyPr/>
-                    <a:lstStyle/>
-                    <a:p>
-                      <a:r>
-                        <a:rPr lang="en-US" sz="2800" dirty="0"/>
-                        <a:t>1</a:t>
-                      </a:r>
-                    </a:p>
-                  </a:txBody>
-                  <a:tcPr/>
-                </a:tc>
-                <a:tc>
-                  <a:txBody>
-                    <a:bodyPr/>
-                    <a:lstStyle/>
-                    <a:p>
-                      <a:pPr marL="0" marR="0" indent="0" algn="l" defTabSz="457200" rtl="0" eaLnBrk="1" fontAlgn="auto" latinLnBrk="0" hangingPunct="1">
-                        <a:lnSpc>
-                          <a:spcPct val="100000"/>
-                        </a:lnSpc>
-                        <a:spcBef>
-                          <a:spcPts val="0"/>
-                        </a:spcBef>
-                        <a:spcAft>
-                          <a:spcPts val="0"/>
-                        </a:spcAft>
-                        <a:buClrTx/>
-                        <a:buSzTx/>
-                        <a:buFontTx/>
-                        <a:buNone/>
-                        <a:tabLst/>
-                        <a:defRPr/>
-                      </a:pPr>
-                      <a:r>
-                        <a:rPr lang="en-US" sz="2800" dirty="0"/>
-                        <a:t>Activity Lifecycle, saving</a:t>
-                      </a:r>
-                      <a:r>
-                        <a:rPr lang="en-US" sz="2800" baseline="0" dirty="0"/>
-                        <a:t> activity state</a:t>
-                      </a:r>
-                      <a:endParaRPr lang="en-US" sz="2800" dirty="0"/>
-                    </a:p>
-                  </a:txBody>
-                  <a:tcPr/>
-                </a:tc>
-                <a:extLst>
-                  <a:ext uri="{0D108BD9-81ED-4DB2-BD59-A6C34878D82A}">
-                    <a16:rowId xmlns:a16="http://schemas.microsoft.com/office/drawing/2014/main" val="10002"/>
-                  </a:ext>
-                </a:extLst>
-              </a:tr>
-              <a:tr h="428284">
-                <a:tc>
-                  <a:txBody>
-                    <a:bodyPr/>
-                    <a:lstStyle/>
-                    <a:p>
-                      <a:r>
-                        <a:rPr lang="en-US" sz="2800" dirty="0"/>
-                        <a:t>2</a:t>
-                      </a:r>
-                    </a:p>
-                  </a:txBody>
-                  <a:tcPr/>
-                </a:tc>
-                <a:tc>
-                  <a:txBody>
-                    <a:bodyPr/>
-                    <a:lstStyle/>
-                    <a:p>
-                      <a:pPr marL="0" marR="0" indent="0" algn="l" defTabSz="457200" rtl="0" eaLnBrk="1" fontAlgn="auto" latinLnBrk="0" hangingPunct="1">
-                        <a:lnSpc>
-                          <a:spcPct val="100000"/>
-                        </a:lnSpc>
-                        <a:spcBef>
-                          <a:spcPts val="0"/>
-                        </a:spcBef>
-                        <a:spcAft>
-                          <a:spcPts val="0"/>
-                        </a:spcAft>
-                        <a:buClrTx/>
-                        <a:buSzTx/>
-                        <a:buFontTx/>
-                        <a:buNone/>
-                        <a:tabLst/>
-                        <a:defRPr/>
-                      </a:pPr>
-                      <a:r>
-                        <a:rPr lang="en-US" sz="2800" dirty="0"/>
-                        <a:t>Layouts</a:t>
-                      </a:r>
-                      <a:r>
-                        <a:rPr lang="en-US" sz="2800" baseline="0" dirty="0"/>
-                        <a:t> + widgets,</a:t>
-                      </a:r>
-                    </a:p>
-                    <a:p>
-                      <a:pPr marL="0" marR="0" indent="0" algn="l" defTabSz="457200" rtl="0" eaLnBrk="1" fontAlgn="auto" latinLnBrk="0" hangingPunct="1">
-                        <a:lnSpc>
-                          <a:spcPct val="100000"/>
-                        </a:lnSpc>
-                        <a:spcBef>
-                          <a:spcPts val="0"/>
-                        </a:spcBef>
-                        <a:spcAft>
-                          <a:spcPts val="0"/>
-                        </a:spcAft>
-                        <a:buClrTx/>
-                        <a:buSzTx/>
-                        <a:buFontTx/>
-                        <a:buNone/>
-                        <a:tabLst/>
-                        <a:defRPr/>
-                      </a:pPr>
-                      <a:r>
-                        <a:rPr lang="en-US" sz="2800" baseline="0" dirty="0"/>
-                        <a:t>Event Handlers</a:t>
-                      </a:r>
-                      <a:endParaRPr lang="en-US" sz="2800" dirty="0"/>
-                    </a:p>
-                  </a:txBody>
-                  <a:tcPr/>
-                </a:tc>
-                <a:extLst>
-                  <a:ext uri="{0D108BD9-81ED-4DB2-BD59-A6C34878D82A}">
-                    <a16:rowId xmlns:a16="http://schemas.microsoft.com/office/drawing/2014/main" val="10003"/>
-                  </a:ext>
-                </a:extLst>
-              </a:tr>
-              <a:tr h="428284">
-                <a:tc>
-                  <a:txBody>
-                    <a:bodyPr/>
-                    <a:lstStyle/>
-                    <a:p>
-                      <a:r>
-                        <a:rPr lang="en-US" sz="2800" dirty="0"/>
-                        <a:t>2</a:t>
-                      </a:r>
-                    </a:p>
-                  </a:txBody>
-                  <a:tcPr>
-                    <a:solidFill>
-                      <a:srgbClr val="FFFF00"/>
-                    </a:solidFill>
-                  </a:tcPr>
-                </a:tc>
-                <a:tc>
-                  <a:txBody>
-                    <a:bodyPr/>
-                    <a:lstStyle/>
-                    <a:p>
-                      <a:pPr marL="0" marR="0" indent="0" algn="l" defTabSz="457200" rtl="0" eaLnBrk="1" fontAlgn="auto" latinLnBrk="0" hangingPunct="1">
-                        <a:lnSpc>
-                          <a:spcPct val="100000"/>
-                        </a:lnSpc>
-                        <a:spcBef>
-                          <a:spcPts val="0"/>
-                        </a:spcBef>
-                        <a:spcAft>
-                          <a:spcPts val="0"/>
-                        </a:spcAft>
-                        <a:buClrTx/>
-                        <a:buSzTx/>
-                        <a:buFontTx/>
-                        <a:buNone/>
-                        <a:tabLst/>
-                        <a:defRPr/>
-                      </a:pPr>
-                      <a:r>
-                        <a:rPr lang="en-US" sz="2800" u="none" baseline="0" dirty="0"/>
-                        <a:t>Themes + styles,</a:t>
-                      </a:r>
-                    </a:p>
-                    <a:p>
-                      <a:pPr marL="0" marR="0" indent="0" algn="l" defTabSz="457200" rtl="0" eaLnBrk="1" fontAlgn="auto" latinLnBrk="0" hangingPunct="1">
-                        <a:lnSpc>
-                          <a:spcPct val="100000"/>
-                        </a:lnSpc>
-                        <a:spcBef>
-                          <a:spcPts val="0"/>
-                        </a:spcBef>
-                        <a:spcAft>
-                          <a:spcPts val="0"/>
-                        </a:spcAft>
-                        <a:buClrTx/>
-                        <a:buSzTx/>
-                        <a:buFontTx/>
-                        <a:buNone/>
-                        <a:tabLst/>
-                        <a:defRPr/>
-                      </a:pPr>
-                      <a:r>
-                        <a:rPr lang="en-US" sz="2800" u="sng" baseline="0" dirty="0"/>
-                        <a:t>Menu + settings</a:t>
-                      </a:r>
-                      <a:endParaRPr lang="en-US" sz="2800" u="sng" dirty="0"/>
-                    </a:p>
-                  </a:txBody>
-                  <a:tcPr>
-                    <a:solidFill>
-                      <a:srgbClr val="FFFF00"/>
-                    </a:solidFill>
-                  </a:tcPr>
-                </a:tc>
-                <a:extLst>
-                  <a:ext uri="{0D108BD9-81ED-4DB2-BD59-A6C34878D82A}">
-                    <a16:rowId xmlns:a16="http://schemas.microsoft.com/office/drawing/2014/main" val="10004"/>
-                  </a:ext>
-                </a:extLst>
-              </a:tr>
-              <a:tr h="428284">
-                <a:tc>
-                  <a:txBody>
-                    <a:bodyPr/>
-                    <a:lstStyle/>
-                    <a:p>
-                      <a:r>
-                        <a:rPr lang="en-US" sz="2800" dirty="0"/>
-                        <a:t>2</a:t>
-                      </a:r>
-                    </a:p>
-                  </a:txBody>
-                  <a:tcPr/>
-                </a:tc>
-                <a:tc>
-                  <a:txBody>
-                    <a:bodyPr/>
-                    <a:lstStyle/>
-                    <a:p>
-                      <a:pPr marL="0" marR="0" indent="0" algn="l" defTabSz="457200" rtl="0" eaLnBrk="1" fontAlgn="auto" latinLnBrk="0" hangingPunct="1">
-                        <a:lnSpc>
-                          <a:spcPct val="100000"/>
-                        </a:lnSpc>
-                        <a:spcBef>
-                          <a:spcPts val="0"/>
-                        </a:spcBef>
-                        <a:spcAft>
-                          <a:spcPts val="0"/>
-                        </a:spcAft>
-                        <a:buClrTx/>
-                        <a:buSzTx/>
-                        <a:buFontTx/>
-                        <a:buNone/>
-                        <a:tabLst/>
-                        <a:defRPr/>
-                      </a:pPr>
-                      <a:r>
-                        <a:rPr lang="en-US" sz="2800" dirty="0"/>
-                        <a:t>Multi-screen</a:t>
-                      </a:r>
-                      <a:r>
-                        <a:rPr lang="en-US" sz="2800" baseline="0" dirty="0"/>
-                        <a:t> apps, Fragments</a:t>
-                      </a:r>
-                      <a:endParaRPr lang="en-US" sz="2800" dirty="0"/>
-                    </a:p>
-                  </a:txBody>
-                  <a:tcPr/>
-                </a:tc>
-                <a:extLst>
-                  <a:ext uri="{0D108BD9-81ED-4DB2-BD59-A6C34878D82A}">
-                    <a16:rowId xmlns:a16="http://schemas.microsoft.com/office/drawing/2014/main" val="10005"/>
-                  </a:ext>
-                </a:extLst>
-              </a:tr>
-            </a:tbl>
-          </a:graphicData>
-        </a:graphic>
-      </p:graphicFrame>
-      <p:graphicFrame>
-        <p:nvGraphicFramePr>
-          <p:cNvPr id="8" name="Content Placeholder 7"/>
-          <p:cNvGraphicFramePr>
-            <a:graphicFrameLocks noGrp="1"/>
-          </p:cNvGraphicFramePr>
-          <p:nvPr>
-            <p:ph sz="half" idx="2"/>
-            <p:extLst>
-              <p:ext uri="{D42A27DB-BD31-4B8C-83A1-F6EECF244321}">
-                <p14:modId xmlns:p14="http://schemas.microsoft.com/office/powerpoint/2010/main" val="3112258889"/>
-              </p:ext>
-            </p:extLst>
-          </p:nvPr>
-        </p:nvGraphicFramePr>
-        <p:xfrm>
-          <a:off x="4412426" y="1600200"/>
-          <a:ext cx="4274374" cy="3866745"/>
-        </p:xfrm>
-        <a:graphic>
-          <a:graphicData uri="http://schemas.openxmlformats.org/drawingml/2006/table">
-            <a:tbl>
-              <a:tblPr firstRow="1" bandRow="1">
-                <a:tableStyleId>{5C22544A-7EE6-4342-B048-85BDC9FD1C3A}</a:tableStyleId>
-              </a:tblPr>
-              <a:tblGrid>
-                <a:gridCol w="589196">
-                  <a:extLst>
-                    <a:ext uri="{9D8B030D-6E8A-4147-A177-3AD203B41FA5}">
-                      <a16:colId xmlns:a16="http://schemas.microsoft.com/office/drawing/2014/main" val="20000"/>
-                    </a:ext>
-                  </a:extLst>
-                </a:gridCol>
-                <a:gridCol w="3685178">
-                  <a:extLst>
-                    <a:ext uri="{9D8B030D-6E8A-4147-A177-3AD203B41FA5}">
-                      <a16:colId xmlns:a16="http://schemas.microsoft.com/office/drawing/2014/main" val="20001"/>
-                    </a:ext>
-                  </a:extLst>
-                </a:gridCol>
-              </a:tblGrid>
-              <a:tr h="375862">
-                <a:tc>
-                  <a:txBody>
-                    <a:bodyPr/>
-                    <a:lstStyle/>
-                    <a:p>
-                      <a:r>
-                        <a:rPr lang="en-US" dirty="0"/>
-                        <a:t>Wk</a:t>
-                      </a:r>
-                    </a:p>
-                  </a:txBody>
-                  <a:tcPr/>
-                </a:tc>
-                <a:tc>
-                  <a:txBody>
-                    <a:bodyPr/>
-                    <a:lstStyle/>
-                    <a:p>
-                      <a:r>
-                        <a:rPr lang="en-US" dirty="0"/>
-                        <a:t>Topic</a:t>
-                      </a:r>
-                    </a:p>
-                  </a:txBody>
-                  <a:tcPr/>
-                </a:tc>
-                <a:extLst>
-                  <a:ext uri="{0D108BD9-81ED-4DB2-BD59-A6C34878D82A}">
-                    <a16:rowId xmlns:a16="http://schemas.microsoft.com/office/drawing/2014/main" val="10000"/>
-                  </a:ext>
-                </a:extLst>
-              </a:tr>
-              <a:tr h="957676">
-                <a:tc>
-                  <a:txBody>
-                    <a:bodyPr/>
-                    <a:lstStyle/>
-                    <a:p>
-                      <a:r>
-                        <a:rPr lang="en-US" sz="2800" dirty="0"/>
-                        <a:t>3</a:t>
-                      </a:r>
-                    </a:p>
-                  </a:txBody>
-                  <a:tcPr/>
-                </a:tc>
-                <a:tc>
-                  <a:txBody>
-                    <a:bodyPr/>
-                    <a:lstStyle/>
-                    <a:p>
-                      <a:pPr marL="0" marR="0" indent="0" algn="l" defTabSz="457200" rtl="0" eaLnBrk="1" fontAlgn="auto" latinLnBrk="0" hangingPunct="1">
-                        <a:lnSpc>
-                          <a:spcPct val="100000"/>
-                        </a:lnSpc>
-                        <a:spcBef>
-                          <a:spcPts val="0"/>
-                        </a:spcBef>
-                        <a:spcAft>
-                          <a:spcPts val="0"/>
-                        </a:spcAft>
-                        <a:buClrTx/>
-                        <a:buSzTx/>
-                        <a:buFontTx/>
-                        <a:buNone/>
-                        <a:tabLst/>
-                        <a:defRPr/>
-                      </a:pPr>
-                      <a:r>
-                        <a:rPr lang="en-US" sz="2800" baseline="0" dirty="0"/>
-                        <a:t>Reading XML files,</a:t>
-                      </a:r>
-                    </a:p>
-                    <a:p>
-                      <a:pPr marL="0" marR="0" indent="0" algn="l" defTabSz="457200" rtl="0" eaLnBrk="1" fontAlgn="auto" latinLnBrk="0" hangingPunct="1">
-                        <a:lnSpc>
-                          <a:spcPct val="100000"/>
-                        </a:lnSpc>
-                        <a:spcBef>
-                          <a:spcPts val="0"/>
-                        </a:spcBef>
-                        <a:spcAft>
-                          <a:spcPts val="0"/>
-                        </a:spcAft>
-                        <a:buClrTx/>
-                        <a:buSzTx/>
-                        <a:buFontTx/>
-                        <a:buNone/>
-                        <a:tabLst/>
-                        <a:defRPr/>
-                      </a:pPr>
-                      <a:r>
-                        <a:rPr lang="en-US" sz="2800" baseline="0" dirty="0"/>
-                        <a:t>Asynch Tasks</a:t>
-                      </a:r>
-                      <a:endParaRPr lang="en-US" sz="2800" dirty="0"/>
-                    </a:p>
-                  </a:txBody>
-                  <a:tcPr/>
-                </a:tc>
-                <a:extLst>
-                  <a:ext uri="{0D108BD9-81ED-4DB2-BD59-A6C34878D82A}">
-                    <a16:rowId xmlns:a16="http://schemas.microsoft.com/office/drawing/2014/main" val="10001"/>
-                  </a:ext>
-                </a:extLst>
-              </a:tr>
-              <a:tr h="525177">
-                <a:tc>
-                  <a:txBody>
-                    <a:bodyPr/>
-                    <a:lstStyle/>
-                    <a:p>
-                      <a:r>
-                        <a:rPr lang="en-US" sz="2800" dirty="0"/>
-                        <a:t>3</a:t>
-                      </a:r>
-                    </a:p>
-                  </a:txBody>
-                  <a:tcPr/>
-                </a:tc>
-                <a:tc>
-                  <a:txBody>
-                    <a:bodyPr/>
-                    <a:lstStyle/>
-                    <a:p>
-                      <a:pPr marL="0" marR="0" indent="0" algn="l" defTabSz="457200" rtl="0" eaLnBrk="1" fontAlgn="auto" latinLnBrk="0" hangingPunct="1">
-                        <a:lnSpc>
-                          <a:spcPct val="100000"/>
-                        </a:lnSpc>
-                        <a:spcBef>
-                          <a:spcPts val="0"/>
-                        </a:spcBef>
-                        <a:spcAft>
-                          <a:spcPts val="0"/>
-                        </a:spcAft>
-                        <a:buClrTx/>
-                        <a:buSzTx/>
-                        <a:buFontTx/>
-                        <a:buNone/>
-                        <a:tabLst/>
-                        <a:defRPr/>
-                      </a:pPr>
-                      <a:r>
-                        <a:rPr lang="en-US" sz="2800" dirty="0"/>
-                        <a:t>List Views</a:t>
-                      </a:r>
-                    </a:p>
-                  </a:txBody>
-                  <a:tcPr/>
-                </a:tc>
-                <a:extLst>
-                  <a:ext uri="{0D108BD9-81ED-4DB2-BD59-A6C34878D82A}">
-                    <a16:rowId xmlns:a16="http://schemas.microsoft.com/office/drawing/2014/main" val="10002"/>
-                  </a:ext>
-                </a:extLst>
-              </a:tr>
-              <a:tr h="525177">
-                <a:tc>
-                  <a:txBody>
-                    <a:bodyPr/>
-                    <a:lstStyle/>
-                    <a:p>
-                      <a:r>
-                        <a:rPr lang="en-US" sz="2800" dirty="0"/>
-                        <a:t>3</a:t>
-                      </a:r>
-                    </a:p>
-                  </a:txBody>
-                  <a:tcPr/>
-                </a:tc>
-                <a:tc>
-                  <a:txBody>
-                    <a:bodyPr/>
-                    <a:lstStyle/>
-                    <a:p>
-                      <a:pPr marL="0" marR="0" indent="0" algn="l" defTabSz="457200" rtl="0" eaLnBrk="1" fontAlgn="auto" latinLnBrk="0" hangingPunct="1">
-                        <a:lnSpc>
-                          <a:spcPct val="100000"/>
-                        </a:lnSpc>
-                        <a:spcBef>
-                          <a:spcPts val="0"/>
-                        </a:spcBef>
-                        <a:spcAft>
-                          <a:spcPts val="0"/>
-                        </a:spcAft>
-                        <a:buClrTx/>
-                        <a:buSzTx/>
-                        <a:buFontTx/>
-                        <a:buNone/>
-                        <a:tabLst/>
-                        <a:defRPr/>
-                      </a:pPr>
-                      <a:r>
-                        <a:rPr lang="en-US" sz="2800" dirty="0"/>
-                        <a:t>SQLite</a:t>
-                      </a:r>
-                      <a:r>
-                        <a:rPr lang="en-US" sz="2800" baseline="0" dirty="0"/>
-                        <a:t> Database</a:t>
-                      </a:r>
-                      <a:endParaRPr lang="en-US" sz="2800" dirty="0"/>
-                    </a:p>
-                  </a:txBody>
-                  <a:tcPr/>
-                </a:tc>
-                <a:extLst>
-                  <a:ext uri="{0D108BD9-81ED-4DB2-BD59-A6C34878D82A}">
-                    <a16:rowId xmlns:a16="http://schemas.microsoft.com/office/drawing/2014/main" val="10003"/>
-                  </a:ext>
-                </a:extLst>
-              </a:tr>
-              <a:tr h="957676">
-                <a:tc>
-                  <a:txBody>
-                    <a:bodyPr/>
-                    <a:lstStyle/>
-                    <a:p>
-                      <a:r>
-                        <a:rPr lang="en-US" sz="2800" dirty="0"/>
-                        <a:t>4</a:t>
-                      </a:r>
-                    </a:p>
-                  </a:txBody>
-                  <a:tcPr/>
-                </a:tc>
-                <a:tc>
-                  <a:txBody>
-                    <a:bodyPr/>
-                    <a:lstStyle/>
-                    <a:p>
-                      <a:pPr marL="0" marR="0" indent="0" algn="l" defTabSz="457200" rtl="0" eaLnBrk="1" fontAlgn="auto" latinLnBrk="0" hangingPunct="1">
-                        <a:lnSpc>
-                          <a:spcPct val="100000"/>
-                        </a:lnSpc>
-                        <a:spcBef>
-                          <a:spcPts val="0"/>
-                        </a:spcBef>
-                        <a:spcAft>
-                          <a:spcPts val="0"/>
-                        </a:spcAft>
-                        <a:buClrTx/>
-                        <a:buSzTx/>
-                        <a:buFontTx/>
-                        <a:buNone/>
-                        <a:tabLst/>
-                        <a:defRPr/>
-                      </a:pPr>
-                      <a:r>
-                        <a:rPr lang="en-US" sz="2800" dirty="0"/>
-                        <a:t>Consuming a web service</a:t>
-                      </a:r>
-                    </a:p>
-                  </a:txBody>
-                  <a:tcPr/>
-                </a:tc>
-                <a:extLst>
-                  <a:ext uri="{0D108BD9-81ED-4DB2-BD59-A6C34878D82A}">
-                    <a16:rowId xmlns:a16="http://schemas.microsoft.com/office/drawing/2014/main" val="10004"/>
-                  </a:ext>
-                </a:extLst>
-              </a:tr>
-              <a:tr h="525177">
-                <a:tc>
-                  <a:txBody>
-                    <a:bodyPr/>
-                    <a:lstStyle/>
-                    <a:p>
-                      <a:r>
-                        <a:rPr lang="en-US" sz="2800" dirty="0"/>
-                        <a:t>4</a:t>
-                      </a:r>
-                    </a:p>
-                  </a:txBody>
-                  <a:tcPr/>
-                </a:tc>
-                <a:tc>
-                  <a:txBody>
-                    <a:bodyPr/>
-                    <a:lstStyle/>
-                    <a:p>
-                      <a:pPr marL="0" marR="0" indent="0" algn="l" defTabSz="457200" rtl="0" eaLnBrk="1" fontAlgn="auto" latinLnBrk="0" hangingPunct="1">
-                        <a:lnSpc>
-                          <a:spcPct val="100000"/>
-                        </a:lnSpc>
-                        <a:spcBef>
-                          <a:spcPts val="0"/>
-                        </a:spcBef>
-                        <a:spcAft>
-                          <a:spcPts val="0"/>
-                        </a:spcAft>
-                        <a:buClrTx/>
-                        <a:buSzTx/>
-                        <a:buFontTx/>
-                        <a:buNone/>
-                        <a:tabLst/>
-                        <a:defRPr/>
-                      </a:pPr>
-                      <a:r>
-                        <a:rPr lang="en-US" sz="2800" dirty="0"/>
-                        <a:t>Geolocation</a:t>
-                      </a:r>
-                    </a:p>
-                  </a:txBody>
-                  <a:tcPr/>
-                </a:tc>
-                <a:extLst>
-                  <a:ext uri="{0D108BD9-81ED-4DB2-BD59-A6C34878D82A}">
-                    <a16:rowId xmlns:a16="http://schemas.microsoft.com/office/drawing/2014/main" val="10005"/>
-                  </a:ext>
-                </a:extLst>
-              </a:tr>
-            </a:tbl>
-          </a:graphicData>
-        </a:graphic>
-      </p:graphicFrame>
-    </p:spTree>
-    <p:extLst>
-      <p:ext uri="{BB962C8B-B14F-4D97-AF65-F5344CB8AC3E}">
-        <p14:creationId xmlns:p14="http://schemas.microsoft.com/office/powerpoint/2010/main" val="2875989580"/>
-      </p:ext>
-    </p:extLst>
-  </p:cSld>
-  <p:clrMapOvr>
-    <a:masterClrMapping/>
-  </p:clrMapOvr>
-</p:sld>
-</file>
-
-<file path=ppt/slides/slide20.xml><?xml version="1.0" encoding="utf-8"?>
-<p:sld xmlns:a="http://schemas.openxmlformats.org/drawingml/2006/main" xmlns:r="http://schemas.openxmlformats.org/officeDocument/2006/relationships" xmlns:p="http://schemas.openxmlformats.org/presentationml/2006/main">
-  <p:cSld>
-    <p:spTree>
-      <p:nvGrpSpPr>
-        <p:cNvPr id="1" name=""/>
-        <p:cNvGrpSpPr/>
-        <p:nvPr/>
-      </p:nvGrpSpPr>
-      <p:grpSpPr>
-        <a:xfrm>
-          <a:off x="0" y="0"/>
-          <a:ext cx="0" cy="0"/>
-          <a:chOff x="0" y="0"/>
-          <a:chExt cx="0" cy="0"/>
-        </a:xfrm>
-      </p:grpSpPr>
-      <p:sp>
-        <p:nvSpPr>
           <p:cNvPr id="2" name="Date Placeholder 1"/>
           <p:cNvSpPr>
             <a:spLocks noGrp="1"/>
@@ -6902,7 +5804,7 @@
               <a:pPr algn="r">
                 <a:defRPr/>
               </a:pPr>
-              <a:t>20</a:t>
+              <a:t>19</a:t>
             </a:fld>
             <a:endParaRPr lang="en-US" sz="900">
               <a:latin typeface="Arial Narrow" pitchFamily="34" charset="0"/>
@@ -6919,7 +5821,7 @@
           <p:nvPr>
             <p:extLst>
               <p:ext uri="{D42A27DB-BD31-4B8C-83A1-F6EECF244321}">
-                <p14:modId xmlns:p14="http://schemas.microsoft.com/office/powerpoint/2010/main" val="1009057241"/>
+                <p14:modId xmlns:p14="http://schemas.microsoft.com/office/powerpoint/2010/main" val="961469825"/>
               </p:ext>
             </p:extLst>
           </p:nvPr>
@@ -6932,7 +5834,7 @@
           <a:graphicData uri="http://schemas.openxmlformats.org/presentationml/2006/ole">
             <mc:AlternateContent xmlns:mc="http://schemas.openxmlformats.org/markup-compatibility/2006">
               <mc:Choice xmlns:v="urn:schemas-microsoft-com:vml" Requires="v">
-                <p:oleObj spid="_x0000_s10283" name="Document" r:id="rId3" imgW="7353300" imgH="5181600" progId="Word.Document.12">
+                <p:oleObj spid="_x0000_s10284" name="Document" r:id="rId3" imgW="7353300" imgH="5181600" progId="Word.Document.12">
                   <p:embed/>
                 </p:oleObj>
               </mc:Choice>
@@ -6980,6 +5882,365 @@
 </p:sld>
 </file>
 
+<file path=ppt/slides/slide2.xml><?xml version="1.0" encoding="utf-8"?>
+<p:sld xmlns:a="http://schemas.openxmlformats.org/drawingml/2006/main" xmlns:r="http://schemas.openxmlformats.org/officeDocument/2006/relationships" xmlns:p="http://schemas.openxmlformats.org/presentationml/2006/main">
+  <p:cSld>
+    <p:bg>
+      <p:bgPr>
+        <a:gradFill flip="none" rotWithShape="1">
+          <a:gsLst>
+            <a:gs pos="100000">
+              <a:schemeClr val="tx1">
+                <a:lumMod val="65000"/>
+                <a:lumOff val="35000"/>
+              </a:schemeClr>
+            </a:gs>
+            <a:gs pos="55000">
+              <a:schemeClr val="bg1">
+                <a:lumMod val="75000"/>
+              </a:schemeClr>
+            </a:gs>
+          </a:gsLst>
+          <a:lin ang="5400000" scaled="0"/>
+          <a:tileRect/>
+        </a:gradFill>
+        <a:effectLst/>
+      </p:bgPr>
+    </p:bg>
+    <p:spTree>
+      <p:nvGrpSpPr>
+        <p:cNvPr id="1" name=""/>
+        <p:cNvGrpSpPr/>
+        <p:nvPr/>
+      </p:nvGrpSpPr>
+      <p:grpSpPr>
+        <a:xfrm>
+          <a:off x="0" y="0"/>
+          <a:ext cx="0" cy="0"/>
+          <a:chOff x="0" y="0"/>
+          <a:chExt cx="0" cy="0"/>
+        </a:xfrm>
+      </p:grpSpPr>
+      <p:pic>
+        <p:nvPicPr>
+          <p:cNvPr id="6" name="Picture 5"/>
+          <p:cNvPicPr>
+            <a:picLocks noChangeAspect="1"/>
+          </p:cNvPicPr>
+          <p:nvPr/>
+        </p:nvPicPr>
+        <p:blipFill>
+          <a:blip r:embed="rId2"/>
+          <a:stretch>
+            <a:fillRect/>
+          </a:stretch>
+        </p:blipFill>
+        <p:spPr>
+          <a:xfrm>
+            <a:off x="2975767" y="1749144"/>
+            <a:ext cx="3243697" cy="4209597"/>
+          </a:xfrm>
+          <a:prstGeom prst="rect">
+            <a:avLst/>
+          </a:prstGeom>
+        </p:spPr>
+      </p:pic>
+      <p:sp>
+        <p:nvSpPr>
+          <p:cNvPr id="7" name="TextBox 6"/>
+          <p:cNvSpPr txBox="1"/>
+          <p:nvPr/>
+        </p:nvSpPr>
+        <p:spPr>
+          <a:xfrm>
+            <a:off x="1" y="120519"/>
+            <a:ext cx="9144000" cy="1107996"/>
+          </a:xfrm>
+          <a:prstGeom prst="rect">
+            <a:avLst/>
+          </a:prstGeom>
+          <a:noFill/>
+        </p:spPr>
+        <p:txBody>
+          <a:bodyPr wrap="square" rtlCol="0">
+            <a:spAutoFit/>
+          </a:bodyPr>
+          <a:lstStyle/>
+          <a:p>
+            <a:pPr algn="ctr"/>
+            <a:r>
+              <a:rPr lang="en-US" sz="6600" dirty="0">
+                <a:solidFill>
+                  <a:srgbClr val="2D2DB9"/>
+                </a:solidFill>
+              </a:rPr>
+              <a:t>Menus</a:t>
+            </a:r>
+          </a:p>
+        </p:txBody>
+      </p:sp>
+    </p:spTree>
+    <p:extLst>
+      <p:ext uri="{BB962C8B-B14F-4D97-AF65-F5344CB8AC3E}">
+        <p14:creationId xmlns:p14="http://schemas.microsoft.com/office/powerpoint/2010/main" val="2122530289"/>
+      </p:ext>
+    </p:extLst>
+  </p:cSld>
+  <p:clrMapOvr>
+    <a:masterClrMapping/>
+  </p:clrMapOvr>
+</p:sld>
+</file>
+
+<file path=ppt/slides/slide20.xml><?xml version="1.0" encoding="utf-8"?>
+<p:sld xmlns:a="http://schemas.openxmlformats.org/drawingml/2006/main" xmlns:r="http://schemas.openxmlformats.org/officeDocument/2006/relationships" xmlns:p="http://schemas.openxmlformats.org/presentationml/2006/main">
+  <p:cSld>
+    <p:spTree>
+      <p:nvGrpSpPr>
+        <p:cNvPr id="1" name=""/>
+        <p:cNvGrpSpPr/>
+        <p:nvPr/>
+      </p:nvGrpSpPr>
+      <p:grpSpPr>
+        <a:xfrm>
+          <a:off x="0" y="0"/>
+          <a:ext cx="0" cy="0"/>
+          <a:chOff x="0" y="0"/>
+          <a:chExt cx="0" cy="0"/>
+        </a:xfrm>
+      </p:grpSpPr>
+      <p:sp>
+        <p:nvSpPr>
+          <p:cNvPr id="6" name="Title 5">
+            <a:extLst>
+              <a:ext uri="{FF2B5EF4-FFF2-40B4-BE49-F238E27FC236}">
+                <a16:creationId xmlns:a16="http://schemas.microsoft.com/office/drawing/2014/main" id="{CF793172-D552-2243-9106-C87DA0BC5895}"/>
+              </a:ext>
+            </a:extLst>
+          </p:cNvPr>
+          <p:cNvSpPr>
+            <a:spLocks noGrp="1"/>
+          </p:cNvSpPr>
+          <p:nvPr>
+            <p:ph type="title"/>
+          </p:nvPr>
+        </p:nvSpPr>
+        <p:spPr/>
+        <p:txBody>
+          <a:bodyPr/>
+          <a:lstStyle/>
+          <a:p>
+            <a:r>
+              <a:rPr lang="en-US" dirty="0">
+                <a:solidFill>
+                  <a:srgbClr val="0070C0"/>
+                </a:solidFill>
+              </a:rPr>
+              <a:t>Questions</a:t>
+            </a:r>
+          </a:p>
+        </p:txBody>
+      </p:sp>
+      <p:sp>
+        <p:nvSpPr>
+          <p:cNvPr id="7" name="Content Placeholder 6">
+            <a:extLst>
+              <a:ext uri="{FF2B5EF4-FFF2-40B4-BE49-F238E27FC236}">
+                <a16:creationId xmlns:a16="http://schemas.microsoft.com/office/drawing/2014/main" id="{ABC17605-1FFE-9746-8589-E41C114CEF40}"/>
+              </a:ext>
+            </a:extLst>
+          </p:cNvPr>
+          <p:cNvSpPr>
+            <a:spLocks noGrp="1"/>
+          </p:cNvSpPr>
+          <p:nvPr>
+            <p:ph idx="1"/>
+          </p:nvPr>
+        </p:nvSpPr>
+        <p:spPr/>
+        <p:txBody>
+          <a:bodyPr>
+            <a:normAutofit fontScale="92500" lnSpcReduction="20000"/>
+          </a:bodyPr>
+          <a:lstStyle/>
+          <a:p>
+            <a:pPr marL="0" indent="0">
+              <a:buNone/>
+            </a:pPr>
+            <a:r>
+              <a:rPr lang="en-US" dirty="0"/>
+              <a:t>In the </a:t>
+            </a:r>
+            <a:r>
+              <a:rPr lang="en-US" dirty="0" err="1">
+                <a:latin typeface="Courier" pitchFamily="2" charset="0"/>
+              </a:rPr>
+              <a:t>onOptionItemsSelected</a:t>
+            </a:r>
+            <a:r>
+              <a:rPr lang="en-US" dirty="0"/>
+              <a:t> method shown in the previous slide:</a:t>
+            </a:r>
+          </a:p>
+          <a:p>
+            <a:r>
+              <a:rPr lang="en-US" dirty="0"/>
+              <a:t>Do you think </a:t>
+            </a:r>
+            <a:r>
+              <a:rPr lang="en-US" dirty="0" err="1">
+                <a:latin typeface="Courier" pitchFamily="2" charset="0"/>
+              </a:rPr>
+              <a:t>StartActivity</a:t>
+            </a:r>
+            <a:r>
+              <a:rPr lang="en-US" dirty="0"/>
+              <a:t> could be used in other contexts (not just in a menu item event hander)? </a:t>
+            </a:r>
+          </a:p>
+          <a:p>
+            <a:r>
+              <a:rPr lang="en-US" dirty="0"/>
+              <a:t>What is the purpose of the Intent objects?</a:t>
+            </a:r>
+          </a:p>
+          <a:p>
+            <a:pPr lvl="1"/>
+            <a:r>
+              <a:rPr lang="en-US" dirty="0"/>
+              <a:t>What is passed to it’s constructor?</a:t>
+            </a:r>
+          </a:p>
+          <a:p>
+            <a:pPr lvl="1"/>
+            <a:r>
+              <a:rPr lang="en-US" dirty="0"/>
+              <a:t>Why do you think it needs an application context argument?</a:t>
+            </a:r>
+          </a:p>
+          <a:p>
+            <a:r>
+              <a:rPr lang="en-US" dirty="0"/>
+              <a:t>What is different about the two activities that are started?</a:t>
+            </a:r>
+          </a:p>
+          <a:p>
+            <a:endParaRPr lang="en-US" dirty="0"/>
+          </a:p>
+          <a:p>
+            <a:pPr lvl="1"/>
+            <a:endParaRPr lang="en-US" dirty="0"/>
+          </a:p>
+        </p:txBody>
+      </p:sp>
+      <p:sp>
+        <p:nvSpPr>
+          <p:cNvPr id="2" name="Date Placeholder 1"/>
+          <p:cNvSpPr>
+            <a:spLocks noGrp="1"/>
+          </p:cNvSpPr>
+          <p:nvPr>
+            <p:ph type="dt" sz="half" idx="10"/>
+          </p:nvPr>
+        </p:nvSpPr>
+        <p:spPr/>
+        <p:txBody>
+          <a:bodyPr/>
+          <a:lstStyle/>
+          <a:p>
+            <a:pPr>
+              <a:defRPr/>
+            </a:pPr>
+            <a:r>
+              <a:rPr lang="en-US"/>
+              <a:t>Murach's Android Programming, C8</a:t>
+            </a:r>
+          </a:p>
+        </p:txBody>
+      </p:sp>
+      <p:sp>
+        <p:nvSpPr>
+          <p:cNvPr id="3" name="Footer Placeholder 2"/>
+          <p:cNvSpPr>
+            <a:spLocks noGrp="1"/>
+          </p:cNvSpPr>
+          <p:nvPr>
+            <p:ph type="ftr" sz="quarter" idx="11"/>
+          </p:nvPr>
+        </p:nvSpPr>
+        <p:spPr/>
+        <p:txBody>
+          <a:bodyPr/>
+          <a:lstStyle/>
+          <a:p>
+            <a:pPr>
+              <a:defRPr/>
+            </a:pPr>
+            <a:r>
+              <a:rPr lang="en-US" dirty="0"/>
+              <a:t>© 2015, Mike Murach &amp; Associates, Inc.</a:t>
+            </a:r>
+          </a:p>
+        </p:txBody>
+      </p:sp>
+      <p:sp>
+        <p:nvSpPr>
+          <p:cNvPr id="4" name="Slide Number Placeholder 3"/>
+          <p:cNvSpPr>
+            <a:spLocks noGrp="1"/>
+          </p:cNvSpPr>
+          <p:nvPr>
+            <p:ph type="sldNum" sz="quarter" idx="12"/>
+          </p:nvPr>
+        </p:nvSpPr>
+        <p:spPr/>
+        <p:txBody>
+          <a:bodyPr/>
+          <a:lstStyle/>
+          <a:p>
+            <a:pPr>
+              <a:defRPr/>
+            </a:pPr>
+            <a:endParaRPr lang="en-US"/>
+          </a:p>
+          <a:p>
+            <a:pPr algn="r">
+              <a:defRPr/>
+            </a:pPr>
+            <a:r>
+              <a:rPr lang="en-US" sz="900">
+                <a:latin typeface="Arial Narrow" pitchFamily="34" charset="0"/>
+              </a:rPr>
+              <a:t>Slide </a:t>
+            </a:r>
+            <a:fld id="{5ECE9829-65B2-40C6-AEFF-7C648FF56A9C}" type="slidenum">
+              <a:rPr lang="en-US" sz="900" smtClean="0">
+                <a:latin typeface="Arial Narrow" pitchFamily="34" charset="0"/>
+              </a:rPr>
+              <a:pPr algn="r">
+                <a:defRPr/>
+              </a:pPr>
+              <a:t>20</a:t>
+            </a:fld>
+            <a:endParaRPr lang="en-US" sz="900">
+              <a:latin typeface="Arial Narrow" pitchFamily="34" charset="0"/>
+            </a:endParaRPr>
+          </a:p>
+        </p:txBody>
+      </p:sp>
+    </p:spTree>
+    <p:extLst>
+      <p:ext uri="{BB962C8B-B14F-4D97-AF65-F5344CB8AC3E}">
+        <p14:creationId xmlns:p14="http://schemas.microsoft.com/office/powerpoint/2010/main" val="3295753059"/>
+      </p:ext>
+    </p:extLst>
+  </p:cSld>
+  <p:clrMapOvr>
+    <a:masterClrMapping/>
+  </p:clrMapOvr>
+</p:sld>
+</file>
+
 <file path=ppt/slides/slide21.xml><?xml version="1.0" encoding="utf-8"?>
 <p:sld xmlns:a="http://schemas.openxmlformats.org/drawingml/2006/main" xmlns:r="http://schemas.openxmlformats.org/officeDocument/2006/relationships" xmlns:p="http://schemas.openxmlformats.org/presentationml/2006/main">
   <p:cSld>
@@ -6999,13 +6260,7 @@
       </p:grpSpPr>
       <p:sp>
         <p:nvSpPr>
-          <p:cNvPr id="6" name="Title 5">
-            <a:extLst>
-              <a:ext uri="{FF2B5EF4-FFF2-40B4-BE49-F238E27FC236}">
-                <a16:creationId xmlns:a16="http://schemas.microsoft.com/office/drawing/2014/main" id="{CF793172-D552-2243-9106-C87DA0BC5895}"/>
-              </a:ext>
-            </a:extLst>
-          </p:cNvPr>
+          <p:cNvPr id="2" name="Title 1"/>
           <p:cNvSpPr>
             <a:spLocks noGrp="1"/>
           </p:cNvSpPr>
@@ -7013,7 +6268,12 @@
             <p:ph type="title"/>
           </p:nvPr>
         </p:nvSpPr>
-        <p:spPr/>
+        <p:spPr>
+          <a:xfrm>
+            <a:off x="457200" y="274638"/>
+            <a:ext cx="8229600" cy="768854"/>
+          </a:xfrm>
+        </p:spPr>
         <p:txBody>
           <a:bodyPr/>
           <a:lstStyle/>
@@ -7021,23 +6281,17 @@
             <a:r>
               <a:rPr lang="en-US" dirty="0">
                 <a:solidFill>
-                  <a:srgbClr val="0070C0"/>
-                </a:solidFill>
-              </a:rPr>
-              <a:t>Questions</a:t>
-            </a:r>
-          </a:p>
-        </p:txBody>
-      </p:sp>
-      <p:sp>
-        <p:nvSpPr>
-          <p:cNvPr id="7" name="Content Placeholder 6">
-            <a:extLst>
-              <a:ext uri="{FF2B5EF4-FFF2-40B4-BE49-F238E27FC236}">
-                <a16:creationId xmlns:a16="http://schemas.microsoft.com/office/drawing/2014/main" id="{ABC17605-1FFE-9746-8589-E41C114CEF40}"/>
-              </a:ext>
-            </a:extLst>
-          </p:cNvPr>
+                  <a:srgbClr val="100DFF"/>
+                </a:solidFill>
+              </a:rPr>
+              <a:t>Adding an Activity to the Manifest</a:t>
+            </a:r>
+          </a:p>
+        </p:txBody>
+      </p:sp>
+      <p:sp>
+        <p:nvSpPr>
+          <p:cNvPr id="3" name="Content Placeholder 2"/>
           <p:cNvSpPr>
             <a:spLocks noGrp="1"/>
           </p:cNvSpPr>
@@ -7045,10 +6299,15 @@
             <p:ph idx="1"/>
           </p:nvPr>
         </p:nvSpPr>
-        <p:spPr/>
+        <p:spPr>
+          <a:xfrm>
+            <a:off x="457200" y="1312434"/>
+            <a:ext cx="8229600" cy="5152912"/>
+          </a:xfrm>
+        </p:spPr>
         <p:txBody>
           <a:bodyPr>
-            <a:normAutofit fontScale="92500" lnSpcReduction="20000"/>
+            <a:normAutofit fontScale="55000" lnSpcReduction="20000"/>
           </a:bodyPr>
           <a:lstStyle/>
           <a:p>
@@ -7056,170 +6315,917 @@
               <a:buNone/>
             </a:pPr>
             <a:r>
+              <a:rPr lang="en-US" sz="5100" b="1" dirty="0">
+                <a:latin typeface="+mj-lt"/>
+              </a:rPr>
+              <a:t>Each Activity must be listed in the manifest:</a:t>
+            </a:r>
+            <a:br>
+              <a:rPr lang="en-US" sz="5100" b="1" dirty="0">
+                <a:latin typeface="+mj-lt"/>
+              </a:rPr>
+            </a:br>
+            <a:endParaRPr lang="en-US" sz="5100" b="1" dirty="0">
+              <a:latin typeface="+mj-lt"/>
+            </a:endParaRPr>
+          </a:p>
+          <a:p>
+            <a:pPr marL="0" indent="0">
+              <a:buNone/>
+            </a:pPr>
+            <a:r>
               <a:rPr lang="en-US" dirty="0"/>
-              <a:t>In the </a:t>
-            </a:r>
-            <a:r>
-              <a:rPr lang="en-US" dirty="0" err="1">
-                <a:latin typeface="Courier" pitchFamily="2" charset="0"/>
-              </a:rPr>
-              <a:t>onOptionItemsSelected</a:t>
-            </a:r>
-            <a:r>
+              <a:t>&lt;</a:t>
+            </a:r>
+            <a:r>
+              <a:rPr lang="en-US" b="1" dirty="0">
+                <a:solidFill>
+                  <a:srgbClr val="000080"/>
+                </a:solidFill>
+              </a:rPr>
+              <a:t>application&gt; </a:t>
+            </a:r>
+            <a:r>
+              <a:rPr lang="en-US" i="1" dirty="0">
+                <a:solidFill>
+                  <a:srgbClr val="808080"/>
+                </a:solidFill>
+              </a:rPr>
+              <a:t>&lt;!-- Attributes removed for clarity --&gt; </a:t>
+            </a:r>
+            <a:br>
               <a:rPr lang="en-US" dirty="0"/>
-              <a:t> method shown in the previous slide:</a:t>
-            </a:r>
-          </a:p>
-          <a:p>
+            </a:br>
             <a:r>
               <a:rPr lang="en-US" dirty="0"/>
-              <a:t>Do you think </a:t>
-            </a:r>
-            <a:r>
-              <a:rPr lang="en-US" dirty="0" err="1">
-                <a:latin typeface="Courier" pitchFamily="2" charset="0"/>
-              </a:rPr>
-              <a:t>StartActivity</a:t>
+              <a:t>    &lt;</a:t>
+            </a:r>
+            <a:r>
+              <a:rPr lang="en-US" b="1" dirty="0">
+                <a:solidFill>
+                  <a:srgbClr val="000080"/>
+                </a:solidFill>
+              </a:rPr>
+              <a:t>activity</a:t>
+            </a:r>
+            <a:br>
+              <a:rPr lang="en-US" b="1" dirty="0">
+                <a:solidFill>
+                  <a:srgbClr val="000080"/>
+                </a:solidFill>
+              </a:rPr>
+            </a:br>
+            <a:r>
+              <a:rPr lang="en-US" b="1" dirty="0">
+                <a:solidFill>
+                  <a:srgbClr val="000080"/>
+                </a:solidFill>
+              </a:rPr>
+              <a:t>        </a:t>
+            </a:r>
+            <a:r>
+              <a:rPr lang="en-US" b="1" dirty="0" err="1">
+                <a:solidFill>
+                  <a:srgbClr val="660E7A"/>
+                </a:solidFill>
+              </a:rPr>
+              <a:t>android</a:t>
+            </a:r>
+            <a:r>
+              <a:rPr lang="en-US" b="1" dirty="0" err="1">
+                <a:solidFill>
+                  <a:srgbClr val="0000FF"/>
+                </a:solidFill>
+              </a:rPr>
+              <a:t>:name</a:t>
+            </a:r>
+            <a:r>
+              <a:rPr lang="en-US" b="1" dirty="0">
+                <a:solidFill>
+                  <a:srgbClr val="0000FF"/>
+                </a:solidFill>
+              </a:rPr>
+              <a:t>=</a:t>
+            </a:r>
+            <a:r>
+              <a:rPr lang="en-US" b="1" dirty="0">
+                <a:solidFill>
+                  <a:srgbClr val="008000"/>
+                </a:solidFill>
+              </a:rPr>
+              <a:t>"</a:t>
+            </a:r>
+            <a:r>
+              <a:rPr lang="en-US" b="1" dirty="0" err="1">
+                <a:solidFill>
+                  <a:srgbClr val="008000"/>
+                </a:solidFill>
+              </a:rPr>
+              <a:t>com.murach.tipcalculator.TipCalculatorActivity</a:t>
+            </a:r>
+            <a:r>
+              <a:rPr lang="en-US" b="1" dirty="0">
+                <a:solidFill>
+                  <a:srgbClr val="008000"/>
+                </a:solidFill>
+              </a:rPr>
+              <a:t>"</a:t>
+            </a:r>
+            <a:br>
+              <a:rPr lang="en-US" b="1" dirty="0">
+                <a:solidFill>
+                  <a:srgbClr val="008000"/>
+                </a:solidFill>
+              </a:rPr>
+            </a:br>
+            <a:r>
+              <a:rPr lang="en-US" b="1" dirty="0">
+                <a:solidFill>
+                  <a:srgbClr val="008000"/>
+                </a:solidFill>
+              </a:rPr>
+              <a:t>        </a:t>
+            </a:r>
+            <a:r>
+              <a:rPr lang="en-US" b="1" dirty="0" err="1">
+                <a:solidFill>
+                  <a:srgbClr val="660E7A"/>
+                </a:solidFill>
+              </a:rPr>
+              <a:t>android</a:t>
+            </a:r>
+            <a:r>
+              <a:rPr lang="en-US" b="1" dirty="0" err="1">
+                <a:solidFill>
+                  <a:srgbClr val="0000FF"/>
+                </a:solidFill>
+              </a:rPr>
+              <a:t>:label</a:t>
+            </a:r>
+            <a:r>
+              <a:rPr lang="en-US" b="1" dirty="0">
+                <a:solidFill>
+                  <a:srgbClr val="0000FF"/>
+                </a:solidFill>
+              </a:rPr>
+              <a:t>=</a:t>
+            </a:r>
+            <a:r>
+              <a:rPr lang="en-US" b="1" dirty="0">
+                <a:solidFill>
+                  <a:srgbClr val="008000"/>
+                </a:solidFill>
+              </a:rPr>
+              <a:t>"@string/</a:t>
+            </a:r>
+            <a:r>
+              <a:rPr lang="en-US" b="1" dirty="0" err="1">
+                <a:solidFill>
+                  <a:srgbClr val="008000"/>
+                </a:solidFill>
+              </a:rPr>
+              <a:t>title_activity_tip_calculator</a:t>
+            </a:r>
+            <a:r>
+              <a:rPr lang="en-US" b="1" dirty="0">
+                <a:solidFill>
+                  <a:srgbClr val="008000"/>
+                </a:solidFill>
+              </a:rPr>
+              <a:t>" </a:t>
             </a:r>
             <a:r>
               <a:rPr lang="en-US" dirty="0"/>
-              <a:t> could be used in other contexts (not just in a menu item event hander)? </a:t>
-            </a:r>
-          </a:p>
-          <a:p>
-            <a:r>
+              <a:t>&gt;</a:t>
+            </a:r>
+            <a:br>
               <a:rPr lang="en-US" dirty="0"/>
-              <a:t>What is the purpose of the Intent objects?</a:t>
-            </a:r>
-          </a:p>
-          <a:p>
-            <a:pPr lvl="1"/>
+            </a:br>
             <a:r>
               <a:rPr lang="en-US" dirty="0"/>
-              <a:t>What is passed to it’s constructor?</a:t>
-            </a:r>
-          </a:p>
-          <a:p>
-            <a:pPr lvl="1"/>
+              <a:t>        &lt;</a:t>
+            </a:r>
+            <a:r>
+              <a:rPr lang="en-US" b="1" dirty="0">
+                <a:solidFill>
+                  <a:srgbClr val="000080"/>
+                </a:solidFill>
+              </a:rPr>
+              <a:t>intent-filter</a:t>
+            </a:r>
             <a:r>
               <a:rPr lang="en-US" dirty="0"/>
-              <a:t>Why do you think it needs an application context argument?</a:t>
-            </a:r>
-          </a:p>
-          <a:p>
-            <a:r>
+              <a:t>&gt;</a:t>
+            </a:r>
+            <a:br>
               <a:rPr lang="en-US" dirty="0"/>
-              <a:t>What is different about the two activities that are started?</a:t>
-            </a:r>
-          </a:p>
-          <a:p>
-            <a:endParaRPr lang="en-US" dirty="0"/>
-          </a:p>
-          <a:p>
-            <a:pPr lvl="1"/>
-            <a:endParaRPr lang="en-US" dirty="0"/>
-          </a:p>
-        </p:txBody>
-      </p:sp>
-      <p:sp>
-        <p:nvSpPr>
-          <p:cNvPr id="2" name="Date Placeholder 1"/>
-          <p:cNvSpPr>
-            <a:spLocks noGrp="1"/>
-          </p:cNvSpPr>
-          <p:nvPr>
-            <p:ph type="dt" sz="half" idx="10"/>
-          </p:nvPr>
-        </p:nvSpPr>
-        <p:spPr/>
-        <p:txBody>
-          <a:bodyPr/>
-          <a:lstStyle/>
-          <a:p>
-            <a:pPr>
-              <a:defRPr/>
-            </a:pPr>
-            <a:r>
-              <a:rPr lang="en-US"/>
-              <a:t>Murach's Android Programming, C8</a:t>
-            </a:r>
-          </a:p>
-        </p:txBody>
-      </p:sp>
-      <p:sp>
-        <p:nvSpPr>
-          <p:cNvPr id="3" name="Footer Placeholder 2"/>
-          <p:cNvSpPr>
-            <a:spLocks noGrp="1"/>
-          </p:cNvSpPr>
-          <p:nvPr>
-            <p:ph type="ftr" sz="quarter" idx="11"/>
-          </p:nvPr>
-        </p:nvSpPr>
-        <p:spPr/>
-        <p:txBody>
-          <a:bodyPr/>
-          <a:lstStyle/>
-          <a:p>
-            <a:pPr>
-              <a:defRPr/>
-            </a:pPr>
+            </a:br>
             <a:r>
               <a:rPr lang="en-US" dirty="0"/>
-              <a:t>© 2015, Mike Murach &amp; Associates, Inc.</a:t>
-            </a:r>
-          </a:p>
-        </p:txBody>
-      </p:sp>
-      <p:sp>
-        <p:nvSpPr>
-          <p:cNvPr id="4" name="Slide Number Placeholder 3"/>
-          <p:cNvSpPr>
-            <a:spLocks noGrp="1"/>
-          </p:cNvSpPr>
-          <p:nvPr>
-            <p:ph type="sldNum" sz="quarter" idx="12"/>
-          </p:nvPr>
-        </p:nvSpPr>
-        <p:spPr/>
-        <p:txBody>
-          <a:bodyPr/>
-          <a:lstStyle/>
-          <a:p>
-            <a:pPr>
-              <a:defRPr/>
-            </a:pPr>
-            <a:endParaRPr lang="en-US"/>
-          </a:p>
-          <a:p>
-            <a:pPr algn="r">
-              <a:defRPr/>
-            </a:pPr>
-            <a:r>
-              <a:rPr lang="en-US" sz="900">
-                <a:latin typeface="Arial Narrow" pitchFamily="34" charset="0"/>
-              </a:rPr>
-              <a:t>Slide </a:t>
-            </a:r>
-            <a:fld id="{5ECE9829-65B2-40C6-AEFF-7C648FF56A9C}" type="slidenum">
-              <a:rPr lang="en-US" sz="900" smtClean="0">
-                <a:latin typeface="Arial Narrow" pitchFamily="34" charset="0"/>
-              </a:rPr>
-              <a:pPr algn="r">
-                <a:defRPr/>
-              </a:pPr>
-              <a:t>21</a:t>
-            </a:fld>
-            <a:endParaRPr lang="en-US" sz="900">
-              <a:latin typeface="Arial Narrow" pitchFamily="34" charset="0"/>
-            </a:endParaRPr>
+              <a:t>            &lt;</a:t>
+            </a:r>
+            <a:r>
+              <a:rPr lang="en-US" b="1" dirty="0">
+                <a:solidFill>
+                  <a:srgbClr val="000080"/>
+                </a:solidFill>
+              </a:rPr>
+              <a:t>action </a:t>
+            </a:r>
+            <a:r>
+              <a:rPr lang="en-US" b="1" dirty="0" err="1">
+                <a:solidFill>
+                  <a:srgbClr val="660E7A"/>
+                </a:solidFill>
+              </a:rPr>
+              <a:t>android</a:t>
+            </a:r>
+            <a:r>
+              <a:rPr lang="en-US" b="1" dirty="0" err="1">
+                <a:solidFill>
+                  <a:srgbClr val="0000FF"/>
+                </a:solidFill>
+              </a:rPr>
+              <a:t>:name</a:t>
+            </a:r>
+            <a:r>
+              <a:rPr lang="en-US" b="1" dirty="0">
+                <a:solidFill>
+                  <a:srgbClr val="0000FF"/>
+                </a:solidFill>
+              </a:rPr>
+              <a:t>=</a:t>
+            </a:r>
+            <a:r>
+              <a:rPr lang="en-US" b="1" dirty="0">
+                <a:solidFill>
+                  <a:srgbClr val="008000"/>
+                </a:solidFill>
+              </a:rPr>
+              <a:t>"</a:t>
+            </a:r>
+            <a:r>
+              <a:rPr lang="en-US" b="1" dirty="0" err="1">
+                <a:solidFill>
+                  <a:srgbClr val="008000"/>
+                </a:solidFill>
+              </a:rPr>
+              <a:t>android.intent.action.MAIN</a:t>
+            </a:r>
+            <a:r>
+              <a:rPr lang="en-US" b="1" dirty="0">
+                <a:solidFill>
+                  <a:srgbClr val="008000"/>
+                </a:solidFill>
+              </a:rPr>
+              <a:t>" </a:t>
+            </a:r>
+            <a:r>
+              <a:rPr lang="en-US" dirty="0"/>
+              <a:t>/&gt;</a:t>
+            </a:r>
+            <a:br>
+              <a:rPr lang="en-US" dirty="0"/>
+            </a:br>
+            <a:r>
+              <a:rPr lang="en-US" dirty="0"/>
+              <a:t>            &lt;</a:t>
+            </a:r>
+            <a:r>
+              <a:rPr lang="en-US" b="1" dirty="0">
+                <a:solidFill>
+                  <a:srgbClr val="000080"/>
+                </a:solidFill>
+              </a:rPr>
+              <a:t>category </a:t>
+            </a:r>
+            <a:r>
+              <a:rPr lang="en-US" b="1" dirty="0" err="1">
+                <a:solidFill>
+                  <a:srgbClr val="660E7A"/>
+                </a:solidFill>
+              </a:rPr>
+              <a:t>android</a:t>
+            </a:r>
+            <a:r>
+              <a:rPr lang="en-US" b="1" dirty="0" err="1">
+                <a:solidFill>
+                  <a:srgbClr val="0000FF"/>
+                </a:solidFill>
+              </a:rPr>
+              <a:t>:name</a:t>
+            </a:r>
+            <a:r>
+              <a:rPr lang="en-US" b="1" dirty="0">
+                <a:solidFill>
+                  <a:srgbClr val="0000FF"/>
+                </a:solidFill>
+              </a:rPr>
+              <a:t>=</a:t>
+            </a:r>
+            <a:r>
+              <a:rPr lang="en-US" b="1" dirty="0">
+                <a:solidFill>
+                  <a:srgbClr val="008000"/>
+                </a:solidFill>
+              </a:rPr>
+              <a:t>"</a:t>
+            </a:r>
+            <a:r>
+              <a:rPr lang="en-US" b="1" dirty="0" err="1">
+                <a:solidFill>
+                  <a:srgbClr val="008000"/>
+                </a:solidFill>
+              </a:rPr>
+              <a:t>android.intent.category.LAUNCHER</a:t>
+            </a:r>
+            <a:r>
+              <a:rPr lang="en-US" b="1" dirty="0">
+                <a:solidFill>
+                  <a:srgbClr val="008000"/>
+                </a:solidFill>
+              </a:rPr>
+              <a:t>" </a:t>
+            </a:r>
+            <a:r>
+              <a:rPr lang="en-US" dirty="0"/>
+              <a:t>/&gt;</a:t>
+            </a:r>
+            <a:br>
+              <a:rPr lang="en-US" dirty="0"/>
+            </a:br>
+            <a:r>
+              <a:rPr lang="en-US" dirty="0"/>
+              <a:t>        &lt;/</a:t>
+            </a:r>
+            <a:r>
+              <a:rPr lang="en-US" b="1" dirty="0">
+                <a:solidFill>
+                  <a:srgbClr val="000080"/>
+                </a:solidFill>
+              </a:rPr>
+              <a:t>intent-filter</a:t>
+            </a:r>
+            <a:r>
+              <a:rPr lang="en-US" dirty="0"/>
+              <a:t>&gt;</a:t>
+            </a:r>
+            <a:br>
+              <a:rPr lang="en-US" dirty="0"/>
+            </a:br>
+            <a:r>
+              <a:rPr lang="en-US" dirty="0"/>
+              <a:t>    &lt;/</a:t>
+            </a:r>
+            <a:r>
+              <a:rPr lang="en-US" b="1" dirty="0">
+                <a:solidFill>
+                  <a:srgbClr val="000080"/>
+                </a:solidFill>
+              </a:rPr>
+              <a:t>activity</a:t>
+            </a:r>
+            <a:r>
+              <a:rPr lang="en-US" dirty="0"/>
+              <a:t>&gt;</a:t>
+            </a:r>
+            <a:br>
+              <a:rPr lang="en-US" dirty="0"/>
+            </a:br>
+            <a:r>
+              <a:rPr lang="en-US" dirty="0">
+                <a:effectLst>
+                  <a:glow rad="127000">
+                    <a:srgbClr val="FFFF00"/>
+                  </a:glow>
+                </a:effectLst>
+              </a:rPr>
+              <a:t>    &lt;</a:t>
+            </a:r>
+            <a:r>
+              <a:rPr lang="en-US" b="1" dirty="0">
+                <a:solidFill>
+                  <a:srgbClr val="000080"/>
+                </a:solidFill>
+                <a:effectLst>
+                  <a:glow rad="127000">
+                    <a:srgbClr val="FFFF00"/>
+                  </a:glow>
+                </a:effectLst>
+              </a:rPr>
+              <a:t>activity</a:t>
+            </a:r>
+            <a:br>
+              <a:rPr lang="en-US" b="1" dirty="0">
+                <a:solidFill>
+                  <a:srgbClr val="000080"/>
+                </a:solidFill>
+                <a:effectLst>
+                  <a:glow rad="127000">
+                    <a:srgbClr val="FFFF00"/>
+                  </a:glow>
+                </a:effectLst>
+              </a:rPr>
+            </a:br>
+            <a:r>
+              <a:rPr lang="en-US" b="1" dirty="0">
+                <a:solidFill>
+                  <a:srgbClr val="000080"/>
+                </a:solidFill>
+                <a:effectLst>
+                  <a:glow rad="127000">
+                    <a:srgbClr val="FFFF00"/>
+                  </a:glow>
+                </a:effectLst>
+              </a:rPr>
+              <a:t>        </a:t>
+            </a:r>
+            <a:r>
+              <a:rPr lang="en-US" b="1" dirty="0" err="1">
+                <a:solidFill>
+                  <a:srgbClr val="660E7A"/>
+                </a:solidFill>
+                <a:effectLst>
+                  <a:glow rad="127000">
+                    <a:srgbClr val="FFFF00"/>
+                  </a:glow>
+                </a:effectLst>
+              </a:rPr>
+              <a:t>android</a:t>
+            </a:r>
+            <a:r>
+              <a:rPr lang="en-US" b="1" dirty="0" err="1">
+                <a:solidFill>
+                  <a:srgbClr val="0000FF"/>
+                </a:solidFill>
+                <a:effectLst>
+                  <a:glow rad="127000">
+                    <a:srgbClr val="FFFF00"/>
+                  </a:glow>
+                </a:effectLst>
+              </a:rPr>
+              <a:t>:name</a:t>
+            </a:r>
+            <a:r>
+              <a:rPr lang="en-US" b="1" dirty="0">
+                <a:solidFill>
+                  <a:srgbClr val="0000FF"/>
+                </a:solidFill>
+                <a:effectLst>
+                  <a:glow rad="127000">
+                    <a:srgbClr val="FFFF00"/>
+                  </a:glow>
+                </a:effectLst>
+              </a:rPr>
+              <a:t>=</a:t>
+            </a:r>
+            <a:r>
+              <a:rPr lang="en-US" b="1" dirty="0">
+                <a:solidFill>
+                  <a:srgbClr val="008000"/>
+                </a:solidFill>
+                <a:effectLst>
+                  <a:glow rad="127000">
+                    <a:srgbClr val="FFFF00"/>
+                  </a:glow>
+                </a:effectLst>
+              </a:rPr>
+              <a:t>"</a:t>
+            </a:r>
+            <a:r>
+              <a:rPr lang="en-US" b="1" dirty="0" err="1">
+                <a:solidFill>
+                  <a:srgbClr val="008000"/>
+                </a:solidFill>
+                <a:effectLst>
+                  <a:glow rad="127000">
+                    <a:srgbClr val="FFFF00"/>
+                  </a:glow>
+                </a:effectLst>
+              </a:rPr>
+              <a:t>com.murach.tipcalculator.SettingsActivity</a:t>
+            </a:r>
+            <a:r>
+              <a:rPr lang="en-US" b="1" dirty="0">
+                <a:solidFill>
+                  <a:srgbClr val="008000"/>
+                </a:solidFill>
+                <a:effectLst>
+                  <a:glow rad="127000">
+                    <a:srgbClr val="FFFF00"/>
+                  </a:glow>
+                </a:effectLst>
+              </a:rPr>
+              <a:t>"</a:t>
+            </a:r>
+            <a:br>
+              <a:rPr lang="en-US" b="1" dirty="0">
+                <a:solidFill>
+                  <a:srgbClr val="008000"/>
+                </a:solidFill>
+                <a:effectLst>
+                  <a:glow rad="127000">
+                    <a:srgbClr val="FFFF00"/>
+                  </a:glow>
+                </a:effectLst>
+              </a:rPr>
+            </a:br>
+            <a:r>
+              <a:rPr lang="en-US" b="1" dirty="0">
+                <a:solidFill>
+                  <a:srgbClr val="008000"/>
+                </a:solidFill>
+                <a:effectLst>
+                  <a:glow rad="127000">
+                    <a:srgbClr val="FFFF00"/>
+                  </a:glow>
+                </a:effectLst>
+              </a:rPr>
+              <a:t>        </a:t>
+            </a:r>
+            <a:r>
+              <a:rPr lang="en-US" b="1" dirty="0" err="1">
+                <a:solidFill>
+                  <a:srgbClr val="660E7A"/>
+                </a:solidFill>
+                <a:effectLst>
+                  <a:glow rad="127000">
+                    <a:srgbClr val="FFFF00"/>
+                  </a:glow>
+                </a:effectLst>
+              </a:rPr>
+              <a:t>android</a:t>
+            </a:r>
+            <a:r>
+              <a:rPr lang="en-US" b="1" dirty="0" err="1">
+                <a:solidFill>
+                  <a:srgbClr val="0000FF"/>
+                </a:solidFill>
+                <a:effectLst>
+                  <a:glow rad="127000">
+                    <a:srgbClr val="FFFF00"/>
+                  </a:glow>
+                </a:effectLst>
+              </a:rPr>
+              <a:t>:label</a:t>
+            </a:r>
+            <a:r>
+              <a:rPr lang="en-US" b="1" dirty="0">
+                <a:solidFill>
+                  <a:srgbClr val="0000FF"/>
+                </a:solidFill>
+                <a:effectLst>
+                  <a:glow rad="127000">
+                    <a:srgbClr val="FFFF00"/>
+                  </a:glow>
+                </a:effectLst>
+              </a:rPr>
+              <a:t>=</a:t>
+            </a:r>
+            <a:r>
+              <a:rPr lang="en-US" b="1" dirty="0">
+                <a:solidFill>
+                  <a:srgbClr val="008000"/>
+                </a:solidFill>
+                <a:effectLst>
+                  <a:glow rad="127000">
+                    <a:srgbClr val="FFFF00"/>
+                  </a:glow>
+                </a:effectLst>
+              </a:rPr>
+              <a:t>"@string/</a:t>
+            </a:r>
+            <a:r>
+              <a:rPr lang="en-US" b="1" dirty="0" err="1">
+                <a:solidFill>
+                  <a:srgbClr val="008000"/>
+                </a:solidFill>
+                <a:effectLst>
+                  <a:glow rad="127000">
+                    <a:srgbClr val="FFFF00"/>
+                  </a:glow>
+                </a:effectLst>
+              </a:rPr>
+              <a:t>title_activity_settings</a:t>
+            </a:r>
+            <a:r>
+              <a:rPr lang="en-US" b="1" dirty="0">
+                <a:solidFill>
+                  <a:srgbClr val="008000"/>
+                </a:solidFill>
+                <a:effectLst>
+                  <a:glow rad="127000">
+                    <a:srgbClr val="FFFF00"/>
+                  </a:glow>
+                </a:effectLst>
+              </a:rPr>
+              <a:t>" </a:t>
+            </a:r>
+            <a:r>
+              <a:rPr lang="en-US" dirty="0">
+                <a:effectLst>
+                  <a:glow rad="127000">
+                    <a:srgbClr val="FFFF00"/>
+                  </a:glow>
+                </a:effectLst>
+              </a:rPr>
+              <a:t>&gt;</a:t>
+            </a:r>
+            <a:br>
+              <a:rPr lang="en-US" dirty="0">
+                <a:effectLst>
+                  <a:glow rad="127000">
+                    <a:srgbClr val="FFFF00"/>
+                  </a:glow>
+                </a:effectLst>
+              </a:rPr>
+            </a:br>
+            <a:r>
+              <a:rPr lang="en-US" dirty="0">
+                <a:effectLst>
+                  <a:glow rad="127000">
+                    <a:srgbClr val="FFFF00"/>
+                  </a:glow>
+                </a:effectLst>
+              </a:rPr>
+              <a:t>    &lt;/</a:t>
+            </a:r>
+            <a:r>
+              <a:rPr lang="en-US" b="1" dirty="0">
+                <a:solidFill>
+                  <a:srgbClr val="000080"/>
+                </a:solidFill>
+                <a:effectLst>
+                  <a:glow rad="127000">
+                    <a:srgbClr val="FFFF00"/>
+                  </a:glow>
+                </a:effectLst>
+              </a:rPr>
+              <a:t>activity</a:t>
+            </a:r>
+            <a:r>
+              <a:rPr lang="en-US" dirty="0">
+                <a:effectLst>
+                  <a:glow rad="127000">
+                    <a:srgbClr val="FFFF00"/>
+                  </a:glow>
+                </a:effectLst>
+              </a:rPr>
+              <a:t>&gt;</a:t>
+            </a:r>
+            <a:br>
+              <a:rPr lang="en-US" dirty="0"/>
+            </a:br>
+            <a:r>
+              <a:rPr lang="en-US" dirty="0"/>
+              <a:t>    &lt;</a:t>
+            </a:r>
+            <a:r>
+              <a:rPr lang="en-US" b="1" dirty="0">
+                <a:solidFill>
+                  <a:srgbClr val="000080"/>
+                </a:solidFill>
+              </a:rPr>
+              <a:t>activity</a:t>
+            </a:r>
+            <a:br>
+              <a:rPr lang="en-US" b="1" dirty="0">
+                <a:solidFill>
+                  <a:srgbClr val="000080"/>
+                </a:solidFill>
+              </a:rPr>
+            </a:br>
+            <a:r>
+              <a:rPr lang="en-US" b="1" dirty="0">
+                <a:solidFill>
+                  <a:srgbClr val="000080"/>
+                </a:solidFill>
+              </a:rPr>
+              <a:t>        </a:t>
+            </a:r>
+            <a:r>
+              <a:rPr lang="en-US" b="1" dirty="0" err="1">
+                <a:solidFill>
+                  <a:srgbClr val="660E7A"/>
+                </a:solidFill>
+              </a:rPr>
+              <a:t>android</a:t>
+            </a:r>
+            <a:r>
+              <a:rPr lang="en-US" b="1" dirty="0" err="1">
+                <a:solidFill>
+                  <a:srgbClr val="0000FF"/>
+                </a:solidFill>
+              </a:rPr>
+              <a:t>:name</a:t>
+            </a:r>
+            <a:r>
+              <a:rPr lang="en-US" b="1" dirty="0">
+                <a:solidFill>
+                  <a:srgbClr val="0000FF"/>
+                </a:solidFill>
+              </a:rPr>
+              <a:t>=</a:t>
+            </a:r>
+            <a:r>
+              <a:rPr lang="en-US" b="1" dirty="0">
+                <a:solidFill>
+                  <a:srgbClr val="008000"/>
+                </a:solidFill>
+              </a:rPr>
+              <a:t>"</a:t>
+            </a:r>
+            <a:r>
+              <a:rPr lang="en-US" b="1" dirty="0" err="1">
+                <a:solidFill>
+                  <a:srgbClr val="008000"/>
+                </a:solidFill>
+              </a:rPr>
+              <a:t>com.murach.tipcalculator.AboutActivity</a:t>
+            </a:r>
+            <a:r>
+              <a:rPr lang="en-US" b="1" dirty="0">
+                <a:solidFill>
+                  <a:srgbClr val="008000"/>
+                </a:solidFill>
+              </a:rPr>
+              <a:t>"</a:t>
+            </a:r>
+            <a:br>
+              <a:rPr lang="en-US" b="1" dirty="0">
+                <a:solidFill>
+                  <a:srgbClr val="008000"/>
+                </a:solidFill>
+              </a:rPr>
+            </a:br>
+            <a:r>
+              <a:rPr lang="en-US" b="1" dirty="0">
+                <a:solidFill>
+                  <a:srgbClr val="008000"/>
+                </a:solidFill>
+              </a:rPr>
+              <a:t>        </a:t>
+            </a:r>
+            <a:r>
+              <a:rPr lang="en-US" b="1" dirty="0" err="1">
+                <a:solidFill>
+                  <a:srgbClr val="660E7A"/>
+                </a:solidFill>
+              </a:rPr>
+              <a:t>android</a:t>
+            </a:r>
+            <a:r>
+              <a:rPr lang="en-US" b="1" dirty="0" err="1">
+                <a:solidFill>
+                  <a:srgbClr val="0000FF"/>
+                </a:solidFill>
+              </a:rPr>
+              <a:t>:label</a:t>
+            </a:r>
+            <a:r>
+              <a:rPr lang="en-US" b="1" dirty="0">
+                <a:solidFill>
+                  <a:srgbClr val="0000FF"/>
+                </a:solidFill>
+              </a:rPr>
+              <a:t>=</a:t>
+            </a:r>
+            <a:r>
+              <a:rPr lang="en-US" b="1" dirty="0">
+                <a:solidFill>
+                  <a:srgbClr val="008000"/>
+                </a:solidFill>
+              </a:rPr>
+              <a:t>"@string/</a:t>
+            </a:r>
+            <a:r>
+              <a:rPr lang="en-US" b="1" dirty="0" err="1">
+                <a:solidFill>
+                  <a:srgbClr val="008000"/>
+                </a:solidFill>
+              </a:rPr>
+              <a:t>title_activity_about</a:t>
+            </a:r>
+            <a:r>
+              <a:rPr lang="en-US" b="1" dirty="0">
+                <a:solidFill>
+                  <a:srgbClr val="008000"/>
+                </a:solidFill>
+              </a:rPr>
+              <a:t>" </a:t>
+            </a:r>
+            <a:br>
+              <a:rPr lang="en-US" b="1" dirty="0">
+                <a:solidFill>
+                  <a:srgbClr val="008000"/>
+                </a:solidFill>
+              </a:rPr>
+            </a:br>
+            <a:r>
+              <a:rPr lang="en-US" b="1" dirty="0">
+                <a:solidFill>
+                  <a:srgbClr val="008000"/>
+                </a:solidFill>
+              </a:rPr>
+              <a:t>        </a:t>
+            </a:r>
+            <a:r>
+              <a:rPr lang="en-US" b="1" dirty="0" err="1">
+                <a:solidFill>
+                  <a:srgbClr val="660E7A"/>
+                </a:solidFill>
+              </a:rPr>
+              <a:t>android</a:t>
+            </a:r>
+            <a:r>
+              <a:rPr lang="en-US" b="1" dirty="0" err="1">
+                <a:solidFill>
+                  <a:srgbClr val="0000FF"/>
+                </a:solidFill>
+              </a:rPr>
+              <a:t>:theme</a:t>
+            </a:r>
+            <a:r>
+              <a:rPr lang="en-US" b="1" dirty="0">
+                <a:solidFill>
+                  <a:srgbClr val="0000FF"/>
+                </a:solidFill>
+              </a:rPr>
+              <a:t>=</a:t>
+            </a:r>
+            <a:r>
+              <a:rPr lang="en-US" b="1" dirty="0">
+                <a:solidFill>
+                  <a:srgbClr val="008000"/>
+                </a:solidFill>
+              </a:rPr>
+              <a:t>"@style/</a:t>
+            </a:r>
+            <a:r>
+              <a:rPr lang="en-US" b="1" dirty="0" err="1">
+                <a:solidFill>
+                  <a:srgbClr val="008000"/>
+                </a:solidFill>
+              </a:rPr>
+              <a:t>DialogTheme</a:t>
+            </a:r>
+            <a:r>
+              <a:rPr lang="en-US" b="1" dirty="0">
+                <a:solidFill>
+                  <a:srgbClr val="008000"/>
+                </a:solidFill>
+              </a:rPr>
+              <a:t>"</a:t>
+            </a:r>
+            <a:r>
+              <a:rPr lang="en-US" dirty="0"/>
+              <a:t>&gt;</a:t>
+            </a:r>
+            <a:br>
+              <a:rPr lang="en-US" dirty="0"/>
+            </a:br>
+            <a:r>
+              <a:rPr lang="en-US" dirty="0"/>
+              <a:t>    &lt;/</a:t>
+            </a:r>
+            <a:r>
+              <a:rPr lang="en-US" b="1" dirty="0">
+                <a:solidFill>
+                  <a:srgbClr val="000080"/>
+                </a:solidFill>
+              </a:rPr>
+              <a:t>activity</a:t>
+            </a:r>
+            <a:r>
+              <a:rPr lang="en-US" dirty="0"/>
+              <a:t>&gt;</a:t>
+            </a:r>
+            <a:br>
+              <a:rPr lang="en-US" dirty="0"/>
+            </a:br>
+            <a:r>
+              <a:rPr lang="en-US" dirty="0"/>
+              <a:t>&lt;/</a:t>
+            </a:r>
+            <a:r>
+              <a:rPr lang="en-US" b="1" dirty="0">
+                <a:solidFill>
+                  <a:srgbClr val="000080"/>
+                </a:solidFill>
+              </a:rPr>
+              <a:t>application</a:t>
+            </a:r>
+            <a:r>
+              <a:rPr lang="en-US" dirty="0"/>
+              <a:t>&gt;</a:t>
+            </a:r>
           </a:p>
         </p:txBody>
       </p:sp>
     </p:spTree>
     <p:extLst>
       <p:ext uri="{BB962C8B-B14F-4D97-AF65-F5344CB8AC3E}">
-        <p14:creationId xmlns:p14="http://schemas.microsoft.com/office/powerpoint/2010/main" val="3295753059"/>
+        <p14:creationId xmlns:p14="http://schemas.microsoft.com/office/powerpoint/2010/main" val="731363611"/>
       </p:ext>
     </p:extLst>
   </p:cSld>
@@ -7232,6 +7238,28 @@
 <file path=ppt/slides/slide22.xml><?xml version="1.0" encoding="utf-8"?>
 <p:sld xmlns:a="http://schemas.openxmlformats.org/drawingml/2006/main" xmlns:r="http://schemas.openxmlformats.org/officeDocument/2006/relationships" xmlns:p="http://schemas.openxmlformats.org/presentationml/2006/main">
   <p:cSld>
+    <p:bg>
+      <p:bgPr>
+        <a:gradFill flip="none" rotWithShape="1">
+          <a:gsLst>
+            <a:gs pos="100000">
+              <a:schemeClr val="bg2">
+                <a:lumMod val="50000"/>
+              </a:schemeClr>
+            </a:gs>
+            <a:gs pos="73000">
+              <a:schemeClr val="bg2">
+                <a:lumMod val="50000"/>
+                <a:alpha val="22000"/>
+              </a:schemeClr>
+            </a:gs>
+          </a:gsLst>
+          <a:lin ang="5400000" scaled="0"/>
+          <a:tileRect/>
+        </a:gradFill>
+        <a:effectLst/>
+      </p:bgPr>
+    </p:bg>
     <p:spTree>
       <p:nvGrpSpPr>
         <p:cNvPr id="1" name=""/>
@@ -7259,20 +7287,22 @@
         <p:spPr>
           <a:xfrm>
             <a:off x="457200" y="274638"/>
-            <a:ext cx="8229600" cy="768854"/>
+            <a:ext cx="8229600" cy="736581"/>
           </a:xfrm>
         </p:spPr>
         <p:txBody>
-          <a:bodyPr/>
+          <a:bodyPr>
+            <a:normAutofit fontScale="90000"/>
+          </a:bodyPr>
           <a:lstStyle/>
           <a:p>
             <a:r>
-              <a:rPr lang="en-US" dirty="0">
-                <a:solidFill>
-                  <a:srgbClr val="100DFF"/>
-                </a:solidFill>
-              </a:rPr>
-              <a:t>Adding an Activity to the Manifest</a:t>
+              <a:rPr lang="en-US" b="1" dirty="0">
+                <a:solidFill>
+                  <a:srgbClr val="2D2DB9"/>
+                </a:solidFill>
+              </a:rPr>
+              <a:t>Exercise</a:t>
             </a:r>
           </a:p>
         </p:txBody>
@@ -7289,931 +7319,173 @@
         </p:nvSpPr>
         <p:spPr>
           <a:xfrm>
-            <a:off x="457200" y="1312434"/>
-            <a:ext cx="8229600" cy="5152912"/>
+            <a:off x="457200" y="1108038"/>
+            <a:ext cx="8229600" cy="5018125"/>
           </a:xfrm>
         </p:spPr>
         <p:txBody>
           <a:bodyPr>
-            <a:normAutofit fontScale="55000" lnSpcReduction="20000"/>
+            <a:normAutofit fontScale="85000" lnSpcReduction="10000"/>
           </a:bodyPr>
           <a:lstStyle/>
           <a:p>
-            <a:pPr marL="0" indent="0">
-              <a:buNone/>
-            </a:pPr>
-            <a:r>
-              <a:rPr lang="en-US" sz="5100" b="1" dirty="0">
-                <a:latin typeface="+mj-lt"/>
-              </a:rPr>
-              <a:t>Each Activity must be listed in the manifest:</a:t>
-            </a:r>
-            <a:br>
-              <a:rPr lang="en-US" sz="5100" b="1" dirty="0">
-                <a:latin typeface="+mj-lt"/>
-              </a:rPr>
-            </a:br>
-            <a:endParaRPr lang="en-US" sz="5100" b="1" dirty="0">
-              <a:latin typeface="+mj-lt"/>
+            <a:r>
+              <a:rPr lang="en-US" dirty="0"/>
+              <a:t>Continue using the ch08_ex1_TipCalculator project</a:t>
+            </a:r>
+          </a:p>
+          <a:p>
+            <a:r>
+              <a:rPr lang="en-US" dirty="0"/>
+              <a:t>Put a breakpoint in </a:t>
+            </a:r>
+            <a:r>
+              <a:rPr lang="en-US" dirty="0" err="1">
+                <a:latin typeface="Courier" charset="0"/>
+                <a:ea typeface="Courier" charset="0"/>
+                <a:cs typeface="Courier" charset="0"/>
+              </a:rPr>
+              <a:t>onCreateOptionMenu</a:t>
+            </a:r>
+            <a:r>
+              <a:rPr lang="en-US" dirty="0"/>
+              <a:t> and run the app in debug mode</a:t>
+            </a:r>
+          </a:p>
+          <a:p>
+            <a:r>
+              <a:rPr lang="en-US" dirty="0"/>
+              <a:t>Put breakpoints in each of the callback methods below and then run the app in debug mode</a:t>
+            </a:r>
+          </a:p>
+          <a:p>
+            <a:pPr lvl="1"/>
+            <a:r>
+              <a:rPr lang="en-US" dirty="0"/>
+              <a:t> </a:t>
+            </a:r>
+            <a:r>
+              <a:rPr lang="en-US" dirty="0" err="1">
+                <a:latin typeface="Courier" charset="0"/>
+                <a:ea typeface="Courier" charset="0"/>
+                <a:cs typeface="Courier" charset="0"/>
+              </a:rPr>
+              <a:t>onOptionsItemSelected</a:t>
+            </a:r>
+            <a:endParaRPr lang="en-US" dirty="0"/>
+          </a:p>
+          <a:p>
+            <a:pPr lvl="1"/>
+            <a:r>
+              <a:rPr lang="en-US" dirty="0" err="1">
+                <a:latin typeface="Courier" charset="0"/>
+                <a:ea typeface="Courier" charset="0"/>
+                <a:cs typeface="Courier" charset="0"/>
+              </a:rPr>
+              <a:t>AboutActivity</a:t>
+            </a:r>
+            <a:r>
+              <a:rPr lang="en-US" dirty="0"/>
+              <a:t>, </a:t>
+            </a:r>
+            <a:r>
+              <a:rPr lang="en-US" dirty="0" err="1">
+                <a:latin typeface="Courier" charset="0"/>
+                <a:ea typeface="Courier" charset="0"/>
+                <a:cs typeface="Courier" charset="0"/>
+              </a:rPr>
+              <a:t>onCreate</a:t>
+            </a:r>
+            <a:r>
+              <a:rPr lang="en-US" dirty="0"/>
+              <a:t> </a:t>
+            </a:r>
+          </a:p>
+          <a:p>
+            <a:pPr lvl="1"/>
+            <a:r>
+              <a:rPr lang="en-US" dirty="0" err="1">
+                <a:latin typeface="Courier" charset="0"/>
+                <a:ea typeface="Courier" charset="0"/>
+                <a:cs typeface="Courier" charset="0"/>
+              </a:rPr>
+              <a:t>SettingsActivity</a:t>
+            </a:r>
+            <a:r>
+              <a:rPr lang="en-US" dirty="0">
+                <a:latin typeface="Courier" charset="0"/>
+                <a:ea typeface="Courier" charset="0"/>
+                <a:cs typeface="Courier" charset="0"/>
+              </a:rPr>
+              <a:t>,</a:t>
+            </a:r>
+            <a:r>
+              <a:rPr lang="en-US" dirty="0"/>
+              <a:t> </a:t>
+            </a:r>
+            <a:r>
+              <a:rPr lang="en-US" dirty="0" err="1"/>
+              <a:t>onCreate</a:t>
+            </a:r>
+            <a:r>
+              <a:rPr lang="en-US" dirty="0"/>
+              <a:t> </a:t>
+            </a:r>
+          </a:p>
+          <a:p>
+            <a:r>
+              <a:rPr lang="en-US" dirty="0"/>
+              <a:t>For each of the methods below, how might they be implemented differently in a different app?</a:t>
+            </a:r>
+          </a:p>
+          <a:p>
+            <a:pPr lvl="1"/>
+            <a:r>
+              <a:rPr lang="en-US" dirty="0" err="1">
+                <a:latin typeface="Courier" charset="0"/>
+                <a:ea typeface="Courier" charset="0"/>
+                <a:cs typeface="Courier" charset="0"/>
+              </a:rPr>
+              <a:t>onCreateOptionMenu</a:t>
+            </a:r>
+            <a:endParaRPr lang="en-US" dirty="0">
+              <a:latin typeface="Courier" charset="0"/>
+              <a:ea typeface="Courier" charset="0"/>
+              <a:cs typeface="Courier" charset="0"/>
             </a:endParaRPr>
           </a:p>
           <a:p>
-            <a:pPr marL="0" indent="0">
-              <a:buNone/>
-            </a:pPr>
-            <a:r>
-              <a:rPr lang="en-US" dirty="0"/>
-              <a:t>&lt;</a:t>
-            </a:r>
-            <a:r>
-              <a:rPr lang="en-US" b="1" dirty="0">
-                <a:solidFill>
-                  <a:srgbClr val="000080"/>
-                </a:solidFill>
-              </a:rPr>
-              <a:t>application&gt; </a:t>
-            </a:r>
-            <a:r>
-              <a:rPr lang="en-US" i="1" dirty="0">
-                <a:solidFill>
-                  <a:srgbClr val="808080"/>
-                </a:solidFill>
-              </a:rPr>
-              <a:t>&lt;!-- Attributes removed for clarity --&gt; </a:t>
-            </a:r>
-            <a:br>
-              <a:rPr lang="en-US" dirty="0"/>
-            </a:br>
-            <a:r>
-              <a:rPr lang="en-US" dirty="0"/>
-              <a:t>    &lt;</a:t>
-            </a:r>
-            <a:r>
-              <a:rPr lang="en-US" b="1" dirty="0">
-                <a:solidFill>
-                  <a:srgbClr val="000080"/>
-                </a:solidFill>
-              </a:rPr>
-              <a:t>activity</a:t>
-            </a:r>
-            <a:br>
-              <a:rPr lang="en-US" b="1" dirty="0">
-                <a:solidFill>
-                  <a:srgbClr val="000080"/>
-                </a:solidFill>
-              </a:rPr>
-            </a:br>
-            <a:r>
-              <a:rPr lang="en-US" b="1" dirty="0">
-                <a:solidFill>
-                  <a:srgbClr val="000080"/>
-                </a:solidFill>
-              </a:rPr>
-              <a:t>        </a:t>
-            </a:r>
-            <a:r>
-              <a:rPr lang="en-US" b="1" dirty="0" err="1">
-                <a:solidFill>
-                  <a:srgbClr val="660E7A"/>
-                </a:solidFill>
-              </a:rPr>
-              <a:t>android</a:t>
-            </a:r>
-            <a:r>
-              <a:rPr lang="en-US" b="1" dirty="0" err="1">
-                <a:solidFill>
-                  <a:srgbClr val="0000FF"/>
-                </a:solidFill>
-              </a:rPr>
-              <a:t>:name</a:t>
-            </a:r>
-            <a:r>
-              <a:rPr lang="en-US" b="1" dirty="0">
-                <a:solidFill>
-                  <a:srgbClr val="0000FF"/>
-                </a:solidFill>
-              </a:rPr>
-              <a:t>=</a:t>
-            </a:r>
-            <a:r>
-              <a:rPr lang="en-US" b="1" dirty="0">
-                <a:solidFill>
-                  <a:srgbClr val="008000"/>
-                </a:solidFill>
-              </a:rPr>
-              <a:t>"</a:t>
-            </a:r>
-            <a:r>
-              <a:rPr lang="en-US" b="1" dirty="0" err="1">
-                <a:solidFill>
-                  <a:srgbClr val="008000"/>
-                </a:solidFill>
-              </a:rPr>
-              <a:t>com.murach.tipcalculator.TipCalculatorActivity</a:t>
-            </a:r>
-            <a:r>
-              <a:rPr lang="en-US" b="1" dirty="0">
-                <a:solidFill>
-                  <a:srgbClr val="008000"/>
-                </a:solidFill>
-              </a:rPr>
-              <a:t>"</a:t>
-            </a:r>
-            <a:br>
-              <a:rPr lang="en-US" b="1" dirty="0">
-                <a:solidFill>
-                  <a:srgbClr val="008000"/>
-                </a:solidFill>
-              </a:rPr>
-            </a:br>
-            <a:r>
-              <a:rPr lang="en-US" b="1" dirty="0">
-                <a:solidFill>
-                  <a:srgbClr val="008000"/>
-                </a:solidFill>
-              </a:rPr>
-              <a:t>        </a:t>
-            </a:r>
-            <a:r>
-              <a:rPr lang="en-US" b="1" dirty="0" err="1">
-                <a:solidFill>
-                  <a:srgbClr val="660E7A"/>
-                </a:solidFill>
-              </a:rPr>
-              <a:t>android</a:t>
-            </a:r>
-            <a:r>
-              <a:rPr lang="en-US" b="1" dirty="0" err="1">
-                <a:solidFill>
-                  <a:srgbClr val="0000FF"/>
-                </a:solidFill>
-              </a:rPr>
-              <a:t>:label</a:t>
-            </a:r>
-            <a:r>
-              <a:rPr lang="en-US" b="1" dirty="0">
-                <a:solidFill>
-                  <a:srgbClr val="0000FF"/>
-                </a:solidFill>
-              </a:rPr>
-              <a:t>=</a:t>
-            </a:r>
-            <a:r>
-              <a:rPr lang="en-US" b="1" dirty="0">
-                <a:solidFill>
-                  <a:srgbClr val="008000"/>
-                </a:solidFill>
-              </a:rPr>
-              <a:t>"@string/</a:t>
-            </a:r>
-            <a:r>
-              <a:rPr lang="en-US" b="1" dirty="0" err="1">
-                <a:solidFill>
-                  <a:srgbClr val="008000"/>
-                </a:solidFill>
-              </a:rPr>
-              <a:t>title_activity_tip_calculator</a:t>
-            </a:r>
-            <a:r>
-              <a:rPr lang="en-US" b="1" dirty="0">
-                <a:solidFill>
-                  <a:srgbClr val="008000"/>
-                </a:solidFill>
-              </a:rPr>
-              <a:t>" </a:t>
-            </a:r>
-            <a:r>
-              <a:rPr lang="en-US" dirty="0"/>
-              <a:t>&gt;</a:t>
-            </a:r>
-            <a:br>
-              <a:rPr lang="en-US" dirty="0"/>
-            </a:br>
-            <a:r>
-              <a:rPr lang="en-US" dirty="0"/>
-              <a:t>        &lt;</a:t>
-            </a:r>
-            <a:r>
-              <a:rPr lang="en-US" b="1" dirty="0">
-                <a:solidFill>
-                  <a:srgbClr val="000080"/>
-                </a:solidFill>
-              </a:rPr>
-              <a:t>intent-filter</a:t>
-            </a:r>
-            <a:r>
-              <a:rPr lang="en-US" dirty="0"/>
-              <a:t>&gt;</a:t>
-            </a:r>
-            <a:br>
-              <a:rPr lang="en-US" dirty="0"/>
-            </a:br>
-            <a:r>
-              <a:rPr lang="en-US" dirty="0"/>
-              <a:t>            &lt;</a:t>
-            </a:r>
-            <a:r>
-              <a:rPr lang="en-US" b="1" dirty="0">
-                <a:solidFill>
-                  <a:srgbClr val="000080"/>
-                </a:solidFill>
-              </a:rPr>
-              <a:t>action </a:t>
-            </a:r>
-            <a:r>
-              <a:rPr lang="en-US" b="1" dirty="0" err="1">
-                <a:solidFill>
-                  <a:srgbClr val="660E7A"/>
-                </a:solidFill>
-              </a:rPr>
-              <a:t>android</a:t>
-            </a:r>
-            <a:r>
-              <a:rPr lang="en-US" b="1" dirty="0" err="1">
-                <a:solidFill>
-                  <a:srgbClr val="0000FF"/>
-                </a:solidFill>
-              </a:rPr>
-              <a:t>:name</a:t>
-            </a:r>
-            <a:r>
-              <a:rPr lang="en-US" b="1" dirty="0">
-                <a:solidFill>
-                  <a:srgbClr val="0000FF"/>
-                </a:solidFill>
-              </a:rPr>
-              <a:t>=</a:t>
-            </a:r>
-            <a:r>
-              <a:rPr lang="en-US" b="1" dirty="0">
-                <a:solidFill>
-                  <a:srgbClr val="008000"/>
-                </a:solidFill>
-              </a:rPr>
-              <a:t>"</a:t>
-            </a:r>
-            <a:r>
-              <a:rPr lang="en-US" b="1" dirty="0" err="1">
-                <a:solidFill>
-                  <a:srgbClr val="008000"/>
-                </a:solidFill>
-              </a:rPr>
-              <a:t>android.intent.action.MAIN</a:t>
-            </a:r>
-            <a:r>
-              <a:rPr lang="en-US" b="1" dirty="0">
-                <a:solidFill>
-                  <a:srgbClr val="008000"/>
-                </a:solidFill>
-              </a:rPr>
-              <a:t>" </a:t>
-            </a:r>
-            <a:r>
-              <a:rPr lang="en-US" dirty="0"/>
-              <a:t>/&gt;</a:t>
-            </a:r>
-            <a:br>
-              <a:rPr lang="en-US" dirty="0"/>
-            </a:br>
-            <a:r>
-              <a:rPr lang="en-US" dirty="0"/>
-              <a:t>            &lt;</a:t>
-            </a:r>
-            <a:r>
-              <a:rPr lang="en-US" b="1" dirty="0">
-                <a:solidFill>
-                  <a:srgbClr val="000080"/>
-                </a:solidFill>
-              </a:rPr>
-              <a:t>category </a:t>
-            </a:r>
-            <a:r>
-              <a:rPr lang="en-US" b="1" dirty="0" err="1">
-                <a:solidFill>
-                  <a:srgbClr val="660E7A"/>
-                </a:solidFill>
-              </a:rPr>
-              <a:t>android</a:t>
-            </a:r>
-            <a:r>
-              <a:rPr lang="en-US" b="1" dirty="0" err="1">
-                <a:solidFill>
-                  <a:srgbClr val="0000FF"/>
-                </a:solidFill>
-              </a:rPr>
-              <a:t>:name</a:t>
-            </a:r>
-            <a:r>
-              <a:rPr lang="en-US" b="1" dirty="0">
-                <a:solidFill>
-                  <a:srgbClr val="0000FF"/>
-                </a:solidFill>
-              </a:rPr>
-              <a:t>=</a:t>
-            </a:r>
-            <a:r>
-              <a:rPr lang="en-US" b="1" dirty="0">
-                <a:solidFill>
-                  <a:srgbClr val="008000"/>
-                </a:solidFill>
-              </a:rPr>
-              <a:t>"</a:t>
-            </a:r>
-            <a:r>
-              <a:rPr lang="en-US" b="1" dirty="0" err="1">
-                <a:solidFill>
-                  <a:srgbClr val="008000"/>
-                </a:solidFill>
-              </a:rPr>
-              <a:t>android.intent.category.LAUNCHER</a:t>
-            </a:r>
-            <a:r>
-              <a:rPr lang="en-US" b="1" dirty="0">
-                <a:solidFill>
-                  <a:srgbClr val="008000"/>
-                </a:solidFill>
-              </a:rPr>
-              <a:t>" </a:t>
-            </a:r>
-            <a:r>
-              <a:rPr lang="en-US" dirty="0"/>
-              <a:t>/&gt;</a:t>
-            </a:r>
-            <a:br>
-              <a:rPr lang="en-US" dirty="0"/>
-            </a:br>
-            <a:r>
-              <a:rPr lang="en-US" dirty="0"/>
-              <a:t>        &lt;/</a:t>
-            </a:r>
-            <a:r>
-              <a:rPr lang="en-US" b="1" dirty="0">
-                <a:solidFill>
-                  <a:srgbClr val="000080"/>
-                </a:solidFill>
-              </a:rPr>
-              <a:t>intent-filter</a:t>
-            </a:r>
-            <a:r>
-              <a:rPr lang="en-US" dirty="0"/>
-              <a:t>&gt;</a:t>
-            </a:r>
-            <a:br>
-              <a:rPr lang="en-US" dirty="0"/>
-            </a:br>
-            <a:r>
-              <a:rPr lang="en-US" dirty="0"/>
-              <a:t>    &lt;/</a:t>
-            </a:r>
-            <a:r>
-              <a:rPr lang="en-US" b="1" dirty="0">
-                <a:solidFill>
-                  <a:srgbClr val="000080"/>
-                </a:solidFill>
-              </a:rPr>
-              <a:t>activity</a:t>
-            </a:r>
-            <a:r>
-              <a:rPr lang="en-US" dirty="0"/>
-              <a:t>&gt;</a:t>
-            </a:r>
-            <a:br>
-              <a:rPr lang="en-US" dirty="0"/>
-            </a:br>
-            <a:r>
-              <a:rPr lang="en-US" dirty="0">
-                <a:effectLst>
-                  <a:glow rad="127000">
-                    <a:srgbClr val="FFFF00"/>
-                  </a:glow>
-                </a:effectLst>
-              </a:rPr>
-              <a:t>    &lt;</a:t>
-            </a:r>
-            <a:r>
-              <a:rPr lang="en-US" b="1" dirty="0">
-                <a:solidFill>
-                  <a:srgbClr val="000080"/>
-                </a:solidFill>
-                <a:effectLst>
-                  <a:glow rad="127000">
-                    <a:srgbClr val="FFFF00"/>
-                  </a:glow>
-                </a:effectLst>
-              </a:rPr>
-              <a:t>activity</a:t>
-            </a:r>
-            <a:br>
-              <a:rPr lang="en-US" b="1" dirty="0">
-                <a:solidFill>
-                  <a:srgbClr val="000080"/>
-                </a:solidFill>
-                <a:effectLst>
-                  <a:glow rad="127000">
-                    <a:srgbClr val="FFFF00"/>
-                  </a:glow>
-                </a:effectLst>
-              </a:rPr>
-            </a:br>
-            <a:r>
-              <a:rPr lang="en-US" b="1" dirty="0">
-                <a:solidFill>
-                  <a:srgbClr val="000080"/>
-                </a:solidFill>
-                <a:effectLst>
-                  <a:glow rad="127000">
-                    <a:srgbClr val="FFFF00"/>
-                  </a:glow>
-                </a:effectLst>
-              </a:rPr>
-              <a:t>        </a:t>
-            </a:r>
-            <a:r>
-              <a:rPr lang="en-US" b="1" dirty="0" err="1">
-                <a:solidFill>
-                  <a:srgbClr val="660E7A"/>
-                </a:solidFill>
-                <a:effectLst>
-                  <a:glow rad="127000">
-                    <a:srgbClr val="FFFF00"/>
-                  </a:glow>
-                </a:effectLst>
-              </a:rPr>
-              <a:t>android</a:t>
-            </a:r>
-            <a:r>
-              <a:rPr lang="en-US" b="1" dirty="0" err="1">
-                <a:solidFill>
-                  <a:srgbClr val="0000FF"/>
-                </a:solidFill>
-                <a:effectLst>
-                  <a:glow rad="127000">
-                    <a:srgbClr val="FFFF00"/>
-                  </a:glow>
-                </a:effectLst>
-              </a:rPr>
-              <a:t>:name</a:t>
-            </a:r>
-            <a:r>
-              <a:rPr lang="en-US" b="1" dirty="0">
-                <a:solidFill>
-                  <a:srgbClr val="0000FF"/>
-                </a:solidFill>
-                <a:effectLst>
-                  <a:glow rad="127000">
-                    <a:srgbClr val="FFFF00"/>
-                  </a:glow>
-                </a:effectLst>
-              </a:rPr>
-              <a:t>=</a:t>
-            </a:r>
-            <a:r>
-              <a:rPr lang="en-US" b="1" dirty="0">
-                <a:solidFill>
-                  <a:srgbClr val="008000"/>
-                </a:solidFill>
-                <a:effectLst>
-                  <a:glow rad="127000">
-                    <a:srgbClr val="FFFF00"/>
-                  </a:glow>
-                </a:effectLst>
-              </a:rPr>
-              <a:t>"</a:t>
-            </a:r>
-            <a:r>
-              <a:rPr lang="en-US" b="1" dirty="0" err="1">
-                <a:solidFill>
-                  <a:srgbClr val="008000"/>
-                </a:solidFill>
-                <a:effectLst>
-                  <a:glow rad="127000">
-                    <a:srgbClr val="FFFF00"/>
-                  </a:glow>
-                </a:effectLst>
-              </a:rPr>
-              <a:t>com.murach.tipcalculator.SettingsActivity</a:t>
-            </a:r>
-            <a:r>
-              <a:rPr lang="en-US" b="1" dirty="0">
-                <a:solidFill>
-                  <a:srgbClr val="008000"/>
-                </a:solidFill>
-                <a:effectLst>
-                  <a:glow rad="127000">
-                    <a:srgbClr val="FFFF00"/>
-                  </a:glow>
-                </a:effectLst>
-              </a:rPr>
-              <a:t>"</a:t>
-            </a:r>
-            <a:br>
-              <a:rPr lang="en-US" b="1" dirty="0">
-                <a:solidFill>
-                  <a:srgbClr val="008000"/>
-                </a:solidFill>
-                <a:effectLst>
-                  <a:glow rad="127000">
-                    <a:srgbClr val="FFFF00"/>
-                  </a:glow>
-                </a:effectLst>
-              </a:rPr>
-            </a:br>
-            <a:r>
-              <a:rPr lang="en-US" b="1" dirty="0">
-                <a:solidFill>
-                  <a:srgbClr val="008000"/>
-                </a:solidFill>
-                <a:effectLst>
-                  <a:glow rad="127000">
-                    <a:srgbClr val="FFFF00"/>
-                  </a:glow>
-                </a:effectLst>
-              </a:rPr>
-              <a:t>        </a:t>
-            </a:r>
-            <a:r>
-              <a:rPr lang="en-US" b="1" dirty="0" err="1">
-                <a:solidFill>
-                  <a:srgbClr val="660E7A"/>
-                </a:solidFill>
-                <a:effectLst>
-                  <a:glow rad="127000">
-                    <a:srgbClr val="FFFF00"/>
-                  </a:glow>
-                </a:effectLst>
-              </a:rPr>
-              <a:t>android</a:t>
-            </a:r>
-            <a:r>
-              <a:rPr lang="en-US" b="1" dirty="0" err="1">
-                <a:solidFill>
-                  <a:srgbClr val="0000FF"/>
-                </a:solidFill>
-                <a:effectLst>
-                  <a:glow rad="127000">
-                    <a:srgbClr val="FFFF00"/>
-                  </a:glow>
-                </a:effectLst>
-              </a:rPr>
-              <a:t>:label</a:t>
-            </a:r>
-            <a:r>
-              <a:rPr lang="en-US" b="1" dirty="0">
-                <a:solidFill>
-                  <a:srgbClr val="0000FF"/>
-                </a:solidFill>
-                <a:effectLst>
-                  <a:glow rad="127000">
-                    <a:srgbClr val="FFFF00"/>
-                  </a:glow>
-                </a:effectLst>
-              </a:rPr>
-              <a:t>=</a:t>
-            </a:r>
-            <a:r>
-              <a:rPr lang="en-US" b="1" dirty="0">
-                <a:solidFill>
-                  <a:srgbClr val="008000"/>
-                </a:solidFill>
-                <a:effectLst>
-                  <a:glow rad="127000">
-                    <a:srgbClr val="FFFF00"/>
-                  </a:glow>
-                </a:effectLst>
-              </a:rPr>
-              <a:t>"@string/</a:t>
-            </a:r>
-            <a:r>
-              <a:rPr lang="en-US" b="1" dirty="0" err="1">
-                <a:solidFill>
-                  <a:srgbClr val="008000"/>
-                </a:solidFill>
-                <a:effectLst>
-                  <a:glow rad="127000">
-                    <a:srgbClr val="FFFF00"/>
-                  </a:glow>
-                </a:effectLst>
-              </a:rPr>
-              <a:t>title_activity_settings</a:t>
-            </a:r>
-            <a:r>
-              <a:rPr lang="en-US" b="1" dirty="0">
-                <a:solidFill>
-                  <a:srgbClr val="008000"/>
-                </a:solidFill>
-                <a:effectLst>
-                  <a:glow rad="127000">
-                    <a:srgbClr val="FFFF00"/>
-                  </a:glow>
-                </a:effectLst>
-              </a:rPr>
-              <a:t>" </a:t>
-            </a:r>
-            <a:r>
-              <a:rPr lang="en-US" dirty="0">
-                <a:effectLst>
-                  <a:glow rad="127000">
-                    <a:srgbClr val="FFFF00"/>
-                  </a:glow>
-                </a:effectLst>
-              </a:rPr>
-              <a:t>&gt;</a:t>
-            </a:r>
-            <a:br>
-              <a:rPr lang="en-US" dirty="0">
-                <a:effectLst>
-                  <a:glow rad="127000">
-                    <a:srgbClr val="FFFF00"/>
-                  </a:glow>
-                </a:effectLst>
-              </a:rPr>
-            </a:br>
-            <a:r>
-              <a:rPr lang="en-US" dirty="0">
-                <a:effectLst>
-                  <a:glow rad="127000">
-                    <a:srgbClr val="FFFF00"/>
-                  </a:glow>
-                </a:effectLst>
-              </a:rPr>
-              <a:t>    &lt;/</a:t>
-            </a:r>
-            <a:r>
-              <a:rPr lang="en-US" b="1" dirty="0">
-                <a:solidFill>
-                  <a:srgbClr val="000080"/>
-                </a:solidFill>
-                <a:effectLst>
-                  <a:glow rad="127000">
-                    <a:srgbClr val="FFFF00"/>
-                  </a:glow>
-                </a:effectLst>
-              </a:rPr>
-              <a:t>activity</a:t>
-            </a:r>
-            <a:r>
-              <a:rPr lang="en-US" dirty="0">
-                <a:effectLst>
-                  <a:glow rad="127000">
-                    <a:srgbClr val="FFFF00"/>
-                  </a:glow>
-                </a:effectLst>
-              </a:rPr>
-              <a:t>&gt;</a:t>
-            </a:r>
-            <a:br>
-              <a:rPr lang="en-US" dirty="0"/>
-            </a:br>
-            <a:r>
-              <a:rPr lang="en-US" dirty="0"/>
-              <a:t>    &lt;</a:t>
-            </a:r>
-            <a:r>
-              <a:rPr lang="en-US" b="1" dirty="0">
-                <a:solidFill>
-                  <a:srgbClr val="000080"/>
-                </a:solidFill>
-              </a:rPr>
-              <a:t>activity</a:t>
-            </a:r>
-            <a:br>
-              <a:rPr lang="en-US" b="1" dirty="0">
-                <a:solidFill>
-                  <a:srgbClr val="000080"/>
-                </a:solidFill>
-              </a:rPr>
-            </a:br>
-            <a:r>
-              <a:rPr lang="en-US" b="1" dirty="0">
-                <a:solidFill>
-                  <a:srgbClr val="000080"/>
-                </a:solidFill>
-              </a:rPr>
-              <a:t>        </a:t>
-            </a:r>
-            <a:r>
-              <a:rPr lang="en-US" b="1" dirty="0" err="1">
-                <a:solidFill>
-                  <a:srgbClr val="660E7A"/>
-                </a:solidFill>
-              </a:rPr>
-              <a:t>android</a:t>
-            </a:r>
-            <a:r>
-              <a:rPr lang="en-US" b="1" dirty="0" err="1">
-                <a:solidFill>
-                  <a:srgbClr val="0000FF"/>
-                </a:solidFill>
-              </a:rPr>
-              <a:t>:name</a:t>
-            </a:r>
-            <a:r>
-              <a:rPr lang="en-US" b="1" dirty="0">
-                <a:solidFill>
-                  <a:srgbClr val="0000FF"/>
-                </a:solidFill>
-              </a:rPr>
-              <a:t>=</a:t>
-            </a:r>
-            <a:r>
-              <a:rPr lang="en-US" b="1" dirty="0">
-                <a:solidFill>
-                  <a:srgbClr val="008000"/>
-                </a:solidFill>
-              </a:rPr>
-              <a:t>"</a:t>
-            </a:r>
-            <a:r>
-              <a:rPr lang="en-US" b="1" dirty="0" err="1">
-                <a:solidFill>
-                  <a:srgbClr val="008000"/>
-                </a:solidFill>
-              </a:rPr>
-              <a:t>com.murach.tipcalculator.AboutActivity</a:t>
-            </a:r>
-            <a:r>
-              <a:rPr lang="en-US" b="1" dirty="0">
-                <a:solidFill>
-                  <a:srgbClr val="008000"/>
-                </a:solidFill>
-              </a:rPr>
-              <a:t>"</a:t>
-            </a:r>
-            <a:br>
-              <a:rPr lang="en-US" b="1" dirty="0">
-                <a:solidFill>
-                  <a:srgbClr val="008000"/>
-                </a:solidFill>
-              </a:rPr>
-            </a:br>
-            <a:r>
-              <a:rPr lang="en-US" b="1" dirty="0">
-                <a:solidFill>
-                  <a:srgbClr val="008000"/>
-                </a:solidFill>
-              </a:rPr>
-              <a:t>        </a:t>
-            </a:r>
-            <a:r>
-              <a:rPr lang="en-US" b="1" dirty="0" err="1">
-                <a:solidFill>
-                  <a:srgbClr val="660E7A"/>
-                </a:solidFill>
-              </a:rPr>
-              <a:t>android</a:t>
-            </a:r>
-            <a:r>
-              <a:rPr lang="en-US" b="1" dirty="0" err="1">
-                <a:solidFill>
-                  <a:srgbClr val="0000FF"/>
-                </a:solidFill>
-              </a:rPr>
-              <a:t>:label</a:t>
-            </a:r>
-            <a:r>
-              <a:rPr lang="en-US" b="1" dirty="0">
-                <a:solidFill>
-                  <a:srgbClr val="0000FF"/>
-                </a:solidFill>
-              </a:rPr>
-              <a:t>=</a:t>
-            </a:r>
-            <a:r>
-              <a:rPr lang="en-US" b="1" dirty="0">
-                <a:solidFill>
-                  <a:srgbClr val="008000"/>
-                </a:solidFill>
-              </a:rPr>
-              <a:t>"@string/</a:t>
-            </a:r>
-            <a:r>
-              <a:rPr lang="en-US" b="1" dirty="0" err="1">
-                <a:solidFill>
-                  <a:srgbClr val="008000"/>
-                </a:solidFill>
-              </a:rPr>
-              <a:t>title_activity_about</a:t>
-            </a:r>
-            <a:r>
-              <a:rPr lang="en-US" b="1" dirty="0">
-                <a:solidFill>
-                  <a:srgbClr val="008000"/>
-                </a:solidFill>
-              </a:rPr>
-              <a:t>" </a:t>
-            </a:r>
-            <a:br>
-              <a:rPr lang="en-US" b="1" dirty="0">
-                <a:solidFill>
-                  <a:srgbClr val="008000"/>
-                </a:solidFill>
-              </a:rPr>
-            </a:br>
-            <a:r>
-              <a:rPr lang="en-US" b="1" dirty="0">
-                <a:solidFill>
-                  <a:srgbClr val="008000"/>
-                </a:solidFill>
-              </a:rPr>
-              <a:t>        </a:t>
-            </a:r>
-            <a:r>
-              <a:rPr lang="en-US" b="1" dirty="0" err="1">
-                <a:solidFill>
-                  <a:srgbClr val="660E7A"/>
-                </a:solidFill>
-              </a:rPr>
-              <a:t>android</a:t>
-            </a:r>
-            <a:r>
-              <a:rPr lang="en-US" b="1" dirty="0" err="1">
-                <a:solidFill>
-                  <a:srgbClr val="0000FF"/>
-                </a:solidFill>
-              </a:rPr>
-              <a:t>:theme</a:t>
-            </a:r>
-            <a:r>
-              <a:rPr lang="en-US" b="1" dirty="0">
-                <a:solidFill>
-                  <a:srgbClr val="0000FF"/>
-                </a:solidFill>
-              </a:rPr>
-              <a:t>=</a:t>
-            </a:r>
-            <a:r>
-              <a:rPr lang="en-US" b="1" dirty="0">
-                <a:solidFill>
-                  <a:srgbClr val="008000"/>
-                </a:solidFill>
-              </a:rPr>
-              <a:t>"@style/</a:t>
-            </a:r>
-            <a:r>
-              <a:rPr lang="en-US" b="1" dirty="0" err="1">
-                <a:solidFill>
-                  <a:srgbClr val="008000"/>
-                </a:solidFill>
-              </a:rPr>
-              <a:t>DialogTheme</a:t>
-            </a:r>
-            <a:r>
-              <a:rPr lang="en-US" b="1" dirty="0">
-                <a:solidFill>
-                  <a:srgbClr val="008000"/>
-                </a:solidFill>
-              </a:rPr>
-              <a:t>"</a:t>
-            </a:r>
-            <a:r>
-              <a:rPr lang="en-US" dirty="0"/>
-              <a:t>&gt;</a:t>
-            </a:r>
-            <a:br>
-              <a:rPr lang="en-US" dirty="0"/>
-            </a:br>
-            <a:r>
-              <a:rPr lang="en-US" dirty="0"/>
-              <a:t>    &lt;/</a:t>
-            </a:r>
-            <a:r>
-              <a:rPr lang="en-US" b="1" dirty="0">
-                <a:solidFill>
-                  <a:srgbClr val="000080"/>
-                </a:solidFill>
-              </a:rPr>
-              <a:t>activity</a:t>
-            </a:r>
-            <a:r>
-              <a:rPr lang="en-US" dirty="0"/>
-              <a:t>&gt;</a:t>
-            </a:r>
-            <a:br>
-              <a:rPr lang="en-US" dirty="0"/>
-            </a:br>
-            <a:r>
-              <a:rPr lang="en-US" dirty="0"/>
-              <a:t>&lt;/</a:t>
-            </a:r>
-            <a:r>
-              <a:rPr lang="en-US" b="1" dirty="0">
-                <a:solidFill>
-                  <a:srgbClr val="000080"/>
-                </a:solidFill>
-              </a:rPr>
-              <a:t>application</a:t>
-            </a:r>
-            <a:r>
-              <a:rPr lang="en-US" dirty="0"/>
-              <a:t>&gt;</a:t>
-            </a:r>
+            <a:pPr lvl="1"/>
+            <a:r>
+              <a:rPr lang="en-US" dirty="0" err="1">
+                <a:latin typeface="Courier" charset="0"/>
+                <a:ea typeface="Courier" charset="0"/>
+                <a:cs typeface="Courier" charset="0"/>
+              </a:rPr>
+              <a:t>onOptionsItemSelected</a:t>
+            </a:r>
+            <a:endParaRPr lang="en-US" dirty="0">
+              <a:latin typeface="Courier" charset="0"/>
+              <a:ea typeface="Courier" charset="0"/>
+              <a:cs typeface="Courier" charset="0"/>
+            </a:endParaRPr>
+          </a:p>
+          <a:p>
+            <a:pPr lvl="1"/>
+            <a:endParaRPr lang="en-US" dirty="0"/>
+          </a:p>
+          <a:p>
+            <a:endParaRPr lang="en-US" dirty="0"/>
+          </a:p>
+          <a:p>
+            <a:endParaRPr lang="en-US" dirty="0"/>
           </a:p>
         </p:txBody>
       </p:sp>
     </p:spTree>
     <p:extLst>
       <p:ext uri="{BB962C8B-B14F-4D97-AF65-F5344CB8AC3E}">
-        <p14:creationId xmlns:p14="http://schemas.microsoft.com/office/powerpoint/2010/main" val="731363611"/>
+        <p14:creationId xmlns:p14="http://schemas.microsoft.com/office/powerpoint/2010/main" val="2819936487"/>
       </p:ext>
     </p:extLst>
   </p:cSld>
@@ -8272,266 +7544,6 @@
             <p:ph type="title"/>
           </p:nvPr>
         </p:nvSpPr>
-        <p:spPr>
-          <a:xfrm>
-            <a:off x="457200" y="274638"/>
-            <a:ext cx="8229600" cy="736581"/>
-          </a:xfrm>
-        </p:spPr>
-        <p:txBody>
-          <a:bodyPr>
-            <a:normAutofit fontScale="90000"/>
-          </a:bodyPr>
-          <a:lstStyle/>
-          <a:p>
-            <a:r>
-              <a:rPr lang="en-US" b="1" dirty="0">
-                <a:solidFill>
-                  <a:srgbClr val="2D2DB9"/>
-                </a:solidFill>
-              </a:rPr>
-              <a:t>Exercise</a:t>
-            </a:r>
-          </a:p>
-        </p:txBody>
-      </p:sp>
-      <p:sp>
-        <p:nvSpPr>
-          <p:cNvPr id="3" name="Content Placeholder 2"/>
-          <p:cNvSpPr>
-            <a:spLocks noGrp="1"/>
-          </p:cNvSpPr>
-          <p:nvPr>
-            <p:ph idx="1"/>
-          </p:nvPr>
-        </p:nvSpPr>
-        <p:spPr>
-          <a:xfrm>
-            <a:off x="457200" y="1108038"/>
-            <a:ext cx="8229600" cy="5018125"/>
-          </a:xfrm>
-        </p:spPr>
-        <p:txBody>
-          <a:bodyPr>
-            <a:normAutofit fontScale="85000" lnSpcReduction="10000"/>
-          </a:bodyPr>
-          <a:lstStyle/>
-          <a:p>
-            <a:r>
-              <a:rPr lang="en-US" dirty="0"/>
-              <a:t>Continue using the ch08_ex1_TipCalculator project</a:t>
-            </a:r>
-          </a:p>
-          <a:p>
-            <a:r>
-              <a:rPr lang="en-US" dirty="0"/>
-              <a:t>Put a breakpoint in </a:t>
-            </a:r>
-            <a:r>
-              <a:rPr lang="en-US" dirty="0" err="1">
-                <a:latin typeface="Courier" charset="0"/>
-                <a:ea typeface="Courier" charset="0"/>
-                <a:cs typeface="Courier" charset="0"/>
-              </a:rPr>
-              <a:t>onCreateOptionMenu</a:t>
-            </a:r>
-            <a:r>
-              <a:rPr lang="en-US" dirty="0"/>
-              <a:t> and run the app in debug mode</a:t>
-            </a:r>
-          </a:p>
-          <a:p>
-            <a:r>
-              <a:rPr lang="en-US" dirty="0"/>
-              <a:t>Put breakpoints in each of the callback methods below and then run the app in debug mode</a:t>
-            </a:r>
-          </a:p>
-          <a:p>
-            <a:pPr lvl="1"/>
-            <a:r>
-              <a:rPr lang="en-US" dirty="0"/>
-              <a:t> </a:t>
-            </a:r>
-            <a:r>
-              <a:rPr lang="en-US" dirty="0" err="1">
-                <a:latin typeface="Courier" charset="0"/>
-                <a:ea typeface="Courier" charset="0"/>
-                <a:cs typeface="Courier" charset="0"/>
-              </a:rPr>
-              <a:t>onOptionsItemSelected</a:t>
-            </a:r>
-            <a:endParaRPr lang="en-US" dirty="0"/>
-          </a:p>
-          <a:p>
-            <a:pPr lvl="1"/>
-            <a:r>
-              <a:rPr lang="en-US" dirty="0" err="1">
-                <a:latin typeface="Courier" charset="0"/>
-                <a:ea typeface="Courier" charset="0"/>
-                <a:cs typeface="Courier" charset="0"/>
-              </a:rPr>
-              <a:t>AboutActivity</a:t>
-            </a:r>
-            <a:r>
-              <a:rPr lang="en-US" dirty="0"/>
-              <a:t>, </a:t>
-            </a:r>
-            <a:r>
-              <a:rPr lang="en-US" dirty="0" err="1">
-                <a:latin typeface="Courier" charset="0"/>
-                <a:ea typeface="Courier" charset="0"/>
-                <a:cs typeface="Courier" charset="0"/>
-              </a:rPr>
-              <a:t>onCreate</a:t>
-            </a:r>
-            <a:r>
-              <a:rPr lang="en-US" dirty="0"/>
-              <a:t> </a:t>
-            </a:r>
-          </a:p>
-          <a:p>
-            <a:pPr lvl="1"/>
-            <a:r>
-              <a:rPr lang="en-US" dirty="0" err="1">
-                <a:latin typeface="Courier" charset="0"/>
-                <a:ea typeface="Courier" charset="0"/>
-                <a:cs typeface="Courier" charset="0"/>
-              </a:rPr>
-              <a:t>SettingsActivity</a:t>
-            </a:r>
-            <a:r>
-              <a:rPr lang="en-US" dirty="0">
-                <a:latin typeface="Courier" charset="0"/>
-                <a:ea typeface="Courier" charset="0"/>
-                <a:cs typeface="Courier" charset="0"/>
-              </a:rPr>
-              <a:t>,</a:t>
-            </a:r>
-            <a:r>
-              <a:rPr lang="en-US" dirty="0"/>
-              <a:t> </a:t>
-            </a:r>
-            <a:r>
-              <a:rPr lang="en-US" dirty="0" err="1"/>
-              <a:t>onCreate</a:t>
-            </a:r>
-            <a:r>
-              <a:rPr lang="en-US" dirty="0"/>
-              <a:t> </a:t>
-            </a:r>
-          </a:p>
-          <a:p>
-            <a:r>
-              <a:rPr lang="en-US" dirty="0"/>
-              <a:t>For each of the methods below, how might they be implemented differently in a different app?</a:t>
-            </a:r>
-          </a:p>
-          <a:p>
-            <a:pPr lvl="1"/>
-            <a:r>
-              <a:rPr lang="en-US" dirty="0" err="1">
-                <a:latin typeface="Courier" charset="0"/>
-                <a:ea typeface="Courier" charset="0"/>
-                <a:cs typeface="Courier" charset="0"/>
-              </a:rPr>
-              <a:t>onCreateOptionMenu</a:t>
-            </a:r>
-            <a:endParaRPr lang="en-US" dirty="0">
-              <a:latin typeface="Courier" charset="0"/>
-              <a:ea typeface="Courier" charset="0"/>
-              <a:cs typeface="Courier" charset="0"/>
-            </a:endParaRPr>
-          </a:p>
-          <a:p>
-            <a:pPr lvl="1"/>
-            <a:r>
-              <a:rPr lang="en-US" dirty="0" err="1">
-                <a:latin typeface="Courier" charset="0"/>
-                <a:ea typeface="Courier" charset="0"/>
-                <a:cs typeface="Courier" charset="0"/>
-              </a:rPr>
-              <a:t>onOptionsItemSelected</a:t>
-            </a:r>
-            <a:endParaRPr lang="en-US" dirty="0">
-              <a:latin typeface="Courier" charset="0"/>
-              <a:ea typeface="Courier" charset="0"/>
-              <a:cs typeface="Courier" charset="0"/>
-            </a:endParaRPr>
-          </a:p>
-          <a:p>
-            <a:pPr lvl="1"/>
-            <a:endParaRPr lang="en-US" dirty="0"/>
-          </a:p>
-          <a:p>
-            <a:endParaRPr lang="en-US" dirty="0"/>
-          </a:p>
-          <a:p>
-            <a:endParaRPr lang="en-US" dirty="0"/>
-          </a:p>
-        </p:txBody>
-      </p:sp>
-    </p:spTree>
-    <p:extLst>
-      <p:ext uri="{BB962C8B-B14F-4D97-AF65-F5344CB8AC3E}">
-        <p14:creationId xmlns:p14="http://schemas.microsoft.com/office/powerpoint/2010/main" val="2819936487"/>
-      </p:ext>
-    </p:extLst>
-  </p:cSld>
-  <p:clrMapOvr>
-    <a:masterClrMapping/>
-  </p:clrMapOvr>
-</p:sld>
-</file>
-
-<file path=ppt/slides/slide24.xml><?xml version="1.0" encoding="utf-8"?>
-<p:sld xmlns:a="http://schemas.openxmlformats.org/drawingml/2006/main" xmlns:r="http://schemas.openxmlformats.org/officeDocument/2006/relationships" xmlns:p="http://schemas.openxmlformats.org/presentationml/2006/main">
-  <p:cSld>
-    <p:bg>
-      <p:bgPr>
-        <a:gradFill flip="none" rotWithShape="1">
-          <a:gsLst>
-            <a:gs pos="100000">
-              <a:schemeClr val="bg2">
-                <a:lumMod val="50000"/>
-              </a:schemeClr>
-            </a:gs>
-            <a:gs pos="73000">
-              <a:schemeClr val="bg2">
-                <a:lumMod val="50000"/>
-                <a:alpha val="22000"/>
-              </a:schemeClr>
-            </a:gs>
-          </a:gsLst>
-          <a:lin ang="5400000" scaled="0"/>
-          <a:tileRect/>
-        </a:gradFill>
-        <a:effectLst/>
-      </p:bgPr>
-    </p:bg>
-    <p:spTree>
-      <p:nvGrpSpPr>
-        <p:cNvPr id="1" name=""/>
-        <p:cNvGrpSpPr/>
-        <p:nvPr/>
-      </p:nvGrpSpPr>
-      <p:grpSpPr>
-        <a:xfrm>
-          <a:off x="0" y="0"/>
-          <a:ext cx="0" cy="0"/>
-          <a:chOff x="0" y="0"/>
-          <a:chExt cx="0" cy="0"/>
-        </a:xfrm>
-      </p:grpSpPr>
-      <p:sp>
-        <p:nvSpPr>
-          <p:cNvPr id="2" name="Title 1"/>
-          <p:cNvSpPr>
-            <a:spLocks noGrp="1"/>
-          </p:cNvSpPr>
-          <p:nvPr>
-            <p:ph type="title"/>
-          </p:nvPr>
-        </p:nvSpPr>
         <p:spPr/>
         <p:txBody>
           <a:bodyPr/>
@@ -8661,7 +7673,7 @@
 </p:sld>
 </file>
 
-<file path=ppt/slides/slide25.xml><?xml version="1.0" encoding="utf-8"?>
+<file path=ppt/slides/slide24.xml><?xml version="1.0" encoding="utf-8"?>
 <p:sld xmlns:a="http://schemas.openxmlformats.org/drawingml/2006/main" xmlns:r="http://schemas.openxmlformats.org/officeDocument/2006/relationships" xmlns:p="http://schemas.openxmlformats.org/presentationml/2006/main">
   <p:cSld>
     <p:bg>
@@ -8786,7 +7798,7 @@
 </p:sld>
 </file>
 
-<file path=ppt/slides/slide26.xml><?xml version="1.0" encoding="utf-8"?>
+<file path=ppt/slides/slide25.xml><?xml version="1.0" encoding="utf-8"?>
 <p:sld xmlns:a="http://schemas.openxmlformats.org/drawingml/2006/main" xmlns:r="http://schemas.openxmlformats.org/officeDocument/2006/relationships" xmlns:p="http://schemas.openxmlformats.org/presentationml/2006/main">
   <p:cSld>
     <p:spTree>
@@ -9318,7 +8330,7 @@
               <a:pPr algn="r">
                 <a:defRPr/>
               </a:pPr>
-              <a:t>26</a:t>
+              <a:t>25</a:t>
             </a:fld>
             <a:endParaRPr lang="en-US" sz="900">
               <a:latin typeface="Arial Narrow" pitchFamily="34" charset="0"/>
@@ -9424,7 +8436,7 @@
 </p:sld>
 </file>
 
-<file path=ppt/slides/slide27.xml><?xml version="1.0" encoding="utf-8"?>
+<file path=ppt/slides/slide26.xml><?xml version="1.0" encoding="utf-8"?>
 <p:sld xmlns:a="http://schemas.openxmlformats.org/drawingml/2006/main" xmlns:r="http://schemas.openxmlformats.org/officeDocument/2006/relationships" xmlns:p="http://schemas.openxmlformats.org/presentationml/2006/main">
   <p:cSld>
     <p:spTree>
@@ -9948,7 +8960,7 @@
               <a:pPr algn="r">
                 <a:defRPr/>
               </a:pPr>
-              <a:t>27</a:t>
+              <a:t>26</a:t>
             </a:fld>
             <a:endParaRPr lang="en-US" sz="900">
               <a:latin typeface="Arial Narrow" pitchFamily="34" charset="0"/>
@@ -10021,7 +9033,7 @@
 </p:sld>
 </file>
 
-<file path=ppt/slides/slide28.xml><?xml version="1.0" encoding="utf-8"?>
+<file path=ppt/slides/slide27.xml><?xml version="1.0" encoding="utf-8"?>
 <p:sld xmlns:a="http://schemas.openxmlformats.org/drawingml/2006/main" xmlns:r="http://schemas.openxmlformats.org/officeDocument/2006/relationships" xmlns:p="http://schemas.openxmlformats.org/presentationml/2006/main">
   <p:cSld>
     <p:spTree>
@@ -10140,7 +9152,7 @@
               <a:pPr algn="r">
                 <a:defRPr/>
               </a:pPr>
-              <a:t>28</a:t>
+              <a:t>27</a:t>
             </a:fld>
             <a:endParaRPr lang="en-US" sz="900">
               <a:latin typeface="Arial Narrow" pitchFamily="34" charset="0"/>
@@ -10170,7 +9182,7 @@
           <a:graphicData uri="http://schemas.openxmlformats.org/presentationml/2006/ole">
             <mc:AlternateContent xmlns:mc="http://schemas.openxmlformats.org/markup-compatibility/2006">
               <mc:Choice xmlns:v="urn:schemas-microsoft-com:vml" Requires="v">
-                <p:oleObj spid="_x0000_s11305" name="Document" r:id="rId4" imgW="6864202" imgH="5210639" progId="Word.Document.12">
+                <p:oleObj spid="_x0000_s11306" name="Document" r:id="rId4" imgW="6864202" imgH="5210639" progId="Word.Document.12">
                   <p:embed/>
                 </p:oleObj>
               </mc:Choice>
@@ -10218,7 +9230,7 @@
 </p:sld>
 </file>
 
-<file path=ppt/slides/slide29.xml><?xml version="1.0" encoding="utf-8"?>
+<file path=ppt/slides/slide28.xml><?xml version="1.0" encoding="utf-8"?>
 <p:sld xmlns:a="http://schemas.openxmlformats.org/drawingml/2006/main" xmlns:r="http://schemas.openxmlformats.org/officeDocument/2006/relationships" xmlns:p="http://schemas.openxmlformats.org/presentationml/2006/main">
   <p:cSld>
     <p:spTree>
@@ -10742,7 +9754,7 @@
               <a:pPr algn="r">
                 <a:defRPr/>
               </a:pPr>
-              <a:t>29</a:t>
+              <a:t>28</a:t>
             </a:fld>
             <a:endParaRPr lang="en-US" sz="900">
               <a:latin typeface="Arial Narrow" pitchFamily="34" charset="0"/>
@@ -10785,7 +9797,287 @@
 </p:sld>
 </file>
 
+<file path=ppt/slides/slide29.xml><?xml version="1.0" encoding="utf-8"?>
+<p:sld xmlns:a="http://schemas.openxmlformats.org/drawingml/2006/main" xmlns:r="http://schemas.openxmlformats.org/officeDocument/2006/relationships" xmlns:p="http://schemas.openxmlformats.org/presentationml/2006/main">
+  <p:cSld>
+    <p:bg>
+      <p:bgPr>
+        <a:gradFill flip="none" rotWithShape="1">
+          <a:gsLst>
+            <a:gs pos="100000">
+              <a:schemeClr val="bg2">
+                <a:lumMod val="50000"/>
+              </a:schemeClr>
+            </a:gs>
+            <a:gs pos="73000">
+              <a:schemeClr val="bg2">
+                <a:lumMod val="50000"/>
+                <a:alpha val="22000"/>
+              </a:schemeClr>
+            </a:gs>
+          </a:gsLst>
+          <a:lin ang="5400000" scaled="0"/>
+          <a:tileRect/>
+        </a:gradFill>
+        <a:effectLst/>
+      </p:bgPr>
+    </p:bg>
+    <p:spTree>
+      <p:nvGrpSpPr>
+        <p:cNvPr id="1" name=""/>
+        <p:cNvGrpSpPr/>
+        <p:nvPr/>
+      </p:nvGrpSpPr>
+      <p:grpSpPr>
+        <a:xfrm>
+          <a:off x="0" y="0"/>
+          <a:ext cx="0" cy="0"/>
+          <a:chOff x="0" y="0"/>
+          <a:chExt cx="0" cy="0"/>
+        </a:xfrm>
+      </p:grpSpPr>
+      <p:sp>
+        <p:nvSpPr>
+          <p:cNvPr id="2" name="Title 1"/>
+          <p:cNvSpPr>
+            <a:spLocks noGrp="1"/>
+          </p:cNvSpPr>
+          <p:nvPr>
+            <p:ph type="title"/>
+          </p:nvPr>
+        </p:nvSpPr>
+        <p:spPr/>
+        <p:txBody>
+          <a:bodyPr/>
+          <a:lstStyle/>
+          <a:p>
+            <a:r>
+              <a:rPr lang="en-US" b="1" dirty="0">
+                <a:solidFill>
+                  <a:srgbClr val="2D2DB9"/>
+                </a:solidFill>
+              </a:rPr>
+              <a:t>Exercise</a:t>
+            </a:r>
+          </a:p>
+        </p:txBody>
+      </p:sp>
+      <p:sp>
+        <p:nvSpPr>
+          <p:cNvPr id="3" name="Content Placeholder 2"/>
+          <p:cNvSpPr>
+            <a:spLocks noGrp="1"/>
+          </p:cNvSpPr>
+          <p:nvPr>
+            <p:ph idx="1"/>
+          </p:nvPr>
+        </p:nvSpPr>
+        <p:spPr/>
+        <p:txBody>
+          <a:bodyPr>
+            <a:normAutofit/>
+          </a:bodyPr>
+          <a:lstStyle/>
+          <a:p>
+            <a:r>
+              <a:rPr lang="en-US" dirty="0"/>
+              <a:t>Open ch08_ex1_TipCalcualtor</a:t>
+            </a:r>
+          </a:p>
+          <a:p>
+            <a:r>
+              <a:rPr lang="en-US" dirty="0"/>
+              <a:t>Alter the values in the Preference elements’ attributes to see their effect. Try changing things like:</a:t>
+            </a:r>
+          </a:p>
+          <a:p>
+            <a:pPr lvl="1"/>
+            <a:r>
+              <a:rPr lang="en-US" dirty="0"/>
+              <a:t>Title</a:t>
+            </a:r>
+          </a:p>
+          <a:p>
+            <a:pPr lvl="1"/>
+            <a:r>
+              <a:rPr lang="en-US" dirty="0"/>
+              <a:t>Default value</a:t>
+            </a:r>
+          </a:p>
+          <a:p>
+            <a:pPr lvl="1"/>
+            <a:r>
+              <a:rPr lang="en-US" dirty="0"/>
+              <a:t>Entries (in the </a:t>
+            </a:r>
+            <a:r>
+              <a:rPr lang="en-US" dirty="0" err="1"/>
+              <a:t>ListPreference</a:t>
+            </a:r>
+            <a:r>
+              <a:rPr lang="en-US" dirty="0"/>
+              <a:t>)</a:t>
+            </a:r>
+          </a:p>
+          <a:p>
+            <a:pPr lvl="1"/>
+            <a:r>
+              <a:rPr lang="en-US" dirty="0"/>
+              <a:t>Your choice. Experiment!</a:t>
+            </a:r>
+          </a:p>
+          <a:p>
+            <a:pPr marL="0" indent="0">
+              <a:buNone/>
+            </a:pPr>
+            <a:endParaRPr lang="en-US" dirty="0"/>
+          </a:p>
+          <a:p>
+            <a:pPr lvl="1"/>
+            <a:endParaRPr lang="en-US" dirty="0"/>
+          </a:p>
+          <a:p>
+            <a:endParaRPr lang="en-US" dirty="0"/>
+          </a:p>
+          <a:p>
+            <a:endParaRPr lang="en-US" dirty="0"/>
+          </a:p>
+        </p:txBody>
+      </p:sp>
+    </p:spTree>
+    <p:extLst>
+      <p:ext uri="{BB962C8B-B14F-4D97-AF65-F5344CB8AC3E}">
+        <p14:creationId xmlns:p14="http://schemas.microsoft.com/office/powerpoint/2010/main" val="3937439757"/>
+      </p:ext>
+    </p:extLst>
+  </p:cSld>
+  <p:clrMapOvr>
+    <a:masterClrMapping/>
+  </p:clrMapOvr>
+</p:sld>
+</file>
+
 <file path=ppt/slides/slide3.xml><?xml version="1.0" encoding="utf-8"?>
+<p:sld xmlns:a="http://schemas.openxmlformats.org/drawingml/2006/main" xmlns:r="http://schemas.openxmlformats.org/officeDocument/2006/relationships" xmlns:p="http://schemas.openxmlformats.org/presentationml/2006/main">
+  <p:cSld>
+    <p:spTree>
+      <p:nvGrpSpPr>
+        <p:cNvPr id="1" name=""/>
+        <p:cNvGrpSpPr/>
+        <p:nvPr/>
+      </p:nvGrpSpPr>
+      <p:grpSpPr>
+        <a:xfrm>
+          <a:off x="0" y="0"/>
+          <a:ext cx="0" cy="0"/>
+          <a:chOff x="0" y="0"/>
+          <a:chExt cx="0" cy="0"/>
+        </a:xfrm>
+      </p:grpSpPr>
+      <p:sp>
+        <p:nvSpPr>
+          <p:cNvPr id="2" name="Title 1"/>
+          <p:cNvSpPr>
+            <a:spLocks noGrp="1"/>
+          </p:cNvSpPr>
+          <p:nvPr>
+            <p:ph type="title"/>
+          </p:nvPr>
+        </p:nvSpPr>
+        <p:spPr/>
+        <p:txBody>
+          <a:bodyPr/>
+          <a:lstStyle/>
+          <a:p>
+            <a:r>
+              <a:rPr lang="en-US" dirty="0">
+                <a:solidFill>
+                  <a:srgbClr val="2D2DB9"/>
+                </a:solidFill>
+              </a:rPr>
+              <a:t>Types of Menus</a:t>
+            </a:r>
+          </a:p>
+        </p:txBody>
+      </p:sp>
+      <p:sp>
+        <p:nvSpPr>
+          <p:cNvPr id="5" name="Content Placeholder 4"/>
+          <p:cNvSpPr>
+            <a:spLocks noGrp="1"/>
+          </p:cNvSpPr>
+          <p:nvPr>
+            <p:ph idx="1"/>
+          </p:nvPr>
+        </p:nvSpPr>
+        <p:spPr/>
+        <p:txBody>
+          <a:bodyPr>
+            <a:normAutofit fontScale="85000" lnSpcReduction="10000"/>
+          </a:bodyPr>
+          <a:lstStyle/>
+          <a:p>
+            <a:r>
+              <a:rPr lang="en-US" dirty="0"/>
+              <a:t>Options menu on the app bar</a:t>
+            </a:r>
+          </a:p>
+          <a:p>
+            <a:pPr lvl="1"/>
+            <a:r>
+              <a:rPr lang="en-US" dirty="0"/>
+              <a:t>The primary collection of menu items for an app. It's the place for actions that affect the entire app.</a:t>
+            </a:r>
+          </a:p>
+          <a:p>
+            <a:r>
+              <a:rPr lang="en-US" dirty="0"/>
+              <a:t>Context menu and contextual action mode</a:t>
+            </a:r>
+          </a:p>
+          <a:p>
+            <a:pPr lvl="1"/>
+            <a:r>
+              <a:rPr lang="en-US" dirty="0"/>
+              <a:t>A context menu is a floating menu that appears when the user performs a long-click (long press) on an element.</a:t>
+            </a:r>
+          </a:p>
+          <a:p>
+            <a:pPr lvl="1"/>
+            <a:r>
+              <a:rPr lang="en-US" dirty="0"/>
+              <a:t>Contextual action mode displays action items that affect the selected content in a bar at the top of the screen.</a:t>
+            </a:r>
+          </a:p>
+          <a:p>
+            <a:r>
+              <a:rPr lang="en-US" dirty="0"/>
+              <a:t>Popup menu</a:t>
+            </a:r>
+          </a:p>
+          <a:p>
+            <a:pPr lvl="1"/>
+            <a:r>
+              <a:rPr lang="en-US" dirty="0"/>
+              <a:t>Displays a list of items in a vertical list that's anchored to the view that invoked the menu.</a:t>
+            </a:r>
+          </a:p>
+        </p:txBody>
+      </p:sp>
+    </p:spTree>
+    <p:extLst>
+      <p:ext uri="{BB962C8B-B14F-4D97-AF65-F5344CB8AC3E}">
+        <p14:creationId xmlns:p14="http://schemas.microsoft.com/office/powerpoint/2010/main" val="3030432587"/>
+      </p:ext>
+    </p:extLst>
+  </p:cSld>
+  <p:clrMapOvr>
+    <a:masterClrMapping/>
+  </p:clrMapOvr>
+</p:sld>
+</file>
+
+<file path=ppt/slides/slide30.xml><?xml version="1.0" encoding="utf-8"?>
 <p:sld xmlns:a="http://schemas.openxmlformats.org/drawingml/2006/main" xmlns:r="http://schemas.openxmlformats.org/officeDocument/2006/relationships" xmlns:p="http://schemas.openxmlformats.org/presentationml/2006/main">
   <p:cSld>
     <p:bg>
@@ -10824,12 +10116,687 @@
           <a:chExt cx="0" cy="0"/>
         </a:xfrm>
       </p:grpSpPr>
+      <p:sp>
+        <p:nvSpPr>
+          <p:cNvPr id="7" name="TextBox 6"/>
+          <p:cNvSpPr txBox="1"/>
+          <p:nvPr/>
+        </p:nvSpPr>
+        <p:spPr>
+          <a:xfrm>
+            <a:off x="0" y="643034"/>
+            <a:ext cx="9144000" cy="1107996"/>
+          </a:xfrm>
+          <a:prstGeom prst="rect">
+            <a:avLst/>
+          </a:prstGeom>
+          <a:noFill/>
+        </p:spPr>
+        <p:txBody>
+          <a:bodyPr wrap="square" rtlCol="0">
+            <a:spAutoFit/>
+          </a:bodyPr>
+          <a:lstStyle/>
+          <a:p>
+            <a:pPr algn="ctr"/>
+            <a:r>
+              <a:rPr lang="en-US" sz="6600" b="1" dirty="0">
+                <a:solidFill>
+                  <a:srgbClr val="2D2DB9"/>
+                </a:solidFill>
+              </a:rPr>
+              <a:t>Settings Fragments</a:t>
+            </a:r>
+          </a:p>
+        </p:txBody>
+      </p:sp>
+    </p:spTree>
+    <p:extLst>
+      <p:ext uri="{BB962C8B-B14F-4D97-AF65-F5344CB8AC3E}">
+        <p14:creationId xmlns:p14="http://schemas.microsoft.com/office/powerpoint/2010/main" val="2587539877"/>
+      </p:ext>
+    </p:extLst>
+  </p:cSld>
+  <p:clrMapOvr>
+    <a:masterClrMapping/>
+  </p:clrMapOvr>
+</p:sld>
+</file>
+
+<file path=ppt/slides/slide31.xml><?xml version="1.0" encoding="utf-8"?>
+<p:sld xmlns:a="http://schemas.openxmlformats.org/drawingml/2006/main" xmlns:r="http://schemas.openxmlformats.org/officeDocument/2006/relationships" xmlns:p="http://schemas.openxmlformats.org/presentationml/2006/main">
+  <p:cSld>
+    <p:spTree>
+      <p:nvGrpSpPr>
+        <p:cNvPr id="1" name=""/>
+        <p:cNvGrpSpPr/>
+        <p:nvPr/>
+      </p:nvGrpSpPr>
+      <p:grpSpPr>
+        <a:xfrm>
+          <a:off x="0" y="0"/>
+          <a:ext cx="0" cy="0"/>
+          <a:chOff x="0" y="0"/>
+          <a:chExt cx="0" cy="0"/>
+        </a:xfrm>
+      </p:grpSpPr>
+      <p:sp>
+        <p:nvSpPr>
+          <p:cNvPr id="6" name="Title 5">
+            <a:extLst>
+              <a:ext uri="{FF2B5EF4-FFF2-40B4-BE49-F238E27FC236}">
+                <a16:creationId xmlns:a16="http://schemas.microsoft.com/office/drawing/2014/main" id="{E9F88440-6E52-BE4F-A227-B8CC3BDD7BAC}"/>
+              </a:ext>
+            </a:extLst>
+          </p:cNvPr>
+          <p:cNvSpPr>
+            <a:spLocks noGrp="1"/>
+          </p:cNvSpPr>
+          <p:nvPr>
+            <p:ph type="title"/>
+          </p:nvPr>
+        </p:nvSpPr>
+        <p:spPr/>
+        <p:txBody>
+          <a:bodyPr/>
+          <a:lstStyle/>
+          <a:p>
+            <a:r>
+              <a:rPr lang="en-US" dirty="0"/>
+              <a:t>Fragments</a:t>
+            </a:r>
+          </a:p>
+        </p:txBody>
+      </p:sp>
+      <p:sp>
+        <p:nvSpPr>
+          <p:cNvPr id="7" name="Content Placeholder 6">
+            <a:extLst>
+              <a:ext uri="{FF2B5EF4-FFF2-40B4-BE49-F238E27FC236}">
+                <a16:creationId xmlns:a16="http://schemas.microsoft.com/office/drawing/2014/main" id="{B954F828-0D7D-4544-BA6E-A3910692C6BC}"/>
+              </a:ext>
+            </a:extLst>
+          </p:cNvPr>
+          <p:cNvSpPr>
+            <a:spLocks noGrp="1"/>
+          </p:cNvSpPr>
+          <p:nvPr>
+            <p:ph idx="1"/>
+          </p:nvPr>
+        </p:nvSpPr>
+        <p:spPr/>
+        <p:txBody>
+          <a:bodyPr/>
+          <a:lstStyle/>
+          <a:p>
+            <a:r>
+              <a:rPr lang="en-US" dirty="0"/>
+              <a:t>Define a UI or part of a UI</a:t>
+            </a:r>
+          </a:p>
+          <a:p>
+            <a:r>
+              <a:rPr lang="en-US" dirty="0"/>
+              <a:t>Can be defined in XML</a:t>
+            </a:r>
+          </a:p>
+          <a:p>
+            <a:r>
+              <a:rPr lang="en-US" dirty="0"/>
+              <a:t>Can be loaded into an activity by Java code in the activity</a:t>
+            </a:r>
+          </a:p>
+        </p:txBody>
+      </p:sp>
+    </p:spTree>
+    <p:extLst>
+      <p:ext uri="{BB962C8B-B14F-4D97-AF65-F5344CB8AC3E}">
+        <p14:creationId xmlns:p14="http://schemas.microsoft.com/office/powerpoint/2010/main" val="896392328"/>
+      </p:ext>
+    </p:extLst>
+  </p:cSld>
+  <p:clrMapOvr>
+    <a:masterClrMapping/>
+  </p:clrMapOvr>
+</p:sld>
+</file>
+
+<file path=ppt/slides/slide32.xml><?xml version="1.0" encoding="utf-8"?>
+<p:sld xmlns:a="http://schemas.openxmlformats.org/drawingml/2006/main" xmlns:r="http://schemas.openxmlformats.org/officeDocument/2006/relationships" xmlns:p="http://schemas.openxmlformats.org/presentationml/2006/main">
+  <p:cSld>
+    <p:spTree>
+      <p:nvGrpSpPr>
+        <p:cNvPr id="1" name=""/>
+        <p:cNvGrpSpPr/>
+        <p:nvPr/>
+      </p:nvGrpSpPr>
+      <p:grpSpPr>
+        <a:xfrm>
+          <a:off x="0" y="0"/>
+          <a:ext cx="0" cy="0"/>
+          <a:chOff x="0" y="0"/>
+          <a:chExt cx="0" cy="0"/>
+        </a:xfrm>
+      </p:grpSpPr>
+      <p:sp>
+        <p:nvSpPr>
+          <p:cNvPr id="2" name="Date Placeholder 1"/>
+          <p:cNvSpPr>
+            <a:spLocks noGrp="1"/>
+          </p:cNvSpPr>
+          <p:nvPr/>
+        </p:nvSpPr>
+        <p:spPr bwMode="auto">
+          <a:xfrm>
+            <a:off x="723900" y="5980113"/>
+            <a:ext cx="1981200" cy="457200"/>
+          </a:xfrm>
+          <a:prstGeom prst="rect">
+            <a:avLst/>
+          </a:prstGeom>
+          <a:noFill/>
+          <a:ln>
+            <a:miter lim="800000"/>
+            <a:headEnd/>
+            <a:tailEnd/>
+          </a:ln>
+        </p:spPr>
+        <p:txBody>
+          <a:bodyPr vert="horz" wrap="square" lIns="91440" tIns="45720" rIns="91440" bIns="45720" numCol="1" anchor="b" anchorCtr="0" compatLnSpc="1">
+            <a:prstTxWarp prst="textNoShape">
+              <a:avLst/>
+            </a:prstTxWarp>
+          </a:bodyPr>
+          <a:lstStyle>
+            <a:defPPr>
+              <a:defRPr lang="en-US"/>
+            </a:defPPr>
+            <a:lvl1pPr algn="l" rtl="0" eaLnBrk="0" fontAlgn="base" hangingPunct="0">
+              <a:spcBef>
+                <a:spcPct val="0"/>
+              </a:spcBef>
+              <a:spcAft>
+                <a:spcPct val="0"/>
+              </a:spcAft>
+              <a:defRPr sz="900" kern="1200">
+                <a:solidFill>
+                  <a:schemeClr val="tx1"/>
+                </a:solidFill>
+                <a:latin typeface="Arial Narrow" pitchFamily="34" charset="0"/>
+                <a:ea typeface="+mn-ea"/>
+                <a:cs typeface="+mn-cs"/>
+              </a:defRPr>
+            </a:lvl1pPr>
+            <a:lvl2pPr marL="457200" algn="l" rtl="0" eaLnBrk="0" fontAlgn="base" hangingPunct="0">
+              <a:spcBef>
+                <a:spcPct val="0"/>
+              </a:spcBef>
+              <a:spcAft>
+                <a:spcPct val="0"/>
+              </a:spcAft>
+              <a:defRPr sz="2400" kern="1200">
+                <a:solidFill>
+                  <a:schemeClr val="tx1"/>
+                </a:solidFill>
+                <a:latin typeface="Times New Roman"/>
+                <a:ea typeface="+mn-ea"/>
+                <a:cs typeface="+mn-cs"/>
+              </a:defRPr>
+            </a:lvl2pPr>
+            <a:lvl3pPr marL="914400" algn="l" rtl="0" eaLnBrk="0" fontAlgn="base" hangingPunct="0">
+              <a:spcBef>
+                <a:spcPct val="0"/>
+              </a:spcBef>
+              <a:spcAft>
+                <a:spcPct val="0"/>
+              </a:spcAft>
+              <a:defRPr sz="2400" kern="1200">
+                <a:solidFill>
+                  <a:schemeClr val="tx1"/>
+                </a:solidFill>
+                <a:latin typeface="Times New Roman"/>
+                <a:ea typeface="+mn-ea"/>
+                <a:cs typeface="+mn-cs"/>
+              </a:defRPr>
+            </a:lvl3pPr>
+            <a:lvl4pPr marL="1371600" algn="l" rtl="0" eaLnBrk="0" fontAlgn="base" hangingPunct="0">
+              <a:spcBef>
+                <a:spcPct val="0"/>
+              </a:spcBef>
+              <a:spcAft>
+                <a:spcPct val="0"/>
+              </a:spcAft>
+              <a:defRPr sz="2400" kern="1200">
+                <a:solidFill>
+                  <a:schemeClr val="tx1"/>
+                </a:solidFill>
+                <a:latin typeface="Times New Roman"/>
+                <a:ea typeface="+mn-ea"/>
+                <a:cs typeface="+mn-cs"/>
+              </a:defRPr>
+            </a:lvl4pPr>
+            <a:lvl5pPr marL="1828800" algn="l" rtl="0" eaLnBrk="0" fontAlgn="base" hangingPunct="0">
+              <a:spcBef>
+                <a:spcPct val="0"/>
+              </a:spcBef>
+              <a:spcAft>
+                <a:spcPct val="0"/>
+              </a:spcAft>
+              <a:defRPr sz="2400" kern="1200">
+                <a:solidFill>
+                  <a:schemeClr val="tx1"/>
+                </a:solidFill>
+                <a:latin typeface="Times New Roman"/>
+                <a:ea typeface="+mn-ea"/>
+                <a:cs typeface="+mn-cs"/>
+              </a:defRPr>
+            </a:lvl5pPr>
+            <a:lvl6pPr marL="2286000" algn="l" defTabSz="914400" rtl="0" eaLnBrk="1" latinLnBrk="0" hangingPunct="1">
+              <a:defRPr sz="2400" kern="1200">
+                <a:solidFill>
+                  <a:schemeClr val="tx1"/>
+                </a:solidFill>
+                <a:latin typeface="Times New Roman"/>
+                <a:ea typeface="+mn-ea"/>
+                <a:cs typeface="+mn-cs"/>
+              </a:defRPr>
+            </a:lvl6pPr>
+            <a:lvl7pPr marL="2743200" algn="l" defTabSz="914400" rtl="0" eaLnBrk="1" latinLnBrk="0" hangingPunct="1">
+              <a:defRPr sz="2400" kern="1200">
+                <a:solidFill>
+                  <a:schemeClr val="tx1"/>
+                </a:solidFill>
+                <a:latin typeface="Times New Roman"/>
+                <a:ea typeface="+mn-ea"/>
+                <a:cs typeface="+mn-cs"/>
+              </a:defRPr>
+            </a:lvl7pPr>
+            <a:lvl8pPr marL="3200400" algn="l" defTabSz="914400" rtl="0" eaLnBrk="1" latinLnBrk="0" hangingPunct="1">
+              <a:defRPr sz="2400" kern="1200">
+                <a:solidFill>
+                  <a:schemeClr val="tx1"/>
+                </a:solidFill>
+                <a:latin typeface="Times New Roman"/>
+                <a:ea typeface="+mn-ea"/>
+                <a:cs typeface="+mn-cs"/>
+              </a:defRPr>
+            </a:lvl8pPr>
+            <a:lvl9pPr marL="3657600" algn="l" defTabSz="914400" rtl="0" eaLnBrk="1" latinLnBrk="0" hangingPunct="1">
+              <a:defRPr sz="2400" kern="1200">
+                <a:solidFill>
+                  <a:schemeClr val="tx1"/>
+                </a:solidFill>
+                <a:latin typeface="Times New Roman"/>
+                <a:ea typeface="+mn-ea"/>
+                <a:cs typeface="+mn-cs"/>
+              </a:defRPr>
+            </a:lvl9pPr>
+          </a:lstStyle>
+          <a:p>
+            <a:pPr>
+              <a:defRPr/>
+            </a:pPr>
+            <a:r>
+              <a:rPr lang="en-US"/>
+              <a:t>Murach's Android Programming, C8</a:t>
+            </a:r>
+          </a:p>
+        </p:txBody>
+      </p:sp>
+      <p:sp>
+        <p:nvSpPr>
+          <p:cNvPr id="3" name="Footer Placeholder 2"/>
+          <p:cNvSpPr>
+            <a:spLocks noGrp="1"/>
+          </p:cNvSpPr>
+          <p:nvPr/>
+        </p:nvSpPr>
+        <p:spPr bwMode="auto">
+          <a:xfrm>
+            <a:off x="2857500" y="5980113"/>
+            <a:ext cx="3352800" cy="457200"/>
+          </a:xfrm>
+          <a:prstGeom prst="rect">
+            <a:avLst/>
+          </a:prstGeom>
+          <a:noFill/>
+          <a:ln>
+            <a:miter lim="800000"/>
+            <a:headEnd/>
+            <a:tailEnd/>
+          </a:ln>
+        </p:spPr>
+        <p:txBody>
+          <a:bodyPr vert="horz" wrap="square" lIns="91440" tIns="45720" rIns="91440" bIns="45720" numCol="1" anchor="b" anchorCtr="0" compatLnSpc="1">
+            <a:prstTxWarp prst="textNoShape">
+              <a:avLst/>
+            </a:prstTxWarp>
+          </a:bodyPr>
+          <a:lstStyle>
+            <a:defPPr>
+              <a:defRPr lang="en-US"/>
+            </a:defPPr>
+            <a:lvl1pPr algn="ctr" rtl="0" eaLnBrk="0" fontAlgn="base" hangingPunct="0">
+              <a:spcBef>
+                <a:spcPct val="0"/>
+              </a:spcBef>
+              <a:spcAft>
+                <a:spcPct val="0"/>
+              </a:spcAft>
+              <a:defRPr sz="900" kern="1200">
+                <a:solidFill>
+                  <a:schemeClr val="tx1"/>
+                </a:solidFill>
+                <a:latin typeface="Arial Narrow" pitchFamily="34" charset="0"/>
+                <a:ea typeface="+mn-ea"/>
+                <a:cs typeface="+mn-cs"/>
+              </a:defRPr>
+            </a:lvl1pPr>
+            <a:lvl2pPr marL="457200" algn="l" rtl="0" eaLnBrk="0" fontAlgn="base" hangingPunct="0">
+              <a:spcBef>
+                <a:spcPct val="0"/>
+              </a:spcBef>
+              <a:spcAft>
+                <a:spcPct val="0"/>
+              </a:spcAft>
+              <a:defRPr sz="2400" kern="1200">
+                <a:solidFill>
+                  <a:schemeClr val="tx1"/>
+                </a:solidFill>
+                <a:latin typeface="Times New Roman"/>
+                <a:ea typeface="+mn-ea"/>
+                <a:cs typeface="+mn-cs"/>
+              </a:defRPr>
+            </a:lvl2pPr>
+            <a:lvl3pPr marL="914400" algn="l" rtl="0" eaLnBrk="0" fontAlgn="base" hangingPunct="0">
+              <a:spcBef>
+                <a:spcPct val="0"/>
+              </a:spcBef>
+              <a:spcAft>
+                <a:spcPct val="0"/>
+              </a:spcAft>
+              <a:defRPr sz="2400" kern="1200">
+                <a:solidFill>
+                  <a:schemeClr val="tx1"/>
+                </a:solidFill>
+                <a:latin typeface="Times New Roman"/>
+                <a:ea typeface="+mn-ea"/>
+                <a:cs typeface="+mn-cs"/>
+              </a:defRPr>
+            </a:lvl3pPr>
+            <a:lvl4pPr marL="1371600" algn="l" rtl="0" eaLnBrk="0" fontAlgn="base" hangingPunct="0">
+              <a:spcBef>
+                <a:spcPct val="0"/>
+              </a:spcBef>
+              <a:spcAft>
+                <a:spcPct val="0"/>
+              </a:spcAft>
+              <a:defRPr sz="2400" kern="1200">
+                <a:solidFill>
+                  <a:schemeClr val="tx1"/>
+                </a:solidFill>
+                <a:latin typeface="Times New Roman"/>
+                <a:ea typeface="+mn-ea"/>
+                <a:cs typeface="+mn-cs"/>
+              </a:defRPr>
+            </a:lvl4pPr>
+            <a:lvl5pPr marL="1828800" algn="l" rtl="0" eaLnBrk="0" fontAlgn="base" hangingPunct="0">
+              <a:spcBef>
+                <a:spcPct val="0"/>
+              </a:spcBef>
+              <a:spcAft>
+                <a:spcPct val="0"/>
+              </a:spcAft>
+              <a:defRPr sz="2400" kern="1200">
+                <a:solidFill>
+                  <a:schemeClr val="tx1"/>
+                </a:solidFill>
+                <a:latin typeface="Times New Roman"/>
+                <a:ea typeface="+mn-ea"/>
+                <a:cs typeface="+mn-cs"/>
+              </a:defRPr>
+            </a:lvl5pPr>
+            <a:lvl6pPr marL="2286000" algn="l" defTabSz="914400" rtl="0" eaLnBrk="1" latinLnBrk="0" hangingPunct="1">
+              <a:defRPr sz="2400" kern="1200">
+                <a:solidFill>
+                  <a:schemeClr val="tx1"/>
+                </a:solidFill>
+                <a:latin typeface="Times New Roman"/>
+                <a:ea typeface="+mn-ea"/>
+                <a:cs typeface="+mn-cs"/>
+              </a:defRPr>
+            </a:lvl6pPr>
+            <a:lvl7pPr marL="2743200" algn="l" defTabSz="914400" rtl="0" eaLnBrk="1" latinLnBrk="0" hangingPunct="1">
+              <a:defRPr sz="2400" kern="1200">
+                <a:solidFill>
+                  <a:schemeClr val="tx1"/>
+                </a:solidFill>
+                <a:latin typeface="Times New Roman"/>
+                <a:ea typeface="+mn-ea"/>
+                <a:cs typeface="+mn-cs"/>
+              </a:defRPr>
+            </a:lvl7pPr>
+            <a:lvl8pPr marL="3200400" algn="l" defTabSz="914400" rtl="0" eaLnBrk="1" latinLnBrk="0" hangingPunct="1">
+              <a:defRPr sz="2400" kern="1200">
+                <a:solidFill>
+                  <a:schemeClr val="tx1"/>
+                </a:solidFill>
+                <a:latin typeface="Times New Roman"/>
+                <a:ea typeface="+mn-ea"/>
+                <a:cs typeface="+mn-cs"/>
+              </a:defRPr>
+            </a:lvl8pPr>
+            <a:lvl9pPr marL="3657600" algn="l" defTabSz="914400" rtl="0" eaLnBrk="1" latinLnBrk="0" hangingPunct="1">
+              <a:defRPr sz="2400" kern="1200">
+                <a:solidFill>
+                  <a:schemeClr val="tx1"/>
+                </a:solidFill>
+                <a:latin typeface="Times New Roman"/>
+                <a:ea typeface="+mn-ea"/>
+                <a:cs typeface="+mn-cs"/>
+              </a:defRPr>
+            </a:lvl9pPr>
+          </a:lstStyle>
+          <a:p>
+            <a:pPr>
+              <a:defRPr/>
+            </a:pPr>
+            <a:r>
+              <a:rPr lang="en-US" dirty="0"/>
+              <a:t>© 2015, Mike Murach &amp; Associates, Inc.</a:t>
+            </a:r>
+          </a:p>
+        </p:txBody>
+      </p:sp>
+      <p:sp>
+        <p:nvSpPr>
+          <p:cNvPr id="4" name="Slide Number Placeholder 3"/>
+          <p:cNvSpPr>
+            <a:spLocks noGrp="1"/>
+          </p:cNvSpPr>
+          <p:nvPr/>
+        </p:nvSpPr>
+        <p:spPr bwMode="auto">
+          <a:xfrm>
+            <a:off x="6515100" y="5980113"/>
+            <a:ext cx="1905000" cy="457200"/>
+          </a:xfrm>
+          <a:prstGeom prst="rect">
+            <a:avLst/>
+          </a:prstGeom>
+          <a:noFill/>
+          <a:ln>
+            <a:miter lim="800000"/>
+            <a:headEnd/>
+            <a:tailEnd/>
+          </a:ln>
+        </p:spPr>
+        <p:txBody>
+          <a:bodyPr vert="horz" wrap="square" lIns="91440" tIns="45720" rIns="91440" bIns="45720" numCol="1" anchor="b" anchorCtr="0" compatLnSpc="1">
+            <a:prstTxWarp prst="textNoShape">
+              <a:avLst/>
+            </a:prstTxWarp>
+          </a:bodyPr>
+          <a:lstStyle>
+            <a:defPPr>
+              <a:defRPr lang="en-US"/>
+            </a:defPPr>
+            <a:lvl1pPr algn="l" rtl="0" eaLnBrk="0" fontAlgn="base" hangingPunct="0">
+              <a:spcBef>
+                <a:spcPct val="0"/>
+              </a:spcBef>
+              <a:spcAft>
+                <a:spcPct val="0"/>
+              </a:spcAft>
+              <a:defRPr sz="1400" kern="1200">
+                <a:solidFill>
+                  <a:schemeClr val="tx1"/>
+                </a:solidFill>
+                <a:latin typeface="Times New Roman"/>
+                <a:ea typeface="+mn-ea"/>
+                <a:cs typeface="+mn-cs"/>
+              </a:defRPr>
+            </a:lvl1pPr>
+            <a:lvl2pPr marL="457200" algn="l" rtl="0" eaLnBrk="0" fontAlgn="base" hangingPunct="0">
+              <a:spcBef>
+                <a:spcPct val="0"/>
+              </a:spcBef>
+              <a:spcAft>
+                <a:spcPct val="0"/>
+              </a:spcAft>
+              <a:defRPr sz="2400" kern="1200">
+                <a:solidFill>
+                  <a:schemeClr val="tx1"/>
+                </a:solidFill>
+                <a:latin typeface="Times New Roman"/>
+                <a:ea typeface="+mn-ea"/>
+                <a:cs typeface="+mn-cs"/>
+              </a:defRPr>
+            </a:lvl2pPr>
+            <a:lvl3pPr marL="914400" algn="l" rtl="0" eaLnBrk="0" fontAlgn="base" hangingPunct="0">
+              <a:spcBef>
+                <a:spcPct val="0"/>
+              </a:spcBef>
+              <a:spcAft>
+                <a:spcPct val="0"/>
+              </a:spcAft>
+              <a:defRPr sz="2400" kern="1200">
+                <a:solidFill>
+                  <a:schemeClr val="tx1"/>
+                </a:solidFill>
+                <a:latin typeface="Times New Roman"/>
+                <a:ea typeface="+mn-ea"/>
+                <a:cs typeface="+mn-cs"/>
+              </a:defRPr>
+            </a:lvl3pPr>
+            <a:lvl4pPr marL="1371600" algn="l" rtl="0" eaLnBrk="0" fontAlgn="base" hangingPunct="0">
+              <a:spcBef>
+                <a:spcPct val="0"/>
+              </a:spcBef>
+              <a:spcAft>
+                <a:spcPct val="0"/>
+              </a:spcAft>
+              <a:defRPr sz="2400" kern="1200">
+                <a:solidFill>
+                  <a:schemeClr val="tx1"/>
+                </a:solidFill>
+                <a:latin typeface="Times New Roman"/>
+                <a:ea typeface="+mn-ea"/>
+                <a:cs typeface="+mn-cs"/>
+              </a:defRPr>
+            </a:lvl4pPr>
+            <a:lvl5pPr marL="1828800" algn="l" rtl="0" eaLnBrk="0" fontAlgn="base" hangingPunct="0">
+              <a:spcBef>
+                <a:spcPct val="0"/>
+              </a:spcBef>
+              <a:spcAft>
+                <a:spcPct val="0"/>
+              </a:spcAft>
+              <a:defRPr sz="2400" kern="1200">
+                <a:solidFill>
+                  <a:schemeClr val="tx1"/>
+                </a:solidFill>
+                <a:latin typeface="Times New Roman"/>
+                <a:ea typeface="+mn-ea"/>
+                <a:cs typeface="+mn-cs"/>
+              </a:defRPr>
+            </a:lvl5pPr>
+            <a:lvl6pPr marL="2286000" algn="l" defTabSz="914400" rtl="0" eaLnBrk="1" latinLnBrk="0" hangingPunct="1">
+              <a:defRPr sz="2400" kern="1200">
+                <a:solidFill>
+                  <a:schemeClr val="tx1"/>
+                </a:solidFill>
+                <a:latin typeface="Times New Roman"/>
+                <a:ea typeface="+mn-ea"/>
+                <a:cs typeface="+mn-cs"/>
+              </a:defRPr>
+            </a:lvl6pPr>
+            <a:lvl7pPr marL="2743200" algn="l" defTabSz="914400" rtl="0" eaLnBrk="1" latinLnBrk="0" hangingPunct="1">
+              <a:defRPr sz="2400" kern="1200">
+                <a:solidFill>
+                  <a:schemeClr val="tx1"/>
+                </a:solidFill>
+                <a:latin typeface="Times New Roman"/>
+                <a:ea typeface="+mn-ea"/>
+                <a:cs typeface="+mn-cs"/>
+              </a:defRPr>
+            </a:lvl7pPr>
+            <a:lvl8pPr marL="3200400" algn="l" defTabSz="914400" rtl="0" eaLnBrk="1" latinLnBrk="0" hangingPunct="1">
+              <a:defRPr sz="2400" kern="1200">
+                <a:solidFill>
+                  <a:schemeClr val="tx1"/>
+                </a:solidFill>
+                <a:latin typeface="Times New Roman"/>
+                <a:ea typeface="+mn-ea"/>
+                <a:cs typeface="+mn-cs"/>
+              </a:defRPr>
+            </a:lvl8pPr>
+            <a:lvl9pPr marL="3657600" algn="l" defTabSz="914400" rtl="0" eaLnBrk="1" latinLnBrk="0" hangingPunct="1">
+              <a:defRPr sz="2400" kern="1200">
+                <a:solidFill>
+                  <a:schemeClr val="tx1"/>
+                </a:solidFill>
+                <a:latin typeface="Times New Roman"/>
+                <a:ea typeface="+mn-ea"/>
+                <a:cs typeface="+mn-cs"/>
+              </a:defRPr>
+            </a:lvl9pPr>
+          </a:lstStyle>
+          <a:p>
+            <a:pPr>
+              <a:defRPr/>
+            </a:pPr>
+            <a:endParaRPr lang="en-US"/>
+          </a:p>
+          <a:p>
+            <a:pPr algn="r">
+              <a:defRPr/>
+            </a:pPr>
+            <a:r>
+              <a:rPr lang="en-US" sz="900">
+                <a:latin typeface="Arial Narrow" pitchFamily="34" charset="0"/>
+              </a:rPr>
+              <a:t>Slide </a:t>
+            </a:r>
+            <a:fld id="{5ECE9829-65B2-40C6-AEFF-7C648FF56A9C}" type="slidenum">
+              <a:rPr lang="en-US" sz="900" smtClean="0">
+                <a:latin typeface="Arial Narrow" pitchFamily="34" charset="0"/>
+              </a:rPr>
+              <a:pPr algn="r">
+                <a:defRPr/>
+              </a:pPr>
+              <a:t>32</a:t>
+            </a:fld>
+            <a:endParaRPr lang="en-US" sz="900">
+              <a:latin typeface="Arial Narrow" pitchFamily="34" charset="0"/>
+            </a:endParaRPr>
+          </a:p>
+        </p:txBody>
+      </p:sp>
       <p:pic>
         <p:nvPicPr>
-          <p:cNvPr id="6" name="Picture 5"/>
-          <p:cNvPicPr>
-            <a:picLocks noChangeAspect="1"/>
-          </p:cNvPicPr>
+          <p:cNvPr id="5" name="Picture 4"/>
+          <p:cNvPicPr/>
           <p:nvPr/>
         </p:nvPicPr>
         <p:blipFill>
@@ -10840,52 +10807,18 @@
         </p:blipFill>
         <p:spPr>
           <a:xfrm>
-            <a:off x="2975767" y="1749144"/>
-            <a:ext cx="3243697" cy="4209597"/>
+            <a:off x="876300" y="420688"/>
+            <a:ext cx="7256463" cy="4748213"/>
           </a:xfrm>
           <a:prstGeom prst="rect">
             <a:avLst/>
           </a:prstGeom>
         </p:spPr>
       </p:pic>
-      <p:sp>
-        <p:nvSpPr>
-          <p:cNvPr id="7" name="TextBox 6"/>
-          <p:cNvSpPr txBox="1"/>
-          <p:nvPr/>
-        </p:nvSpPr>
-        <p:spPr>
-          <a:xfrm>
-            <a:off x="1" y="120519"/>
-            <a:ext cx="9144000" cy="1107996"/>
-          </a:xfrm>
-          <a:prstGeom prst="rect">
-            <a:avLst/>
-          </a:prstGeom>
-          <a:noFill/>
-        </p:spPr>
-        <p:txBody>
-          <a:bodyPr wrap="square" rtlCol="0">
-            <a:spAutoFit/>
-          </a:bodyPr>
-          <a:lstStyle/>
-          <a:p>
-            <a:pPr algn="ctr"/>
-            <a:r>
-              <a:rPr lang="en-US" sz="6600" dirty="0">
-                <a:solidFill>
-                  <a:srgbClr val="2D2DB9"/>
-                </a:solidFill>
-              </a:rPr>
-              <a:t>Menus</a:t>
-            </a:r>
-          </a:p>
-        </p:txBody>
-      </p:sp>
     </p:spTree>
     <p:extLst>
       <p:ext uri="{BB962C8B-B14F-4D97-AF65-F5344CB8AC3E}">
-        <p14:creationId xmlns:p14="http://schemas.microsoft.com/office/powerpoint/2010/main" val="2122530289"/>
+        <p14:creationId xmlns:p14="http://schemas.microsoft.com/office/powerpoint/2010/main" val="3700109811"/>
       </p:ext>
     </p:extLst>
   </p:cSld>
@@ -10895,7 +10828,574 @@
 </p:sld>
 </file>
 
-<file path=ppt/slides/slide30.xml><?xml version="1.0" encoding="utf-8"?>
+<file path=ppt/slides/slide33.xml><?xml version="1.0" encoding="utf-8"?>
+<p:sld xmlns:a="http://schemas.openxmlformats.org/drawingml/2006/main" xmlns:r="http://schemas.openxmlformats.org/officeDocument/2006/relationships" xmlns:p="http://schemas.openxmlformats.org/presentationml/2006/main">
+  <p:cSld>
+    <p:spTree>
+      <p:nvGrpSpPr>
+        <p:cNvPr id="1" name=""/>
+        <p:cNvGrpSpPr/>
+        <p:nvPr/>
+      </p:nvGrpSpPr>
+      <p:grpSpPr>
+        <a:xfrm>
+          <a:off x="0" y="0"/>
+          <a:ext cx="0" cy="0"/>
+          <a:chOff x="0" y="0"/>
+          <a:chExt cx="0" cy="0"/>
+        </a:xfrm>
+      </p:grpSpPr>
+      <p:sp>
+        <p:nvSpPr>
+          <p:cNvPr id="2" name="Date Placeholder 1"/>
+          <p:cNvSpPr>
+            <a:spLocks noGrp="1"/>
+          </p:cNvSpPr>
+          <p:nvPr/>
+        </p:nvSpPr>
+        <p:spPr bwMode="auto">
+          <a:xfrm>
+            <a:off x="723900" y="6172200"/>
+            <a:ext cx="1981200" cy="457200"/>
+          </a:xfrm>
+          <a:prstGeom prst="rect">
+            <a:avLst/>
+          </a:prstGeom>
+          <a:noFill/>
+          <a:ln>
+            <a:miter lim="800000"/>
+            <a:headEnd/>
+            <a:tailEnd/>
+          </a:ln>
+        </p:spPr>
+        <p:txBody>
+          <a:bodyPr vert="horz" wrap="square" lIns="91440" tIns="45720" rIns="91440" bIns="45720" numCol="1" anchor="b" anchorCtr="0" compatLnSpc="1">
+            <a:prstTxWarp prst="textNoShape">
+              <a:avLst/>
+            </a:prstTxWarp>
+          </a:bodyPr>
+          <a:lstStyle>
+            <a:defPPr>
+              <a:defRPr lang="en-US"/>
+            </a:defPPr>
+            <a:lvl1pPr algn="l" rtl="0" eaLnBrk="0" fontAlgn="base" hangingPunct="0">
+              <a:spcBef>
+                <a:spcPct val="0"/>
+              </a:spcBef>
+              <a:spcAft>
+                <a:spcPct val="0"/>
+              </a:spcAft>
+              <a:defRPr sz="900" kern="1200">
+                <a:solidFill>
+                  <a:schemeClr val="tx1"/>
+                </a:solidFill>
+                <a:latin typeface="Arial Narrow" pitchFamily="34" charset="0"/>
+                <a:ea typeface="+mn-ea"/>
+                <a:cs typeface="+mn-cs"/>
+              </a:defRPr>
+            </a:lvl1pPr>
+            <a:lvl2pPr marL="457200" algn="l" rtl="0" eaLnBrk="0" fontAlgn="base" hangingPunct="0">
+              <a:spcBef>
+                <a:spcPct val="0"/>
+              </a:spcBef>
+              <a:spcAft>
+                <a:spcPct val="0"/>
+              </a:spcAft>
+              <a:defRPr sz="2400" kern="1200">
+                <a:solidFill>
+                  <a:schemeClr val="tx1"/>
+                </a:solidFill>
+                <a:latin typeface="Times New Roman"/>
+                <a:ea typeface="+mn-ea"/>
+                <a:cs typeface="+mn-cs"/>
+              </a:defRPr>
+            </a:lvl2pPr>
+            <a:lvl3pPr marL="914400" algn="l" rtl="0" eaLnBrk="0" fontAlgn="base" hangingPunct="0">
+              <a:spcBef>
+                <a:spcPct val="0"/>
+              </a:spcBef>
+              <a:spcAft>
+                <a:spcPct val="0"/>
+              </a:spcAft>
+              <a:defRPr sz="2400" kern="1200">
+                <a:solidFill>
+                  <a:schemeClr val="tx1"/>
+                </a:solidFill>
+                <a:latin typeface="Times New Roman"/>
+                <a:ea typeface="+mn-ea"/>
+                <a:cs typeface="+mn-cs"/>
+              </a:defRPr>
+            </a:lvl3pPr>
+            <a:lvl4pPr marL="1371600" algn="l" rtl="0" eaLnBrk="0" fontAlgn="base" hangingPunct="0">
+              <a:spcBef>
+                <a:spcPct val="0"/>
+              </a:spcBef>
+              <a:spcAft>
+                <a:spcPct val="0"/>
+              </a:spcAft>
+              <a:defRPr sz="2400" kern="1200">
+                <a:solidFill>
+                  <a:schemeClr val="tx1"/>
+                </a:solidFill>
+                <a:latin typeface="Times New Roman"/>
+                <a:ea typeface="+mn-ea"/>
+                <a:cs typeface="+mn-cs"/>
+              </a:defRPr>
+            </a:lvl4pPr>
+            <a:lvl5pPr marL="1828800" algn="l" rtl="0" eaLnBrk="0" fontAlgn="base" hangingPunct="0">
+              <a:spcBef>
+                <a:spcPct val="0"/>
+              </a:spcBef>
+              <a:spcAft>
+                <a:spcPct val="0"/>
+              </a:spcAft>
+              <a:defRPr sz="2400" kern="1200">
+                <a:solidFill>
+                  <a:schemeClr val="tx1"/>
+                </a:solidFill>
+                <a:latin typeface="Times New Roman"/>
+                <a:ea typeface="+mn-ea"/>
+                <a:cs typeface="+mn-cs"/>
+              </a:defRPr>
+            </a:lvl5pPr>
+            <a:lvl6pPr marL="2286000" algn="l" defTabSz="914400" rtl="0" eaLnBrk="1" latinLnBrk="0" hangingPunct="1">
+              <a:defRPr sz="2400" kern="1200">
+                <a:solidFill>
+                  <a:schemeClr val="tx1"/>
+                </a:solidFill>
+                <a:latin typeface="Times New Roman"/>
+                <a:ea typeface="+mn-ea"/>
+                <a:cs typeface="+mn-cs"/>
+              </a:defRPr>
+            </a:lvl6pPr>
+            <a:lvl7pPr marL="2743200" algn="l" defTabSz="914400" rtl="0" eaLnBrk="1" latinLnBrk="0" hangingPunct="1">
+              <a:defRPr sz="2400" kern="1200">
+                <a:solidFill>
+                  <a:schemeClr val="tx1"/>
+                </a:solidFill>
+                <a:latin typeface="Times New Roman"/>
+                <a:ea typeface="+mn-ea"/>
+                <a:cs typeface="+mn-cs"/>
+              </a:defRPr>
+            </a:lvl7pPr>
+            <a:lvl8pPr marL="3200400" algn="l" defTabSz="914400" rtl="0" eaLnBrk="1" latinLnBrk="0" hangingPunct="1">
+              <a:defRPr sz="2400" kern="1200">
+                <a:solidFill>
+                  <a:schemeClr val="tx1"/>
+                </a:solidFill>
+                <a:latin typeface="Times New Roman"/>
+                <a:ea typeface="+mn-ea"/>
+                <a:cs typeface="+mn-cs"/>
+              </a:defRPr>
+            </a:lvl8pPr>
+            <a:lvl9pPr marL="3657600" algn="l" defTabSz="914400" rtl="0" eaLnBrk="1" latinLnBrk="0" hangingPunct="1">
+              <a:defRPr sz="2400" kern="1200">
+                <a:solidFill>
+                  <a:schemeClr val="tx1"/>
+                </a:solidFill>
+                <a:latin typeface="Times New Roman"/>
+                <a:ea typeface="+mn-ea"/>
+                <a:cs typeface="+mn-cs"/>
+              </a:defRPr>
+            </a:lvl9pPr>
+          </a:lstStyle>
+          <a:p>
+            <a:pPr>
+              <a:defRPr/>
+            </a:pPr>
+            <a:r>
+              <a:rPr lang="en-US"/>
+              <a:t>Murach's Android Programming, C8</a:t>
+            </a:r>
+          </a:p>
+        </p:txBody>
+      </p:sp>
+      <p:sp>
+        <p:nvSpPr>
+          <p:cNvPr id="3" name="Footer Placeholder 2"/>
+          <p:cNvSpPr>
+            <a:spLocks noGrp="1"/>
+          </p:cNvSpPr>
+          <p:nvPr/>
+        </p:nvSpPr>
+        <p:spPr bwMode="auto">
+          <a:xfrm>
+            <a:off x="2857500" y="6172200"/>
+            <a:ext cx="3352800" cy="457200"/>
+          </a:xfrm>
+          <a:prstGeom prst="rect">
+            <a:avLst/>
+          </a:prstGeom>
+          <a:noFill/>
+          <a:ln>
+            <a:miter lim="800000"/>
+            <a:headEnd/>
+            <a:tailEnd/>
+          </a:ln>
+        </p:spPr>
+        <p:txBody>
+          <a:bodyPr vert="horz" wrap="square" lIns="91440" tIns="45720" rIns="91440" bIns="45720" numCol="1" anchor="b" anchorCtr="0" compatLnSpc="1">
+            <a:prstTxWarp prst="textNoShape">
+              <a:avLst/>
+            </a:prstTxWarp>
+          </a:bodyPr>
+          <a:lstStyle>
+            <a:defPPr>
+              <a:defRPr lang="en-US"/>
+            </a:defPPr>
+            <a:lvl1pPr algn="ctr" rtl="0" eaLnBrk="0" fontAlgn="base" hangingPunct="0">
+              <a:spcBef>
+                <a:spcPct val="0"/>
+              </a:spcBef>
+              <a:spcAft>
+                <a:spcPct val="0"/>
+              </a:spcAft>
+              <a:defRPr sz="900" kern="1200">
+                <a:solidFill>
+                  <a:schemeClr val="tx1"/>
+                </a:solidFill>
+                <a:latin typeface="Arial Narrow" pitchFamily="34" charset="0"/>
+                <a:ea typeface="+mn-ea"/>
+                <a:cs typeface="+mn-cs"/>
+              </a:defRPr>
+            </a:lvl1pPr>
+            <a:lvl2pPr marL="457200" algn="l" rtl="0" eaLnBrk="0" fontAlgn="base" hangingPunct="0">
+              <a:spcBef>
+                <a:spcPct val="0"/>
+              </a:spcBef>
+              <a:spcAft>
+                <a:spcPct val="0"/>
+              </a:spcAft>
+              <a:defRPr sz="2400" kern="1200">
+                <a:solidFill>
+                  <a:schemeClr val="tx1"/>
+                </a:solidFill>
+                <a:latin typeface="Times New Roman"/>
+                <a:ea typeface="+mn-ea"/>
+                <a:cs typeface="+mn-cs"/>
+              </a:defRPr>
+            </a:lvl2pPr>
+            <a:lvl3pPr marL="914400" algn="l" rtl="0" eaLnBrk="0" fontAlgn="base" hangingPunct="0">
+              <a:spcBef>
+                <a:spcPct val="0"/>
+              </a:spcBef>
+              <a:spcAft>
+                <a:spcPct val="0"/>
+              </a:spcAft>
+              <a:defRPr sz="2400" kern="1200">
+                <a:solidFill>
+                  <a:schemeClr val="tx1"/>
+                </a:solidFill>
+                <a:latin typeface="Times New Roman"/>
+                <a:ea typeface="+mn-ea"/>
+                <a:cs typeface="+mn-cs"/>
+              </a:defRPr>
+            </a:lvl3pPr>
+            <a:lvl4pPr marL="1371600" algn="l" rtl="0" eaLnBrk="0" fontAlgn="base" hangingPunct="0">
+              <a:spcBef>
+                <a:spcPct val="0"/>
+              </a:spcBef>
+              <a:spcAft>
+                <a:spcPct val="0"/>
+              </a:spcAft>
+              <a:defRPr sz="2400" kern="1200">
+                <a:solidFill>
+                  <a:schemeClr val="tx1"/>
+                </a:solidFill>
+                <a:latin typeface="Times New Roman"/>
+                <a:ea typeface="+mn-ea"/>
+                <a:cs typeface="+mn-cs"/>
+              </a:defRPr>
+            </a:lvl4pPr>
+            <a:lvl5pPr marL="1828800" algn="l" rtl="0" eaLnBrk="0" fontAlgn="base" hangingPunct="0">
+              <a:spcBef>
+                <a:spcPct val="0"/>
+              </a:spcBef>
+              <a:spcAft>
+                <a:spcPct val="0"/>
+              </a:spcAft>
+              <a:defRPr sz="2400" kern="1200">
+                <a:solidFill>
+                  <a:schemeClr val="tx1"/>
+                </a:solidFill>
+                <a:latin typeface="Times New Roman"/>
+                <a:ea typeface="+mn-ea"/>
+                <a:cs typeface="+mn-cs"/>
+              </a:defRPr>
+            </a:lvl5pPr>
+            <a:lvl6pPr marL="2286000" algn="l" defTabSz="914400" rtl="0" eaLnBrk="1" latinLnBrk="0" hangingPunct="1">
+              <a:defRPr sz="2400" kern="1200">
+                <a:solidFill>
+                  <a:schemeClr val="tx1"/>
+                </a:solidFill>
+                <a:latin typeface="Times New Roman"/>
+                <a:ea typeface="+mn-ea"/>
+                <a:cs typeface="+mn-cs"/>
+              </a:defRPr>
+            </a:lvl6pPr>
+            <a:lvl7pPr marL="2743200" algn="l" defTabSz="914400" rtl="0" eaLnBrk="1" latinLnBrk="0" hangingPunct="1">
+              <a:defRPr sz="2400" kern="1200">
+                <a:solidFill>
+                  <a:schemeClr val="tx1"/>
+                </a:solidFill>
+                <a:latin typeface="Times New Roman"/>
+                <a:ea typeface="+mn-ea"/>
+                <a:cs typeface="+mn-cs"/>
+              </a:defRPr>
+            </a:lvl7pPr>
+            <a:lvl8pPr marL="3200400" algn="l" defTabSz="914400" rtl="0" eaLnBrk="1" latinLnBrk="0" hangingPunct="1">
+              <a:defRPr sz="2400" kern="1200">
+                <a:solidFill>
+                  <a:schemeClr val="tx1"/>
+                </a:solidFill>
+                <a:latin typeface="Times New Roman"/>
+                <a:ea typeface="+mn-ea"/>
+                <a:cs typeface="+mn-cs"/>
+              </a:defRPr>
+            </a:lvl8pPr>
+            <a:lvl9pPr marL="3657600" algn="l" defTabSz="914400" rtl="0" eaLnBrk="1" latinLnBrk="0" hangingPunct="1">
+              <a:defRPr sz="2400" kern="1200">
+                <a:solidFill>
+                  <a:schemeClr val="tx1"/>
+                </a:solidFill>
+                <a:latin typeface="Times New Roman"/>
+                <a:ea typeface="+mn-ea"/>
+                <a:cs typeface="+mn-cs"/>
+              </a:defRPr>
+            </a:lvl9pPr>
+          </a:lstStyle>
+          <a:p>
+            <a:pPr>
+              <a:defRPr/>
+            </a:pPr>
+            <a:r>
+              <a:rPr lang="en-US" dirty="0"/>
+              <a:t>© 2015, Mike Murach &amp; Associates, Inc.</a:t>
+            </a:r>
+          </a:p>
+        </p:txBody>
+      </p:sp>
+      <p:sp>
+        <p:nvSpPr>
+          <p:cNvPr id="4" name="Slide Number Placeholder 3"/>
+          <p:cNvSpPr>
+            <a:spLocks noGrp="1"/>
+          </p:cNvSpPr>
+          <p:nvPr/>
+        </p:nvSpPr>
+        <p:spPr bwMode="auto">
+          <a:xfrm>
+            <a:off x="6515100" y="6172200"/>
+            <a:ext cx="1905000" cy="457200"/>
+          </a:xfrm>
+          <a:prstGeom prst="rect">
+            <a:avLst/>
+          </a:prstGeom>
+          <a:noFill/>
+          <a:ln>
+            <a:miter lim="800000"/>
+            <a:headEnd/>
+            <a:tailEnd/>
+          </a:ln>
+        </p:spPr>
+        <p:txBody>
+          <a:bodyPr vert="horz" wrap="square" lIns="91440" tIns="45720" rIns="91440" bIns="45720" numCol="1" anchor="b" anchorCtr="0" compatLnSpc="1">
+            <a:prstTxWarp prst="textNoShape">
+              <a:avLst/>
+            </a:prstTxWarp>
+          </a:bodyPr>
+          <a:lstStyle>
+            <a:defPPr>
+              <a:defRPr lang="en-US"/>
+            </a:defPPr>
+            <a:lvl1pPr algn="l" rtl="0" eaLnBrk="0" fontAlgn="base" hangingPunct="0">
+              <a:spcBef>
+                <a:spcPct val="0"/>
+              </a:spcBef>
+              <a:spcAft>
+                <a:spcPct val="0"/>
+              </a:spcAft>
+              <a:defRPr sz="1400" kern="1200">
+                <a:solidFill>
+                  <a:schemeClr val="tx1"/>
+                </a:solidFill>
+                <a:latin typeface="Times New Roman"/>
+                <a:ea typeface="+mn-ea"/>
+                <a:cs typeface="+mn-cs"/>
+              </a:defRPr>
+            </a:lvl1pPr>
+            <a:lvl2pPr marL="457200" algn="l" rtl="0" eaLnBrk="0" fontAlgn="base" hangingPunct="0">
+              <a:spcBef>
+                <a:spcPct val="0"/>
+              </a:spcBef>
+              <a:spcAft>
+                <a:spcPct val="0"/>
+              </a:spcAft>
+              <a:defRPr sz="2400" kern="1200">
+                <a:solidFill>
+                  <a:schemeClr val="tx1"/>
+                </a:solidFill>
+                <a:latin typeface="Times New Roman"/>
+                <a:ea typeface="+mn-ea"/>
+                <a:cs typeface="+mn-cs"/>
+              </a:defRPr>
+            </a:lvl2pPr>
+            <a:lvl3pPr marL="914400" algn="l" rtl="0" eaLnBrk="0" fontAlgn="base" hangingPunct="0">
+              <a:spcBef>
+                <a:spcPct val="0"/>
+              </a:spcBef>
+              <a:spcAft>
+                <a:spcPct val="0"/>
+              </a:spcAft>
+              <a:defRPr sz="2400" kern="1200">
+                <a:solidFill>
+                  <a:schemeClr val="tx1"/>
+                </a:solidFill>
+                <a:latin typeface="Times New Roman"/>
+                <a:ea typeface="+mn-ea"/>
+                <a:cs typeface="+mn-cs"/>
+              </a:defRPr>
+            </a:lvl3pPr>
+            <a:lvl4pPr marL="1371600" algn="l" rtl="0" eaLnBrk="0" fontAlgn="base" hangingPunct="0">
+              <a:spcBef>
+                <a:spcPct val="0"/>
+              </a:spcBef>
+              <a:spcAft>
+                <a:spcPct val="0"/>
+              </a:spcAft>
+              <a:defRPr sz="2400" kern="1200">
+                <a:solidFill>
+                  <a:schemeClr val="tx1"/>
+                </a:solidFill>
+                <a:latin typeface="Times New Roman"/>
+                <a:ea typeface="+mn-ea"/>
+                <a:cs typeface="+mn-cs"/>
+              </a:defRPr>
+            </a:lvl4pPr>
+            <a:lvl5pPr marL="1828800" algn="l" rtl="0" eaLnBrk="0" fontAlgn="base" hangingPunct="0">
+              <a:spcBef>
+                <a:spcPct val="0"/>
+              </a:spcBef>
+              <a:spcAft>
+                <a:spcPct val="0"/>
+              </a:spcAft>
+              <a:defRPr sz="2400" kern="1200">
+                <a:solidFill>
+                  <a:schemeClr val="tx1"/>
+                </a:solidFill>
+                <a:latin typeface="Times New Roman"/>
+                <a:ea typeface="+mn-ea"/>
+                <a:cs typeface="+mn-cs"/>
+              </a:defRPr>
+            </a:lvl5pPr>
+            <a:lvl6pPr marL="2286000" algn="l" defTabSz="914400" rtl="0" eaLnBrk="1" latinLnBrk="0" hangingPunct="1">
+              <a:defRPr sz="2400" kern="1200">
+                <a:solidFill>
+                  <a:schemeClr val="tx1"/>
+                </a:solidFill>
+                <a:latin typeface="Times New Roman"/>
+                <a:ea typeface="+mn-ea"/>
+                <a:cs typeface="+mn-cs"/>
+              </a:defRPr>
+            </a:lvl6pPr>
+            <a:lvl7pPr marL="2743200" algn="l" defTabSz="914400" rtl="0" eaLnBrk="1" latinLnBrk="0" hangingPunct="1">
+              <a:defRPr sz="2400" kern="1200">
+                <a:solidFill>
+                  <a:schemeClr val="tx1"/>
+                </a:solidFill>
+                <a:latin typeface="Times New Roman"/>
+                <a:ea typeface="+mn-ea"/>
+                <a:cs typeface="+mn-cs"/>
+              </a:defRPr>
+            </a:lvl7pPr>
+            <a:lvl8pPr marL="3200400" algn="l" defTabSz="914400" rtl="0" eaLnBrk="1" latinLnBrk="0" hangingPunct="1">
+              <a:defRPr sz="2400" kern="1200">
+                <a:solidFill>
+                  <a:schemeClr val="tx1"/>
+                </a:solidFill>
+                <a:latin typeface="Times New Roman"/>
+                <a:ea typeface="+mn-ea"/>
+                <a:cs typeface="+mn-cs"/>
+              </a:defRPr>
+            </a:lvl8pPr>
+            <a:lvl9pPr marL="3657600" algn="l" defTabSz="914400" rtl="0" eaLnBrk="1" latinLnBrk="0" hangingPunct="1">
+              <a:defRPr sz="2400" kern="1200">
+                <a:solidFill>
+                  <a:schemeClr val="tx1"/>
+                </a:solidFill>
+                <a:latin typeface="Times New Roman"/>
+                <a:ea typeface="+mn-ea"/>
+                <a:cs typeface="+mn-cs"/>
+              </a:defRPr>
+            </a:lvl9pPr>
+          </a:lstStyle>
+          <a:p>
+            <a:pPr>
+              <a:defRPr/>
+            </a:pPr>
+            <a:endParaRPr lang="en-US"/>
+          </a:p>
+          <a:p>
+            <a:pPr algn="r">
+              <a:defRPr/>
+            </a:pPr>
+            <a:r>
+              <a:rPr lang="en-US" sz="900">
+                <a:latin typeface="Arial Narrow" pitchFamily="34" charset="0"/>
+              </a:rPr>
+              <a:t>Slide </a:t>
+            </a:r>
+            <a:fld id="{5ECE9829-65B2-40C6-AEFF-7C648FF56A9C}" type="slidenum">
+              <a:rPr lang="en-US" sz="900" smtClean="0">
+                <a:latin typeface="Arial Narrow" pitchFamily="34" charset="0"/>
+              </a:rPr>
+              <a:pPr algn="r">
+                <a:defRPr/>
+              </a:pPr>
+              <a:t>33</a:t>
+            </a:fld>
+            <a:endParaRPr lang="en-US" sz="900">
+              <a:latin typeface="Arial Narrow" pitchFamily="34" charset="0"/>
+            </a:endParaRPr>
+          </a:p>
+        </p:txBody>
+      </p:sp>
+      <p:pic>
+        <p:nvPicPr>
+          <p:cNvPr id="5" name="Picture 4"/>
+          <p:cNvPicPr/>
+          <p:nvPr/>
+        </p:nvPicPr>
+        <p:blipFill>
+          <a:blip r:embed="rId2"/>
+          <a:stretch>
+            <a:fillRect/>
+          </a:stretch>
+        </p:blipFill>
+        <p:spPr>
+          <a:xfrm>
+            <a:off x="876300" y="228600"/>
+            <a:ext cx="6892925" cy="5008563"/>
+          </a:xfrm>
+          <a:prstGeom prst="rect">
+            <a:avLst/>
+          </a:prstGeom>
+        </p:spPr>
+      </p:pic>
+    </p:spTree>
+    <p:extLst>
+      <p:ext uri="{BB962C8B-B14F-4D97-AF65-F5344CB8AC3E}">
+        <p14:creationId xmlns:p14="http://schemas.microsoft.com/office/powerpoint/2010/main" val="2952180578"/>
+      </p:ext>
+    </p:extLst>
+  </p:cSld>
+  <p:clrMapOvr>
+    <a:masterClrMapping/>
+  </p:clrMapOvr>
+</p:sld>
+</file>
+
+<file path=ppt/slides/slide34.xml><?xml version="1.0" encoding="utf-8"?>
 <p:sld xmlns:a="http://schemas.openxmlformats.org/drawingml/2006/main" xmlns:r="http://schemas.openxmlformats.org/officeDocument/2006/relationships" xmlns:p="http://schemas.openxmlformats.org/presentationml/2006/main">
   <p:cSld>
     <p:bg>
@@ -10985,50 +11485,35 @@
           <a:p>
             <a:r>
               <a:rPr lang="en-US" dirty="0"/>
-              <a:t>Alter the values in the Preference elements’ attributes to see their effect. Try changing things like:</a:t>
-            </a:r>
-          </a:p>
-          <a:p>
-            <a:pPr lvl="1"/>
+              <a:t>Put breakpoints in </a:t>
+            </a:r>
+            <a:r>
+              <a:rPr lang="en-US" dirty="0" err="1"/>
+              <a:t>onCreate</a:t>
+            </a:r>
             <a:r>
               <a:rPr lang="en-US" dirty="0"/>
-              <a:t>Title</a:t>
-            </a:r>
-          </a:p>
-          <a:p>
-            <a:pPr lvl="1"/>
+              <a:t> of both the </a:t>
+            </a:r>
+            <a:r>
+              <a:rPr lang="en-US" dirty="0" err="1"/>
+              <a:t>SettingsActivity</a:t>
+            </a:r>
             <a:r>
               <a:rPr lang="en-US" dirty="0"/>
-              <a:t>Default value</a:t>
-            </a:r>
-          </a:p>
-          <a:p>
-            <a:pPr lvl="1"/>
+              <a:t> and the </a:t>
+            </a:r>
+            <a:r>
+              <a:rPr lang="en-US" dirty="0" err="1"/>
+              <a:t>SettingsFragment</a:t>
+            </a:r>
+            <a:endParaRPr lang="en-US" dirty="0"/>
+          </a:p>
+          <a:p>
             <a:r>
               <a:rPr lang="en-US" dirty="0"/>
-              <a:t>Entries (in the </a:t>
-            </a:r>
-            <a:r>
-              <a:rPr lang="en-US" dirty="0" err="1"/>
-              <a:t>ListPreference</a:t>
-            </a:r>
-            <a:r>
-              <a:rPr lang="en-US" dirty="0"/>
-              <a:t>)</a:t>
-            </a:r>
-          </a:p>
-          <a:p>
-            <a:pPr lvl="1"/>
-            <a:r>
-              <a:rPr lang="en-US" dirty="0"/>
-              <a:t>Your choice. Experiment!</a:t>
-            </a:r>
-          </a:p>
-          <a:p>
-            <a:pPr marL="0" indent="0">
-              <a:buNone/>
-            </a:pPr>
-            <a:endParaRPr lang="en-US" dirty="0"/>
+              <a:t>Run the app and see when the breakpoints are hit</a:t>
+            </a:r>
           </a:p>
           <a:p>
             <a:pPr lvl="1"/>
@@ -11045,7 +11530,7 @@
     </p:spTree>
     <p:extLst>
       <p:ext uri="{BB962C8B-B14F-4D97-AF65-F5344CB8AC3E}">
-        <p14:creationId xmlns:p14="http://schemas.microsoft.com/office/powerpoint/2010/main" val="3937439757"/>
+        <p14:creationId xmlns:p14="http://schemas.microsoft.com/office/powerpoint/2010/main" val="1621679404"/>
       </p:ext>
     </p:extLst>
   </p:cSld>
@@ -11055,93 +11540,7 @@
 </p:sld>
 </file>
 
-<file path=ppt/slides/slide31.xml><?xml version="1.0" encoding="utf-8"?>
-<p:sld xmlns:a="http://schemas.openxmlformats.org/drawingml/2006/main" xmlns:r="http://schemas.openxmlformats.org/officeDocument/2006/relationships" xmlns:p="http://schemas.openxmlformats.org/presentationml/2006/main">
-  <p:cSld>
-    <p:bg>
-      <p:bgPr>
-        <a:gradFill flip="none" rotWithShape="1">
-          <a:gsLst>
-            <a:gs pos="100000">
-              <a:schemeClr val="tx1">
-                <a:lumMod val="65000"/>
-                <a:lumOff val="35000"/>
-              </a:schemeClr>
-            </a:gs>
-            <a:gs pos="55000">
-              <a:schemeClr val="bg1">
-                <a:lumMod val="75000"/>
-              </a:schemeClr>
-            </a:gs>
-          </a:gsLst>
-          <a:lin ang="5400000" scaled="0"/>
-          <a:tileRect/>
-        </a:gradFill>
-        <a:effectLst/>
-      </p:bgPr>
-    </p:bg>
-    <p:spTree>
-      <p:nvGrpSpPr>
-        <p:cNvPr id="1" name=""/>
-        <p:cNvGrpSpPr/>
-        <p:nvPr/>
-      </p:nvGrpSpPr>
-      <p:grpSpPr>
-        <a:xfrm>
-          <a:off x="0" y="0"/>
-          <a:ext cx="0" cy="0"/>
-          <a:chOff x="0" y="0"/>
-          <a:chExt cx="0" cy="0"/>
-        </a:xfrm>
-      </p:grpSpPr>
-      <p:sp>
-        <p:nvSpPr>
-          <p:cNvPr id="7" name="TextBox 6"/>
-          <p:cNvSpPr txBox="1"/>
-          <p:nvPr/>
-        </p:nvSpPr>
-        <p:spPr>
-          <a:xfrm>
-            <a:off x="0" y="643034"/>
-            <a:ext cx="9144000" cy="1107996"/>
-          </a:xfrm>
-          <a:prstGeom prst="rect">
-            <a:avLst/>
-          </a:prstGeom>
-          <a:noFill/>
-        </p:spPr>
-        <p:txBody>
-          <a:bodyPr wrap="square" rtlCol="0">
-            <a:spAutoFit/>
-          </a:bodyPr>
-          <a:lstStyle/>
-          <a:p>
-            <a:pPr algn="ctr"/>
-            <a:r>
-              <a:rPr lang="en-US" sz="6600" b="1" dirty="0">
-                <a:solidFill>
-                  <a:srgbClr val="2D2DB9"/>
-                </a:solidFill>
-              </a:rPr>
-              <a:t>Settings Fragments</a:t>
-            </a:r>
-          </a:p>
-        </p:txBody>
-      </p:sp>
-    </p:spTree>
-    <p:extLst>
-      <p:ext uri="{BB962C8B-B14F-4D97-AF65-F5344CB8AC3E}">
-        <p14:creationId xmlns:p14="http://schemas.microsoft.com/office/powerpoint/2010/main" val="2587539877"/>
-      </p:ext>
-    </p:extLst>
-  </p:cSld>
-  <p:clrMapOvr>
-    <a:masterClrMapping/>
-  </p:clrMapOvr>
-</p:sld>
-</file>
-
-<file path=ppt/slides/slide32.xml><?xml version="1.0" encoding="utf-8"?>
+<file path=ppt/slides/slide35.xml><?xml version="1.0" encoding="utf-8"?>
 <p:sld xmlns:a="http://schemas.openxmlformats.org/drawingml/2006/main" xmlns:r="http://schemas.openxmlformats.org/officeDocument/2006/relationships" xmlns:p="http://schemas.openxmlformats.org/presentationml/2006/main">
   <p:cSld>
     <p:spTree>
@@ -11160,104 +11559,6 @@
       </p:grpSpPr>
       <p:sp>
         <p:nvSpPr>
-          <p:cNvPr id="6" name="Title 5">
-            <a:extLst>
-              <a:ext uri="{FF2B5EF4-FFF2-40B4-BE49-F238E27FC236}">
-                <a16:creationId xmlns:a16="http://schemas.microsoft.com/office/drawing/2014/main" id="{E9F88440-6E52-BE4F-A227-B8CC3BDD7BAC}"/>
-              </a:ext>
-            </a:extLst>
-          </p:cNvPr>
-          <p:cNvSpPr>
-            <a:spLocks noGrp="1"/>
-          </p:cNvSpPr>
-          <p:nvPr>
-            <p:ph type="title"/>
-          </p:nvPr>
-        </p:nvSpPr>
-        <p:spPr/>
-        <p:txBody>
-          <a:bodyPr/>
-          <a:lstStyle/>
-          <a:p>
-            <a:r>
-              <a:rPr lang="en-US" dirty="0"/>
-              <a:t>Fragments</a:t>
-            </a:r>
-          </a:p>
-        </p:txBody>
-      </p:sp>
-      <p:sp>
-        <p:nvSpPr>
-          <p:cNvPr id="7" name="Content Placeholder 6">
-            <a:extLst>
-              <a:ext uri="{FF2B5EF4-FFF2-40B4-BE49-F238E27FC236}">
-                <a16:creationId xmlns:a16="http://schemas.microsoft.com/office/drawing/2014/main" id="{B954F828-0D7D-4544-BA6E-A3910692C6BC}"/>
-              </a:ext>
-            </a:extLst>
-          </p:cNvPr>
-          <p:cNvSpPr>
-            <a:spLocks noGrp="1"/>
-          </p:cNvSpPr>
-          <p:nvPr>
-            <p:ph idx="1"/>
-          </p:nvPr>
-        </p:nvSpPr>
-        <p:spPr/>
-        <p:txBody>
-          <a:bodyPr/>
-          <a:lstStyle/>
-          <a:p>
-            <a:r>
-              <a:rPr lang="en-US" dirty="0"/>
-              <a:t>Define a UI or part of a UI</a:t>
-            </a:r>
-          </a:p>
-          <a:p>
-            <a:r>
-              <a:rPr lang="en-US" dirty="0"/>
-              <a:t>Can be defined in XML</a:t>
-            </a:r>
-          </a:p>
-          <a:p>
-            <a:r>
-              <a:rPr lang="en-US" dirty="0"/>
-              <a:t>Can be loaded into an activity by Java code in the activity</a:t>
-            </a:r>
-          </a:p>
-        </p:txBody>
-      </p:sp>
-    </p:spTree>
-    <p:extLst>
-      <p:ext uri="{BB962C8B-B14F-4D97-AF65-F5344CB8AC3E}">
-        <p14:creationId xmlns:p14="http://schemas.microsoft.com/office/powerpoint/2010/main" val="896392328"/>
-      </p:ext>
-    </p:extLst>
-  </p:cSld>
-  <p:clrMapOvr>
-    <a:masterClrMapping/>
-  </p:clrMapOvr>
-</p:sld>
-</file>
-
-<file path=ppt/slides/slide33.xml><?xml version="1.0" encoding="utf-8"?>
-<p:sld xmlns:a="http://schemas.openxmlformats.org/drawingml/2006/main" xmlns:r="http://schemas.openxmlformats.org/officeDocument/2006/relationships" xmlns:p="http://schemas.openxmlformats.org/presentationml/2006/main">
-  <p:cSld>
-    <p:spTree>
-      <p:nvGrpSpPr>
-        <p:cNvPr id="1" name=""/>
-        <p:cNvGrpSpPr/>
-        <p:nvPr/>
-      </p:nvGrpSpPr>
-      <p:grpSpPr>
-        <a:xfrm>
-          <a:off x="0" y="0"/>
-          <a:ext cx="0" cy="0"/>
-          <a:chOff x="0" y="0"/>
-          <a:chExt cx="0" cy="0"/>
-        </a:xfrm>
-      </p:grpSpPr>
-      <p:sp>
-        <p:nvSpPr>
           <p:cNvPr id="2" name="Date Placeholder 1"/>
           <p:cNvSpPr>
             <a:spLocks noGrp="1"/>
@@ -11763,1286 +12064,7 @@
               <a:pPr algn="r">
                 <a:defRPr/>
               </a:pPr>
-              <a:t>33</a:t>
-            </a:fld>
-            <a:endParaRPr lang="en-US" sz="900">
-              <a:latin typeface="Arial Narrow" pitchFamily="34" charset="0"/>
-            </a:endParaRPr>
-          </a:p>
-        </p:txBody>
-      </p:sp>
-      <p:pic>
-        <p:nvPicPr>
-          <p:cNvPr id="5" name="Picture 4"/>
-          <p:cNvPicPr/>
-          <p:nvPr/>
-        </p:nvPicPr>
-        <p:blipFill>
-          <a:blip r:embed="rId2"/>
-          <a:stretch>
-            <a:fillRect/>
-          </a:stretch>
-        </p:blipFill>
-        <p:spPr>
-          <a:xfrm>
-            <a:off x="876300" y="420688"/>
-            <a:ext cx="7256463" cy="4748213"/>
-          </a:xfrm>
-          <a:prstGeom prst="rect">
-            <a:avLst/>
-          </a:prstGeom>
-        </p:spPr>
-      </p:pic>
-    </p:spTree>
-    <p:extLst>
-      <p:ext uri="{BB962C8B-B14F-4D97-AF65-F5344CB8AC3E}">
-        <p14:creationId xmlns:p14="http://schemas.microsoft.com/office/powerpoint/2010/main" val="3700109811"/>
-      </p:ext>
-    </p:extLst>
-  </p:cSld>
-  <p:clrMapOvr>
-    <a:masterClrMapping/>
-  </p:clrMapOvr>
-</p:sld>
-</file>
-
-<file path=ppt/slides/slide34.xml><?xml version="1.0" encoding="utf-8"?>
-<p:sld xmlns:a="http://schemas.openxmlformats.org/drawingml/2006/main" xmlns:r="http://schemas.openxmlformats.org/officeDocument/2006/relationships" xmlns:p="http://schemas.openxmlformats.org/presentationml/2006/main">
-  <p:cSld>
-    <p:spTree>
-      <p:nvGrpSpPr>
-        <p:cNvPr id="1" name=""/>
-        <p:cNvGrpSpPr/>
-        <p:nvPr/>
-      </p:nvGrpSpPr>
-      <p:grpSpPr>
-        <a:xfrm>
-          <a:off x="0" y="0"/>
-          <a:ext cx="0" cy="0"/>
-          <a:chOff x="0" y="0"/>
-          <a:chExt cx="0" cy="0"/>
-        </a:xfrm>
-      </p:grpSpPr>
-      <p:sp>
-        <p:nvSpPr>
-          <p:cNvPr id="2" name="Date Placeholder 1"/>
-          <p:cNvSpPr>
-            <a:spLocks noGrp="1"/>
-          </p:cNvSpPr>
-          <p:nvPr/>
-        </p:nvSpPr>
-        <p:spPr bwMode="auto">
-          <a:xfrm>
-            <a:off x="723900" y="6172200"/>
-            <a:ext cx="1981200" cy="457200"/>
-          </a:xfrm>
-          <a:prstGeom prst="rect">
-            <a:avLst/>
-          </a:prstGeom>
-          <a:noFill/>
-          <a:ln>
-            <a:miter lim="800000"/>
-            <a:headEnd/>
-            <a:tailEnd/>
-          </a:ln>
-        </p:spPr>
-        <p:txBody>
-          <a:bodyPr vert="horz" wrap="square" lIns="91440" tIns="45720" rIns="91440" bIns="45720" numCol="1" anchor="b" anchorCtr="0" compatLnSpc="1">
-            <a:prstTxWarp prst="textNoShape">
-              <a:avLst/>
-            </a:prstTxWarp>
-          </a:bodyPr>
-          <a:lstStyle>
-            <a:defPPr>
-              <a:defRPr lang="en-US"/>
-            </a:defPPr>
-            <a:lvl1pPr algn="l" rtl="0" eaLnBrk="0" fontAlgn="base" hangingPunct="0">
-              <a:spcBef>
-                <a:spcPct val="0"/>
-              </a:spcBef>
-              <a:spcAft>
-                <a:spcPct val="0"/>
-              </a:spcAft>
-              <a:defRPr sz="900" kern="1200">
-                <a:solidFill>
-                  <a:schemeClr val="tx1"/>
-                </a:solidFill>
-                <a:latin typeface="Arial Narrow" pitchFamily="34" charset="0"/>
-                <a:ea typeface="+mn-ea"/>
-                <a:cs typeface="+mn-cs"/>
-              </a:defRPr>
-            </a:lvl1pPr>
-            <a:lvl2pPr marL="457200" algn="l" rtl="0" eaLnBrk="0" fontAlgn="base" hangingPunct="0">
-              <a:spcBef>
-                <a:spcPct val="0"/>
-              </a:spcBef>
-              <a:spcAft>
-                <a:spcPct val="0"/>
-              </a:spcAft>
-              <a:defRPr sz="2400" kern="1200">
-                <a:solidFill>
-                  <a:schemeClr val="tx1"/>
-                </a:solidFill>
-                <a:latin typeface="Times New Roman"/>
-                <a:ea typeface="+mn-ea"/>
-                <a:cs typeface="+mn-cs"/>
-              </a:defRPr>
-            </a:lvl2pPr>
-            <a:lvl3pPr marL="914400" algn="l" rtl="0" eaLnBrk="0" fontAlgn="base" hangingPunct="0">
-              <a:spcBef>
-                <a:spcPct val="0"/>
-              </a:spcBef>
-              <a:spcAft>
-                <a:spcPct val="0"/>
-              </a:spcAft>
-              <a:defRPr sz="2400" kern="1200">
-                <a:solidFill>
-                  <a:schemeClr val="tx1"/>
-                </a:solidFill>
-                <a:latin typeface="Times New Roman"/>
-                <a:ea typeface="+mn-ea"/>
-                <a:cs typeface="+mn-cs"/>
-              </a:defRPr>
-            </a:lvl3pPr>
-            <a:lvl4pPr marL="1371600" algn="l" rtl="0" eaLnBrk="0" fontAlgn="base" hangingPunct="0">
-              <a:spcBef>
-                <a:spcPct val="0"/>
-              </a:spcBef>
-              <a:spcAft>
-                <a:spcPct val="0"/>
-              </a:spcAft>
-              <a:defRPr sz="2400" kern="1200">
-                <a:solidFill>
-                  <a:schemeClr val="tx1"/>
-                </a:solidFill>
-                <a:latin typeface="Times New Roman"/>
-                <a:ea typeface="+mn-ea"/>
-                <a:cs typeface="+mn-cs"/>
-              </a:defRPr>
-            </a:lvl4pPr>
-            <a:lvl5pPr marL="1828800" algn="l" rtl="0" eaLnBrk="0" fontAlgn="base" hangingPunct="0">
-              <a:spcBef>
-                <a:spcPct val="0"/>
-              </a:spcBef>
-              <a:spcAft>
-                <a:spcPct val="0"/>
-              </a:spcAft>
-              <a:defRPr sz="2400" kern="1200">
-                <a:solidFill>
-                  <a:schemeClr val="tx1"/>
-                </a:solidFill>
-                <a:latin typeface="Times New Roman"/>
-                <a:ea typeface="+mn-ea"/>
-                <a:cs typeface="+mn-cs"/>
-              </a:defRPr>
-            </a:lvl5pPr>
-            <a:lvl6pPr marL="2286000" algn="l" defTabSz="914400" rtl="0" eaLnBrk="1" latinLnBrk="0" hangingPunct="1">
-              <a:defRPr sz="2400" kern="1200">
-                <a:solidFill>
-                  <a:schemeClr val="tx1"/>
-                </a:solidFill>
-                <a:latin typeface="Times New Roman"/>
-                <a:ea typeface="+mn-ea"/>
-                <a:cs typeface="+mn-cs"/>
-              </a:defRPr>
-            </a:lvl6pPr>
-            <a:lvl7pPr marL="2743200" algn="l" defTabSz="914400" rtl="0" eaLnBrk="1" latinLnBrk="0" hangingPunct="1">
-              <a:defRPr sz="2400" kern="1200">
-                <a:solidFill>
-                  <a:schemeClr val="tx1"/>
-                </a:solidFill>
-                <a:latin typeface="Times New Roman"/>
-                <a:ea typeface="+mn-ea"/>
-                <a:cs typeface="+mn-cs"/>
-              </a:defRPr>
-            </a:lvl7pPr>
-            <a:lvl8pPr marL="3200400" algn="l" defTabSz="914400" rtl="0" eaLnBrk="1" latinLnBrk="0" hangingPunct="1">
-              <a:defRPr sz="2400" kern="1200">
-                <a:solidFill>
-                  <a:schemeClr val="tx1"/>
-                </a:solidFill>
-                <a:latin typeface="Times New Roman"/>
-                <a:ea typeface="+mn-ea"/>
-                <a:cs typeface="+mn-cs"/>
-              </a:defRPr>
-            </a:lvl8pPr>
-            <a:lvl9pPr marL="3657600" algn="l" defTabSz="914400" rtl="0" eaLnBrk="1" latinLnBrk="0" hangingPunct="1">
-              <a:defRPr sz="2400" kern="1200">
-                <a:solidFill>
-                  <a:schemeClr val="tx1"/>
-                </a:solidFill>
-                <a:latin typeface="Times New Roman"/>
-                <a:ea typeface="+mn-ea"/>
-                <a:cs typeface="+mn-cs"/>
-              </a:defRPr>
-            </a:lvl9pPr>
-          </a:lstStyle>
-          <a:p>
-            <a:pPr>
-              <a:defRPr/>
-            </a:pPr>
-            <a:r>
-              <a:rPr lang="en-US"/>
-              <a:t>Murach's Android Programming, C8</a:t>
-            </a:r>
-          </a:p>
-        </p:txBody>
-      </p:sp>
-      <p:sp>
-        <p:nvSpPr>
-          <p:cNvPr id="3" name="Footer Placeholder 2"/>
-          <p:cNvSpPr>
-            <a:spLocks noGrp="1"/>
-          </p:cNvSpPr>
-          <p:nvPr/>
-        </p:nvSpPr>
-        <p:spPr bwMode="auto">
-          <a:xfrm>
-            <a:off x="2857500" y="6172200"/>
-            <a:ext cx="3352800" cy="457200"/>
-          </a:xfrm>
-          <a:prstGeom prst="rect">
-            <a:avLst/>
-          </a:prstGeom>
-          <a:noFill/>
-          <a:ln>
-            <a:miter lim="800000"/>
-            <a:headEnd/>
-            <a:tailEnd/>
-          </a:ln>
-        </p:spPr>
-        <p:txBody>
-          <a:bodyPr vert="horz" wrap="square" lIns="91440" tIns="45720" rIns="91440" bIns="45720" numCol="1" anchor="b" anchorCtr="0" compatLnSpc="1">
-            <a:prstTxWarp prst="textNoShape">
-              <a:avLst/>
-            </a:prstTxWarp>
-          </a:bodyPr>
-          <a:lstStyle>
-            <a:defPPr>
-              <a:defRPr lang="en-US"/>
-            </a:defPPr>
-            <a:lvl1pPr algn="ctr" rtl="0" eaLnBrk="0" fontAlgn="base" hangingPunct="0">
-              <a:spcBef>
-                <a:spcPct val="0"/>
-              </a:spcBef>
-              <a:spcAft>
-                <a:spcPct val="0"/>
-              </a:spcAft>
-              <a:defRPr sz="900" kern="1200">
-                <a:solidFill>
-                  <a:schemeClr val="tx1"/>
-                </a:solidFill>
-                <a:latin typeface="Arial Narrow" pitchFamily="34" charset="0"/>
-                <a:ea typeface="+mn-ea"/>
-                <a:cs typeface="+mn-cs"/>
-              </a:defRPr>
-            </a:lvl1pPr>
-            <a:lvl2pPr marL="457200" algn="l" rtl="0" eaLnBrk="0" fontAlgn="base" hangingPunct="0">
-              <a:spcBef>
-                <a:spcPct val="0"/>
-              </a:spcBef>
-              <a:spcAft>
-                <a:spcPct val="0"/>
-              </a:spcAft>
-              <a:defRPr sz="2400" kern="1200">
-                <a:solidFill>
-                  <a:schemeClr val="tx1"/>
-                </a:solidFill>
-                <a:latin typeface="Times New Roman"/>
-                <a:ea typeface="+mn-ea"/>
-                <a:cs typeface="+mn-cs"/>
-              </a:defRPr>
-            </a:lvl2pPr>
-            <a:lvl3pPr marL="914400" algn="l" rtl="0" eaLnBrk="0" fontAlgn="base" hangingPunct="0">
-              <a:spcBef>
-                <a:spcPct val="0"/>
-              </a:spcBef>
-              <a:spcAft>
-                <a:spcPct val="0"/>
-              </a:spcAft>
-              <a:defRPr sz="2400" kern="1200">
-                <a:solidFill>
-                  <a:schemeClr val="tx1"/>
-                </a:solidFill>
-                <a:latin typeface="Times New Roman"/>
-                <a:ea typeface="+mn-ea"/>
-                <a:cs typeface="+mn-cs"/>
-              </a:defRPr>
-            </a:lvl3pPr>
-            <a:lvl4pPr marL="1371600" algn="l" rtl="0" eaLnBrk="0" fontAlgn="base" hangingPunct="0">
-              <a:spcBef>
-                <a:spcPct val="0"/>
-              </a:spcBef>
-              <a:spcAft>
-                <a:spcPct val="0"/>
-              </a:spcAft>
-              <a:defRPr sz="2400" kern="1200">
-                <a:solidFill>
-                  <a:schemeClr val="tx1"/>
-                </a:solidFill>
-                <a:latin typeface="Times New Roman"/>
-                <a:ea typeface="+mn-ea"/>
-                <a:cs typeface="+mn-cs"/>
-              </a:defRPr>
-            </a:lvl4pPr>
-            <a:lvl5pPr marL="1828800" algn="l" rtl="0" eaLnBrk="0" fontAlgn="base" hangingPunct="0">
-              <a:spcBef>
-                <a:spcPct val="0"/>
-              </a:spcBef>
-              <a:spcAft>
-                <a:spcPct val="0"/>
-              </a:spcAft>
-              <a:defRPr sz="2400" kern="1200">
-                <a:solidFill>
-                  <a:schemeClr val="tx1"/>
-                </a:solidFill>
-                <a:latin typeface="Times New Roman"/>
-                <a:ea typeface="+mn-ea"/>
-                <a:cs typeface="+mn-cs"/>
-              </a:defRPr>
-            </a:lvl5pPr>
-            <a:lvl6pPr marL="2286000" algn="l" defTabSz="914400" rtl="0" eaLnBrk="1" latinLnBrk="0" hangingPunct="1">
-              <a:defRPr sz="2400" kern="1200">
-                <a:solidFill>
-                  <a:schemeClr val="tx1"/>
-                </a:solidFill>
-                <a:latin typeface="Times New Roman"/>
-                <a:ea typeface="+mn-ea"/>
-                <a:cs typeface="+mn-cs"/>
-              </a:defRPr>
-            </a:lvl6pPr>
-            <a:lvl7pPr marL="2743200" algn="l" defTabSz="914400" rtl="0" eaLnBrk="1" latinLnBrk="0" hangingPunct="1">
-              <a:defRPr sz="2400" kern="1200">
-                <a:solidFill>
-                  <a:schemeClr val="tx1"/>
-                </a:solidFill>
-                <a:latin typeface="Times New Roman"/>
-                <a:ea typeface="+mn-ea"/>
-                <a:cs typeface="+mn-cs"/>
-              </a:defRPr>
-            </a:lvl7pPr>
-            <a:lvl8pPr marL="3200400" algn="l" defTabSz="914400" rtl="0" eaLnBrk="1" latinLnBrk="0" hangingPunct="1">
-              <a:defRPr sz="2400" kern="1200">
-                <a:solidFill>
-                  <a:schemeClr val="tx1"/>
-                </a:solidFill>
-                <a:latin typeface="Times New Roman"/>
-                <a:ea typeface="+mn-ea"/>
-                <a:cs typeface="+mn-cs"/>
-              </a:defRPr>
-            </a:lvl8pPr>
-            <a:lvl9pPr marL="3657600" algn="l" defTabSz="914400" rtl="0" eaLnBrk="1" latinLnBrk="0" hangingPunct="1">
-              <a:defRPr sz="2400" kern="1200">
-                <a:solidFill>
-                  <a:schemeClr val="tx1"/>
-                </a:solidFill>
-                <a:latin typeface="Times New Roman"/>
-                <a:ea typeface="+mn-ea"/>
-                <a:cs typeface="+mn-cs"/>
-              </a:defRPr>
-            </a:lvl9pPr>
-          </a:lstStyle>
-          <a:p>
-            <a:pPr>
-              <a:defRPr/>
-            </a:pPr>
-            <a:r>
-              <a:rPr lang="en-US" dirty="0"/>
-              <a:t>© 2015, Mike Murach &amp; Associates, Inc.</a:t>
-            </a:r>
-          </a:p>
-        </p:txBody>
-      </p:sp>
-      <p:sp>
-        <p:nvSpPr>
-          <p:cNvPr id="4" name="Slide Number Placeholder 3"/>
-          <p:cNvSpPr>
-            <a:spLocks noGrp="1"/>
-          </p:cNvSpPr>
-          <p:nvPr/>
-        </p:nvSpPr>
-        <p:spPr bwMode="auto">
-          <a:xfrm>
-            <a:off x="6515100" y="6172200"/>
-            <a:ext cx="1905000" cy="457200"/>
-          </a:xfrm>
-          <a:prstGeom prst="rect">
-            <a:avLst/>
-          </a:prstGeom>
-          <a:noFill/>
-          <a:ln>
-            <a:miter lim="800000"/>
-            <a:headEnd/>
-            <a:tailEnd/>
-          </a:ln>
-        </p:spPr>
-        <p:txBody>
-          <a:bodyPr vert="horz" wrap="square" lIns="91440" tIns="45720" rIns="91440" bIns="45720" numCol="1" anchor="b" anchorCtr="0" compatLnSpc="1">
-            <a:prstTxWarp prst="textNoShape">
-              <a:avLst/>
-            </a:prstTxWarp>
-          </a:bodyPr>
-          <a:lstStyle>
-            <a:defPPr>
-              <a:defRPr lang="en-US"/>
-            </a:defPPr>
-            <a:lvl1pPr algn="l" rtl="0" eaLnBrk="0" fontAlgn="base" hangingPunct="0">
-              <a:spcBef>
-                <a:spcPct val="0"/>
-              </a:spcBef>
-              <a:spcAft>
-                <a:spcPct val="0"/>
-              </a:spcAft>
-              <a:defRPr sz="1400" kern="1200">
-                <a:solidFill>
-                  <a:schemeClr val="tx1"/>
-                </a:solidFill>
-                <a:latin typeface="Times New Roman"/>
-                <a:ea typeface="+mn-ea"/>
-                <a:cs typeface="+mn-cs"/>
-              </a:defRPr>
-            </a:lvl1pPr>
-            <a:lvl2pPr marL="457200" algn="l" rtl="0" eaLnBrk="0" fontAlgn="base" hangingPunct="0">
-              <a:spcBef>
-                <a:spcPct val="0"/>
-              </a:spcBef>
-              <a:spcAft>
-                <a:spcPct val="0"/>
-              </a:spcAft>
-              <a:defRPr sz="2400" kern="1200">
-                <a:solidFill>
-                  <a:schemeClr val="tx1"/>
-                </a:solidFill>
-                <a:latin typeface="Times New Roman"/>
-                <a:ea typeface="+mn-ea"/>
-                <a:cs typeface="+mn-cs"/>
-              </a:defRPr>
-            </a:lvl2pPr>
-            <a:lvl3pPr marL="914400" algn="l" rtl="0" eaLnBrk="0" fontAlgn="base" hangingPunct="0">
-              <a:spcBef>
-                <a:spcPct val="0"/>
-              </a:spcBef>
-              <a:spcAft>
-                <a:spcPct val="0"/>
-              </a:spcAft>
-              <a:defRPr sz="2400" kern="1200">
-                <a:solidFill>
-                  <a:schemeClr val="tx1"/>
-                </a:solidFill>
-                <a:latin typeface="Times New Roman"/>
-                <a:ea typeface="+mn-ea"/>
-                <a:cs typeface="+mn-cs"/>
-              </a:defRPr>
-            </a:lvl3pPr>
-            <a:lvl4pPr marL="1371600" algn="l" rtl="0" eaLnBrk="0" fontAlgn="base" hangingPunct="0">
-              <a:spcBef>
-                <a:spcPct val="0"/>
-              </a:spcBef>
-              <a:spcAft>
-                <a:spcPct val="0"/>
-              </a:spcAft>
-              <a:defRPr sz="2400" kern="1200">
-                <a:solidFill>
-                  <a:schemeClr val="tx1"/>
-                </a:solidFill>
-                <a:latin typeface="Times New Roman"/>
-                <a:ea typeface="+mn-ea"/>
-                <a:cs typeface="+mn-cs"/>
-              </a:defRPr>
-            </a:lvl4pPr>
-            <a:lvl5pPr marL="1828800" algn="l" rtl="0" eaLnBrk="0" fontAlgn="base" hangingPunct="0">
-              <a:spcBef>
-                <a:spcPct val="0"/>
-              </a:spcBef>
-              <a:spcAft>
-                <a:spcPct val="0"/>
-              </a:spcAft>
-              <a:defRPr sz="2400" kern="1200">
-                <a:solidFill>
-                  <a:schemeClr val="tx1"/>
-                </a:solidFill>
-                <a:latin typeface="Times New Roman"/>
-                <a:ea typeface="+mn-ea"/>
-                <a:cs typeface="+mn-cs"/>
-              </a:defRPr>
-            </a:lvl5pPr>
-            <a:lvl6pPr marL="2286000" algn="l" defTabSz="914400" rtl="0" eaLnBrk="1" latinLnBrk="0" hangingPunct="1">
-              <a:defRPr sz="2400" kern="1200">
-                <a:solidFill>
-                  <a:schemeClr val="tx1"/>
-                </a:solidFill>
-                <a:latin typeface="Times New Roman"/>
-                <a:ea typeface="+mn-ea"/>
-                <a:cs typeface="+mn-cs"/>
-              </a:defRPr>
-            </a:lvl6pPr>
-            <a:lvl7pPr marL="2743200" algn="l" defTabSz="914400" rtl="0" eaLnBrk="1" latinLnBrk="0" hangingPunct="1">
-              <a:defRPr sz="2400" kern="1200">
-                <a:solidFill>
-                  <a:schemeClr val="tx1"/>
-                </a:solidFill>
-                <a:latin typeface="Times New Roman"/>
-                <a:ea typeface="+mn-ea"/>
-                <a:cs typeface="+mn-cs"/>
-              </a:defRPr>
-            </a:lvl7pPr>
-            <a:lvl8pPr marL="3200400" algn="l" defTabSz="914400" rtl="0" eaLnBrk="1" latinLnBrk="0" hangingPunct="1">
-              <a:defRPr sz="2400" kern="1200">
-                <a:solidFill>
-                  <a:schemeClr val="tx1"/>
-                </a:solidFill>
-                <a:latin typeface="Times New Roman"/>
-                <a:ea typeface="+mn-ea"/>
-                <a:cs typeface="+mn-cs"/>
-              </a:defRPr>
-            </a:lvl8pPr>
-            <a:lvl9pPr marL="3657600" algn="l" defTabSz="914400" rtl="0" eaLnBrk="1" latinLnBrk="0" hangingPunct="1">
-              <a:defRPr sz="2400" kern="1200">
-                <a:solidFill>
-                  <a:schemeClr val="tx1"/>
-                </a:solidFill>
-                <a:latin typeface="Times New Roman"/>
-                <a:ea typeface="+mn-ea"/>
-                <a:cs typeface="+mn-cs"/>
-              </a:defRPr>
-            </a:lvl9pPr>
-          </a:lstStyle>
-          <a:p>
-            <a:pPr>
-              <a:defRPr/>
-            </a:pPr>
-            <a:endParaRPr lang="en-US"/>
-          </a:p>
-          <a:p>
-            <a:pPr algn="r">
-              <a:defRPr/>
-            </a:pPr>
-            <a:r>
-              <a:rPr lang="en-US" sz="900">
-                <a:latin typeface="Arial Narrow" pitchFamily="34" charset="0"/>
-              </a:rPr>
-              <a:t>Slide </a:t>
-            </a:r>
-            <a:fld id="{5ECE9829-65B2-40C6-AEFF-7C648FF56A9C}" type="slidenum">
-              <a:rPr lang="en-US" sz="900" smtClean="0">
-                <a:latin typeface="Arial Narrow" pitchFamily="34" charset="0"/>
-              </a:rPr>
-              <a:pPr algn="r">
-                <a:defRPr/>
-              </a:pPr>
-              <a:t>34</a:t>
-            </a:fld>
-            <a:endParaRPr lang="en-US" sz="900">
-              <a:latin typeface="Arial Narrow" pitchFamily="34" charset="0"/>
-            </a:endParaRPr>
-          </a:p>
-        </p:txBody>
-      </p:sp>
-      <p:pic>
-        <p:nvPicPr>
-          <p:cNvPr id="5" name="Picture 4"/>
-          <p:cNvPicPr/>
-          <p:nvPr/>
-        </p:nvPicPr>
-        <p:blipFill>
-          <a:blip r:embed="rId2"/>
-          <a:stretch>
-            <a:fillRect/>
-          </a:stretch>
-        </p:blipFill>
-        <p:spPr>
-          <a:xfrm>
-            <a:off x="876300" y="228600"/>
-            <a:ext cx="6892925" cy="5008563"/>
-          </a:xfrm>
-          <a:prstGeom prst="rect">
-            <a:avLst/>
-          </a:prstGeom>
-        </p:spPr>
-      </p:pic>
-    </p:spTree>
-    <p:extLst>
-      <p:ext uri="{BB962C8B-B14F-4D97-AF65-F5344CB8AC3E}">
-        <p14:creationId xmlns:p14="http://schemas.microsoft.com/office/powerpoint/2010/main" val="2952180578"/>
-      </p:ext>
-    </p:extLst>
-  </p:cSld>
-  <p:clrMapOvr>
-    <a:masterClrMapping/>
-  </p:clrMapOvr>
-</p:sld>
-</file>
-
-<file path=ppt/slides/slide35.xml><?xml version="1.0" encoding="utf-8"?>
-<p:sld xmlns:a="http://schemas.openxmlformats.org/drawingml/2006/main" xmlns:r="http://schemas.openxmlformats.org/officeDocument/2006/relationships" xmlns:p="http://schemas.openxmlformats.org/presentationml/2006/main">
-  <p:cSld>
-    <p:bg>
-      <p:bgPr>
-        <a:gradFill flip="none" rotWithShape="1">
-          <a:gsLst>
-            <a:gs pos="100000">
-              <a:schemeClr val="bg2">
-                <a:lumMod val="50000"/>
-              </a:schemeClr>
-            </a:gs>
-            <a:gs pos="73000">
-              <a:schemeClr val="bg2">
-                <a:lumMod val="50000"/>
-                <a:alpha val="22000"/>
-              </a:schemeClr>
-            </a:gs>
-          </a:gsLst>
-          <a:lin ang="5400000" scaled="0"/>
-          <a:tileRect/>
-        </a:gradFill>
-        <a:effectLst/>
-      </p:bgPr>
-    </p:bg>
-    <p:spTree>
-      <p:nvGrpSpPr>
-        <p:cNvPr id="1" name=""/>
-        <p:cNvGrpSpPr/>
-        <p:nvPr/>
-      </p:nvGrpSpPr>
-      <p:grpSpPr>
-        <a:xfrm>
-          <a:off x="0" y="0"/>
-          <a:ext cx="0" cy="0"/>
-          <a:chOff x="0" y="0"/>
-          <a:chExt cx="0" cy="0"/>
-        </a:xfrm>
-      </p:grpSpPr>
-      <p:sp>
-        <p:nvSpPr>
-          <p:cNvPr id="2" name="Title 1"/>
-          <p:cNvSpPr>
-            <a:spLocks noGrp="1"/>
-          </p:cNvSpPr>
-          <p:nvPr>
-            <p:ph type="title"/>
-          </p:nvPr>
-        </p:nvSpPr>
-        <p:spPr/>
-        <p:txBody>
-          <a:bodyPr/>
-          <a:lstStyle/>
-          <a:p>
-            <a:r>
-              <a:rPr lang="en-US" b="1" dirty="0">
-                <a:solidFill>
-                  <a:srgbClr val="2D2DB9"/>
-                </a:solidFill>
-              </a:rPr>
-              <a:t>Exercise</a:t>
-            </a:r>
-          </a:p>
-        </p:txBody>
-      </p:sp>
-      <p:sp>
-        <p:nvSpPr>
-          <p:cNvPr id="3" name="Content Placeholder 2"/>
-          <p:cNvSpPr>
-            <a:spLocks noGrp="1"/>
-          </p:cNvSpPr>
-          <p:nvPr>
-            <p:ph idx="1"/>
-          </p:nvPr>
-        </p:nvSpPr>
-        <p:spPr/>
-        <p:txBody>
-          <a:bodyPr>
-            <a:normAutofit/>
-          </a:bodyPr>
-          <a:lstStyle/>
-          <a:p>
-            <a:r>
-              <a:rPr lang="en-US" dirty="0"/>
-              <a:t>Open ch08_ex1_TipCalcualtor</a:t>
-            </a:r>
-          </a:p>
-          <a:p>
-            <a:r>
-              <a:rPr lang="en-US" dirty="0"/>
-              <a:t>Put breakpoints in </a:t>
-            </a:r>
-            <a:r>
-              <a:rPr lang="en-US" dirty="0" err="1"/>
-              <a:t>onCreate</a:t>
-            </a:r>
-            <a:r>
-              <a:rPr lang="en-US" dirty="0"/>
-              <a:t> of both the </a:t>
-            </a:r>
-            <a:r>
-              <a:rPr lang="en-US" dirty="0" err="1"/>
-              <a:t>SettingsActivity</a:t>
-            </a:r>
-            <a:r>
-              <a:rPr lang="en-US" dirty="0"/>
-              <a:t> and the </a:t>
-            </a:r>
-            <a:r>
-              <a:rPr lang="en-US" dirty="0" err="1"/>
-              <a:t>SettingsFragment</a:t>
-            </a:r>
-            <a:endParaRPr lang="en-US" dirty="0"/>
-          </a:p>
-          <a:p>
-            <a:r>
-              <a:rPr lang="en-US" dirty="0"/>
-              <a:t>Run the app and see when the breakpoints are hit</a:t>
-            </a:r>
-          </a:p>
-          <a:p>
-            <a:pPr lvl="1"/>
-            <a:endParaRPr lang="en-US" dirty="0"/>
-          </a:p>
-          <a:p>
-            <a:endParaRPr lang="en-US" dirty="0"/>
-          </a:p>
-          <a:p>
-            <a:endParaRPr lang="en-US" dirty="0"/>
-          </a:p>
-        </p:txBody>
-      </p:sp>
-    </p:spTree>
-    <p:extLst>
-      <p:ext uri="{BB962C8B-B14F-4D97-AF65-F5344CB8AC3E}">
-        <p14:creationId xmlns:p14="http://schemas.microsoft.com/office/powerpoint/2010/main" val="1621679404"/>
-      </p:ext>
-    </p:extLst>
-  </p:cSld>
-  <p:clrMapOvr>
-    <a:masterClrMapping/>
-  </p:clrMapOvr>
-</p:sld>
-</file>
-
-<file path=ppt/slides/slide36.xml><?xml version="1.0" encoding="utf-8"?>
-<p:sld xmlns:a="http://schemas.openxmlformats.org/drawingml/2006/main" xmlns:r="http://schemas.openxmlformats.org/officeDocument/2006/relationships" xmlns:p="http://schemas.openxmlformats.org/presentationml/2006/main">
-  <p:cSld>
-    <p:spTree>
-      <p:nvGrpSpPr>
-        <p:cNvPr id="1" name=""/>
-        <p:cNvGrpSpPr/>
-        <p:nvPr/>
-      </p:nvGrpSpPr>
-      <p:grpSpPr>
-        <a:xfrm>
-          <a:off x="0" y="0"/>
-          <a:ext cx="0" cy="0"/>
-          <a:chOff x="0" y="0"/>
-          <a:chExt cx="0" cy="0"/>
-        </a:xfrm>
-      </p:grpSpPr>
-      <p:sp>
-        <p:nvSpPr>
-          <p:cNvPr id="2" name="Date Placeholder 1"/>
-          <p:cNvSpPr>
-            <a:spLocks noGrp="1"/>
-          </p:cNvSpPr>
-          <p:nvPr/>
-        </p:nvSpPr>
-        <p:spPr bwMode="auto">
-          <a:xfrm>
-            <a:off x="723900" y="5980113"/>
-            <a:ext cx="1981200" cy="457200"/>
-          </a:xfrm>
-          <a:prstGeom prst="rect">
-            <a:avLst/>
-          </a:prstGeom>
-          <a:noFill/>
-          <a:ln>
-            <a:miter lim="800000"/>
-            <a:headEnd/>
-            <a:tailEnd/>
-          </a:ln>
-        </p:spPr>
-        <p:txBody>
-          <a:bodyPr vert="horz" wrap="square" lIns="91440" tIns="45720" rIns="91440" bIns="45720" numCol="1" anchor="b" anchorCtr="0" compatLnSpc="1">
-            <a:prstTxWarp prst="textNoShape">
-              <a:avLst/>
-            </a:prstTxWarp>
-          </a:bodyPr>
-          <a:lstStyle>
-            <a:defPPr>
-              <a:defRPr lang="en-US"/>
-            </a:defPPr>
-            <a:lvl1pPr algn="l" rtl="0" eaLnBrk="0" fontAlgn="base" hangingPunct="0">
-              <a:spcBef>
-                <a:spcPct val="0"/>
-              </a:spcBef>
-              <a:spcAft>
-                <a:spcPct val="0"/>
-              </a:spcAft>
-              <a:defRPr sz="900" kern="1200">
-                <a:solidFill>
-                  <a:schemeClr val="tx1"/>
-                </a:solidFill>
-                <a:latin typeface="Arial Narrow" pitchFamily="34" charset="0"/>
-                <a:ea typeface="+mn-ea"/>
-                <a:cs typeface="+mn-cs"/>
-              </a:defRPr>
-            </a:lvl1pPr>
-            <a:lvl2pPr marL="457200" algn="l" rtl="0" eaLnBrk="0" fontAlgn="base" hangingPunct="0">
-              <a:spcBef>
-                <a:spcPct val="0"/>
-              </a:spcBef>
-              <a:spcAft>
-                <a:spcPct val="0"/>
-              </a:spcAft>
-              <a:defRPr sz="2400" kern="1200">
-                <a:solidFill>
-                  <a:schemeClr val="tx1"/>
-                </a:solidFill>
-                <a:latin typeface="Times New Roman"/>
-                <a:ea typeface="+mn-ea"/>
-                <a:cs typeface="+mn-cs"/>
-              </a:defRPr>
-            </a:lvl2pPr>
-            <a:lvl3pPr marL="914400" algn="l" rtl="0" eaLnBrk="0" fontAlgn="base" hangingPunct="0">
-              <a:spcBef>
-                <a:spcPct val="0"/>
-              </a:spcBef>
-              <a:spcAft>
-                <a:spcPct val="0"/>
-              </a:spcAft>
-              <a:defRPr sz="2400" kern="1200">
-                <a:solidFill>
-                  <a:schemeClr val="tx1"/>
-                </a:solidFill>
-                <a:latin typeface="Times New Roman"/>
-                <a:ea typeface="+mn-ea"/>
-                <a:cs typeface="+mn-cs"/>
-              </a:defRPr>
-            </a:lvl3pPr>
-            <a:lvl4pPr marL="1371600" algn="l" rtl="0" eaLnBrk="0" fontAlgn="base" hangingPunct="0">
-              <a:spcBef>
-                <a:spcPct val="0"/>
-              </a:spcBef>
-              <a:spcAft>
-                <a:spcPct val="0"/>
-              </a:spcAft>
-              <a:defRPr sz="2400" kern="1200">
-                <a:solidFill>
-                  <a:schemeClr val="tx1"/>
-                </a:solidFill>
-                <a:latin typeface="Times New Roman"/>
-                <a:ea typeface="+mn-ea"/>
-                <a:cs typeface="+mn-cs"/>
-              </a:defRPr>
-            </a:lvl4pPr>
-            <a:lvl5pPr marL="1828800" algn="l" rtl="0" eaLnBrk="0" fontAlgn="base" hangingPunct="0">
-              <a:spcBef>
-                <a:spcPct val="0"/>
-              </a:spcBef>
-              <a:spcAft>
-                <a:spcPct val="0"/>
-              </a:spcAft>
-              <a:defRPr sz="2400" kern="1200">
-                <a:solidFill>
-                  <a:schemeClr val="tx1"/>
-                </a:solidFill>
-                <a:latin typeface="Times New Roman"/>
-                <a:ea typeface="+mn-ea"/>
-                <a:cs typeface="+mn-cs"/>
-              </a:defRPr>
-            </a:lvl5pPr>
-            <a:lvl6pPr marL="2286000" algn="l" defTabSz="914400" rtl="0" eaLnBrk="1" latinLnBrk="0" hangingPunct="1">
-              <a:defRPr sz="2400" kern="1200">
-                <a:solidFill>
-                  <a:schemeClr val="tx1"/>
-                </a:solidFill>
-                <a:latin typeface="Times New Roman"/>
-                <a:ea typeface="+mn-ea"/>
-                <a:cs typeface="+mn-cs"/>
-              </a:defRPr>
-            </a:lvl6pPr>
-            <a:lvl7pPr marL="2743200" algn="l" defTabSz="914400" rtl="0" eaLnBrk="1" latinLnBrk="0" hangingPunct="1">
-              <a:defRPr sz="2400" kern="1200">
-                <a:solidFill>
-                  <a:schemeClr val="tx1"/>
-                </a:solidFill>
-                <a:latin typeface="Times New Roman"/>
-                <a:ea typeface="+mn-ea"/>
-                <a:cs typeface="+mn-cs"/>
-              </a:defRPr>
-            </a:lvl7pPr>
-            <a:lvl8pPr marL="3200400" algn="l" defTabSz="914400" rtl="0" eaLnBrk="1" latinLnBrk="0" hangingPunct="1">
-              <a:defRPr sz="2400" kern="1200">
-                <a:solidFill>
-                  <a:schemeClr val="tx1"/>
-                </a:solidFill>
-                <a:latin typeface="Times New Roman"/>
-                <a:ea typeface="+mn-ea"/>
-                <a:cs typeface="+mn-cs"/>
-              </a:defRPr>
-            </a:lvl8pPr>
-            <a:lvl9pPr marL="3657600" algn="l" defTabSz="914400" rtl="0" eaLnBrk="1" latinLnBrk="0" hangingPunct="1">
-              <a:defRPr sz="2400" kern="1200">
-                <a:solidFill>
-                  <a:schemeClr val="tx1"/>
-                </a:solidFill>
-                <a:latin typeface="Times New Roman"/>
-                <a:ea typeface="+mn-ea"/>
-                <a:cs typeface="+mn-cs"/>
-              </a:defRPr>
-            </a:lvl9pPr>
-          </a:lstStyle>
-          <a:p>
-            <a:pPr>
-              <a:defRPr/>
-            </a:pPr>
-            <a:r>
-              <a:rPr lang="en-US"/>
-              <a:t>Murach's Android Programming, C8</a:t>
-            </a:r>
-          </a:p>
-        </p:txBody>
-      </p:sp>
-      <p:sp>
-        <p:nvSpPr>
-          <p:cNvPr id="3" name="Footer Placeholder 2"/>
-          <p:cNvSpPr>
-            <a:spLocks noGrp="1"/>
-          </p:cNvSpPr>
-          <p:nvPr/>
-        </p:nvSpPr>
-        <p:spPr bwMode="auto">
-          <a:xfrm>
-            <a:off x="2857500" y="5980113"/>
-            <a:ext cx="3352800" cy="457200"/>
-          </a:xfrm>
-          <a:prstGeom prst="rect">
-            <a:avLst/>
-          </a:prstGeom>
-          <a:noFill/>
-          <a:ln>
-            <a:miter lim="800000"/>
-            <a:headEnd/>
-            <a:tailEnd/>
-          </a:ln>
-        </p:spPr>
-        <p:txBody>
-          <a:bodyPr vert="horz" wrap="square" lIns="91440" tIns="45720" rIns="91440" bIns="45720" numCol="1" anchor="b" anchorCtr="0" compatLnSpc="1">
-            <a:prstTxWarp prst="textNoShape">
-              <a:avLst/>
-            </a:prstTxWarp>
-          </a:bodyPr>
-          <a:lstStyle>
-            <a:defPPr>
-              <a:defRPr lang="en-US"/>
-            </a:defPPr>
-            <a:lvl1pPr algn="ctr" rtl="0" eaLnBrk="0" fontAlgn="base" hangingPunct="0">
-              <a:spcBef>
-                <a:spcPct val="0"/>
-              </a:spcBef>
-              <a:spcAft>
-                <a:spcPct val="0"/>
-              </a:spcAft>
-              <a:defRPr sz="900" kern="1200">
-                <a:solidFill>
-                  <a:schemeClr val="tx1"/>
-                </a:solidFill>
-                <a:latin typeface="Arial Narrow" pitchFamily="34" charset="0"/>
-                <a:ea typeface="+mn-ea"/>
-                <a:cs typeface="+mn-cs"/>
-              </a:defRPr>
-            </a:lvl1pPr>
-            <a:lvl2pPr marL="457200" algn="l" rtl="0" eaLnBrk="0" fontAlgn="base" hangingPunct="0">
-              <a:spcBef>
-                <a:spcPct val="0"/>
-              </a:spcBef>
-              <a:spcAft>
-                <a:spcPct val="0"/>
-              </a:spcAft>
-              <a:defRPr sz="2400" kern="1200">
-                <a:solidFill>
-                  <a:schemeClr val="tx1"/>
-                </a:solidFill>
-                <a:latin typeface="Times New Roman"/>
-                <a:ea typeface="+mn-ea"/>
-                <a:cs typeface="+mn-cs"/>
-              </a:defRPr>
-            </a:lvl2pPr>
-            <a:lvl3pPr marL="914400" algn="l" rtl="0" eaLnBrk="0" fontAlgn="base" hangingPunct="0">
-              <a:spcBef>
-                <a:spcPct val="0"/>
-              </a:spcBef>
-              <a:spcAft>
-                <a:spcPct val="0"/>
-              </a:spcAft>
-              <a:defRPr sz="2400" kern="1200">
-                <a:solidFill>
-                  <a:schemeClr val="tx1"/>
-                </a:solidFill>
-                <a:latin typeface="Times New Roman"/>
-                <a:ea typeface="+mn-ea"/>
-                <a:cs typeface="+mn-cs"/>
-              </a:defRPr>
-            </a:lvl3pPr>
-            <a:lvl4pPr marL="1371600" algn="l" rtl="0" eaLnBrk="0" fontAlgn="base" hangingPunct="0">
-              <a:spcBef>
-                <a:spcPct val="0"/>
-              </a:spcBef>
-              <a:spcAft>
-                <a:spcPct val="0"/>
-              </a:spcAft>
-              <a:defRPr sz="2400" kern="1200">
-                <a:solidFill>
-                  <a:schemeClr val="tx1"/>
-                </a:solidFill>
-                <a:latin typeface="Times New Roman"/>
-                <a:ea typeface="+mn-ea"/>
-                <a:cs typeface="+mn-cs"/>
-              </a:defRPr>
-            </a:lvl4pPr>
-            <a:lvl5pPr marL="1828800" algn="l" rtl="0" eaLnBrk="0" fontAlgn="base" hangingPunct="0">
-              <a:spcBef>
-                <a:spcPct val="0"/>
-              </a:spcBef>
-              <a:spcAft>
-                <a:spcPct val="0"/>
-              </a:spcAft>
-              <a:defRPr sz="2400" kern="1200">
-                <a:solidFill>
-                  <a:schemeClr val="tx1"/>
-                </a:solidFill>
-                <a:latin typeface="Times New Roman"/>
-                <a:ea typeface="+mn-ea"/>
-                <a:cs typeface="+mn-cs"/>
-              </a:defRPr>
-            </a:lvl5pPr>
-            <a:lvl6pPr marL="2286000" algn="l" defTabSz="914400" rtl="0" eaLnBrk="1" latinLnBrk="0" hangingPunct="1">
-              <a:defRPr sz="2400" kern="1200">
-                <a:solidFill>
-                  <a:schemeClr val="tx1"/>
-                </a:solidFill>
-                <a:latin typeface="Times New Roman"/>
-                <a:ea typeface="+mn-ea"/>
-                <a:cs typeface="+mn-cs"/>
-              </a:defRPr>
-            </a:lvl6pPr>
-            <a:lvl7pPr marL="2743200" algn="l" defTabSz="914400" rtl="0" eaLnBrk="1" latinLnBrk="0" hangingPunct="1">
-              <a:defRPr sz="2400" kern="1200">
-                <a:solidFill>
-                  <a:schemeClr val="tx1"/>
-                </a:solidFill>
-                <a:latin typeface="Times New Roman"/>
-                <a:ea typeface="+mn-ea"/>
-                <a:cs typeface="+mn-cs"/>
-              </a:defRPr>
-            </a:lvl7pPr>
-            <a:lvl8pPr marL="3200400" algn="l" defTabSz="914400" rtl="0" eaLnBrk="1" latinLnBrk="0" hangingPunct="1">
-              <a:defRPr sz="2400" kern="1200">
-                <a:solidFill>
-                  <a:schemeClr val="tx1"/>
-                </a:solidFill>
-                <a:latin typeface="Times New Roman"/>
-                <a:ea typeface="+mn-ea"/>
-                <a:cs typeface="+mn-cs"/>
-              </a:defRPr>
-            </a:lvl8pPr>
-            <a:lvl9pPr marL="3657600" algn="l" defTabSz="914400" rtl="0" eaLnBrk="1" latinLnBrk="0" hangingPunct="1">
-              <a:defRPr sz="2400" kern="1200">
-                <a:solidFill>
-                  <a:schemeClr val="tx1"/>
-                </a:solidFill>
-                <a:latin typeface="Times New Roman"/>
-                <a:ea typeface="+mn-ea"/>
-                <a:cs typeface="+mn-cs"/>
-              </a:defRPr>
-            </a:lvl9pPr>
-          </a:lstStyle>
-          <a:p>
-            <a:pPr>
-              <a:defRPr/>
-            </a:pPr>
-            <a:r>
-              <a:rPr lang="en-US" dirty="0"/>
-              <a:t>© 2015, Mike Murach &amp; Associates, Inc.</a:t>
-            </a:r>
-          </a:p>
-        </p:txBody>
-      </p:sp>
-      <p:sp>
-        <p:nvSpPr>
-          <p:cNvPr id="4" name="Slide Number Placeholder 3"/>
-          <p:cNvSpPr>
-            <a:spLocks noGrp="1"/>
-          </p:cNvSpPr>
-          <p:nvPr/>
-        </p:nvSpPr>
-        <p:spPr bwMode="auto">
-          <a:xfrm>
-            <a:off x="6515100" y="5980113"/>
-            <a:ext cx="1905000" cy="457200"/>
-          </a:xfrm>
-          <a:prstGeom prst="rect">
-            <a:avLst/>
-          </a:prstGeom>
-          <a:noFill/>
-          <a:ln>
-            <a:miter lim="800000"/>
-            <a:headEnd/>
-            <a:tailEnd/>
-          </a:ln>
-        </p:spPr>
-        <p:txBody>
-          <a:bodyPr vert="horz" wrap="square" lIns="91440" tIns="45720" rIns="91440" bIns="45720" numCol="1" anchor="b" anchorCtr="0" compatLnSpc="1">
-            <a:prstTxWarp prst="textNoShape">
-              <a:avLst/>
-            </a:prstTxWarp>
-          </a:bodyPr>
-          <a:lstStyle>
-            <a:defPPr>
-              <a:defRPr lang="en-US"/>
-            </a:defPPr>
-            <a:lvl1pPr algn="l" rtl="0" eaLnBrk="0" fontAlgn="base" hangingPunct="0">
-              <a:spcBef>
-                <a:spcPct val="0"/>
-              </a:spcBef>
-              <a:spcAft>
-                <a:spcPct val="0"/>
-              </a:spcAft>
-              <a:defRPr sz="1400" kern="1200">
-                <a:solidFill>
-                  <a:schemeClr val="tx1"/>
-                </a:solidFill>
-                <a:latin typeface="Times New Roman"/>
-                <a:ea typeface="+mn-ea"/>
-                <a:cs typeface="+mn-cs"/>
-              </a:defRPr>
-            </a:lvl1pPr>
-            <a:lvl2pPr marL="457200" algn="l" rtl="0" eaLnBrk="0" fontAlgn="base" hangingPunct="0">
-              <a:spcBef>
-                <a:spcPct val="0"/>
-              </a:spcBef>
-              <a:spcAft>
-                <a:spcPct val="0"/>
-              </a:spcAft>
-              <a:defRPr sz="2400" kern="1200">
-                <a:solidFill>
-                  <a:schemeClr val="tx1"/>
-                </a:solidFill>
-                <a:latin typeface="Times New Roman"/>
-                <a:ea typeface="+mn-ea"/>
-                <a:cs typeface="+mn-cs"/>
-              </a:defRPr>
-            </a:lvl2pPr>
-            <a:lvl3pPr marL="914400" algn="l" rtl="0" eaLnBrk="0" fontAlgn="base" hangingPunct="0">
-              <a:spcBef>
-                <a:spcPct val="0"/>
-              </a:spcBef>
-              <a:spcAft>
-                <a:spcPct val="0"/>
-              </a:spcAft>
-              <a:defRPr sz="2400" kern="1200">
-                <a:solidFill>
-                  <a:schemeClr val="tx1"/>
-                </a:solidFill>
-                <a:latin typeface="Times New Roman"/>
-                <a:ea typeface="+mn-ea"/>
-                <a:cs typeface="+mn-cs"/>
-              </a:defRPr>
-            </a:lvl3pPr>
-            <a:lvl4pPr marL="1371600" algn="l" rtl="0" eaLnBrk="0" fontAlgn="base" hangingPunct="0">
-              <a:spcBef>
-                <a:spcPct val="0"/>
-              </a:spcBef>
-              <a:spcAft>
-                <a:spcPct val="0"/>
-              </a:spcAft>
-              <a:defRPr sz="2400" kern="1200">
-                <a:solidFill>
-                  <a:schemeClr val="tx1"/>
-                </a:solidFill>
-                <a:latin typeface="Times New Roman"/>
-                <a:ea typeface="+mn-ea"/>
-                <a:cs typeface="+mn-cs"/>
-              </a:defRPr>
-            </a:lvl4pPr>
-            <a:lvl5pPr marL="1828800" algn="l" rtl="0" eaLnBrk="0" fontAlgn="base" hangingPunct="0">
-              <a:spcBef>
-                <a:spcPct val="0"/>
-              </a:spcBef>
-              <a:spcAft>
-                <a:spcPct val="0"/>
-              </a:spcAft>
-              <a:defRPr sz="2400" kern="1200">
-                <a:solidFill>
-                  <a:schemeClr val="tx1"/>
-                </a:solidFill>
-                <a:latin typeface="Times New Roman"/>
-                <a:ea typeface="+mn-ea"/>
-                <a:cs typeface="+mn-cs"/>
-              </a:defRPr>
-            </a:lvl5pPr>
-            <a:lvl6pPr marL="2286000" algn="l" defTabSz="914400" rtl="0" eaLnBrk="1" latinLnBrk="0" hangingPunct="1">
-              <a:defRPr sz="2400" kern="1200">
-                <a:solidFill>
-                  <a:schemeClr val="tx1"/>
-                </a:solidFill>
-                <a:latin typeface="Times New Roman"/>
-                <a:ea typeface="+mn-ea"/>
-                <a:cs typeface="+mn-cs"/>
-              </a:defRPr>
-            </a:lvl6pPr>
-            <a:lvl7pPr marL="2743200" algn="l" defTabSz="914400" rtl="0" eaLnBrk="1" latinLnBrk="0" hangingPunct="1">
-              <a:defRPr sz="2400" kern="1200">
-                <a:solidFill>
-                  <a:schemeClr val="tx1"/>
-                </a:solidFill>
-                <a:latin typeface="Times New Roman"/>
-                <a:ea typeface="+mn-ea"/>
-                <a:cs typeface="+mn-cs"/>
-              </a:defRPr>
-            </a:lvl7pPr>
-            <a:lvl8pPr marL="3200400" algn="l" defTabSz="914400" rtl="0" eaLnBrk="1" latinLnBrk="0" hangingPunct="1">
-              <a:defRPr sz="2400" kern="1200">
-                <a:solidFill>
-                  <a:schemeClr val="tx1"/>
-                </a:solidFill>
-                <a:latin typeface="Times New Roman"/>
-                <a:ea typeface="+mn-ea"/>
-                <a:cs typeface="+mn-cs"/>
-              </a:defRPr>
-            </a:lvl8pPr>
-            <a:lvl9pPr marL="3657600" algn="l" defTabSz="914400" rtl="0" eaLnBrk="1" latinLnBrk="0" hangingPunct="1">
-              <a:defRPr sz="2400" kern="1200">
-                <a:solidFill>
-                  <a:schemeClr val="tx1"/>
-                </a:solidFill>
-                <a:latin typeface="Times New Roman"/>
-                <a:ea typeface="+mn-ea"/>
-                <a:cs typeface="+mn-cs"/>
-              </a:defRPr>
-            </a:lvl9pPr>
-          </a:lstStyle>
-          <a:p>
-            <a:pPr>
-              <a:defRPr/>
-            </a:pPr>
-            <a:endParaRPr lang="en-US"/>
-          </a:p>
-          <a:p>
-            <a:pPr algn="r">
-              <a:defRPr/>
-            </a:pPr>
-            <a:r>
-              <a:rPr lang="en-US" sz="900">
-                <a:latin typeface="Arial Narrow" pitchFamily="34" charset="0"/>
-              </a:rPr>
-              <a:t>Slide </a:t>
-            </a:r>
-            <a:fld id="{5ECE9829-65B2-40C6-AEFF-7C648FF56A9C}" type="slidenum">
-              <a:rPr lang="en-US" sz="900" smtClean="0">
-                <a:latin typeface="Arial Narrow" pitchFamily="34" charset="0"/>
-              </a:rPr>
-              <a:pPr algn="r">
-                <a:defRPr/>
-              </a:pPr>
-              <a:t>36</a:t>
+              <a:t>35</a:t>
             </a:fld>
             <a:endParaRPr lang="en-US" sz="900">
               <a:latin typeface="Arial Narrow" pitchFamily="34" charset="0"/>
@@ -13085,7 +12107,7 @@
 </p:sld>
 </file>
 
-<file path=ppt/slides/slide37.xml><?xml version="1.0" encoding="utf-8"?>
+<file path=ppt/slides/slide36.xml><?xml version="1.0" encoding="utf-8"?>
 <p:sld xmlns:a="http://schemas.openxmlformats.org/drawingml/2006/main" xmlns:r="http://schemas.openxmlformats.org/officeDocument/2006/relationships" xmlns:p="http://schemas.openxmlformats.org/presentationml/2006/main">
   <p:cSld>
     <p:spTree>
@@ -13609,7 +12631,7 @@
               <a:pPr algn="r">
                 <a:defRPr/>
               </a:pPr>
-              <a:t>37</a:t>
+              <a:t>36</a:t>
             </a:fld>
             <a:endParaRPr lang="en-US" sz="900">
               <a:latin typeface="Arial Narrow" pitchFamily="34" charset="0"/>
@@ -13652,7 +12674,7 @@
 </p:sld>
 </file>
 
-<file path=ppt/slides/slide38.xml><?xml version="1.0" encoding="utf-8"?>
+<file path=ppt/slides/slide37.xml><?xml version="1.0" encoding="utf-8"?>
 <p:sld xmlns:a="http://schemas.openxmlformats.org/drawingml/2006/main" xmlns:r="http://schemas.openxmlformats.org/officeDocument/2006/relationships" xmlns:p="http://schemas.openxmlformats.org/presentationml/2006/main">
   <p:cSld>
     <p:spTree>
@@ -14176,7 +13198,7 @@
               <a:pPr algn="r">
                 <a:defRPr/>
               </a:pPr>
-              <a:t>38</a:t>
+              <a:t>37</a:t>
             </a:fld>
             <a:endParaRPr lang="en-US" sz="900">
               <a:latin typeface="Arial Narrow" pitchFamily="34" charset="0"/>
@@ -14219,7 +13241,7 @@
 </p:sld>
 </file>
 
-<file path=ppt/slides/slide39.xml><?xml version="1.0" encoding="utf-8"?>
+<file path=ppt/slides/slide38.xml><?xml version="1.0" encoding="utf-8"?>
 <p:sld xmlns:a="http://schemas.openxmlformats.org/drawingml/2006/main" xmlns:r="http://schemas.openxmlformats.org/officeDocument/2006/relationships" xmlns:p="http://schemas.openxmlformats.org/presentationml/2006/main">
   <p:cSld>
     <p:spTree>
@@ -14743,7 +13765,7 @@
               <a:pPr algn="r">
                 <a:defRPr/>
               </a:pPr>
-              <a:t>39</a:t>
+              <a:t>38</a:t>
             </a:fld>
             <a:endParaRPr lang="en-US" sz="900">
               <a:latin typeface="Arial Narrow" pitchFamily="34" charset="0"/>
@@ -14814,7 +13836,7 @@
 </p:sld>
 </file>
 
-<file path=ppt/slides/slide4.xml><?xml version="1.0" encoding="utf-8"?>
+<file path=ppt/slides/slide39.xml><?xml version="1.0" encoding="utf-8"?>
 <p:sld xmlns:a="http://schemas.openxmlformats.org/drawingml/2006/main" xmlns:r="http://schemas.openxmlformats.org/officeDocument/2006/relationships" xmlns:p="http://schemas.openxmlformats.org/presentationml/2006/main">
   <p:cSld>
     <p:spTree>
@@ -14833,126 +13855,6 @@
       </p:grpSpPr>
       <p:sp>
         <p:nvSpPr>
-          <p:cNvPr id="2" name="Title 1"/>
-          <p:cNvSpPr>
-            <a:spLocks noGrp="1"/>
-          </p:cNvSpPr>
-          <p:nvPr>
-            <p:ph type="title"/>
-          </p:nvPr>
-        </p:nvSpPr>
-        <p:spPr/>
-        <p:txBody>
-          <a:bodyPr/>
-          <a:lstStyle/>
-          <a:p>
-            <a:r>
-              <a:rPr lang="en-US" dirty="0">
-                <a:solidFill>
-                  <a:srgbClr val="2D2DB9"/>
-                </a:solidFill>
-              </a:rPr>
-              <a:t>Types of Menus</a:t>
-            </a:r>
-          </a:p>
-        </p:txBody>
-      </p:sp>
-      <p:sp>
-        <p:nvSpPr>
-          <p:cNvPr id="5" name="Content Placeholder 4"/>
-          <p:cNvSpPr>
-            <a:spLocks noGrp="1"/>
-          </p:cNvSpPr>
-          <p:nvPr>
-            <p:ph idx="1"/>
-          </p:nvPr>
-        </p:nvSpPr>
-        <p:spPr/>
-        <p:txBody>
-          <a:bodyPr>
-            <a:normAutofit fontScale="85000" lnSpcReduction="10000"/>
-          </a:bodyPr>
-          <a:lstStyle/>
-          <a:p>
-            <a:r>
-              <a:rPr lang="en-US" dirty="0"/>
-              <a:t>Options menu and app bar</a:t>
-            </a:r>
-          </a:p>
-          <a:p>
-            <a:pPr lvl="1"/>
-            <a:r>
-              <a:rPr lang="en-US" dirty="0"/>
-              <a:t>The primary collection of menu items for an activity. It's the place for actions that affect the entire app.</a:t>
-            </a:r>
-          </a:p>
-          <a:p>
-            <a:r>
-              <a:rPr lang="en-US" dirty="0"/>
-              <a:t>Context menu and contextual action mode</a:t>
-            </a:r>
-          </a:p>
-          <a:p>
-            <a:pPr lvl="1"/>
-            <a:r>
-              <a:rPr lang="en-US" dirty="0"/>
-              <a:t>A context menu is a floating menu that appears when the user performs a long-click (long press) on an element.</a:t>
-            </a:r>
-          </a:p>
-          <a:p>
-            <a:pPr lvl="1"/>
-            <a:r>
-              <a:rPr lang="en-US" dirty="0"/>
-              <a:t>Contextual action mode displays action items that affect the selected content in a bar at the top of the screen.</a:t>
-            </a:r>
-          </a:p>
-          <a:p>
-            <a:r>
-              <a:rPr lang="en-US" dirty="0"/>
-              <a:t>Popup menu</a:t>
-            </a:r>
-          </a:p>
-          <a:p>
-            <a:pPr lvl="1"/>
-            <a:r>
-              <a:rPr lang="en-US" dirty="0"/>
-              <a:t>Displays a list of items in a vertical list that's anchored to the view that invoked the menu.</a:t>
-            </a:r>
-          </a:p>
-        </p:txBody>
-      </p:sp>
-    </p:spTree>
-    <p:extLst>
-      <p:ext uri="{BB962C8B-B14F-4D97-AF65-F5344CB8AC3E}">
-        <p14:creationId xmlns:p14="http://schemas.microsoft.com/office/powerpoint/2010/main" val="3030432587"/>
-      </p:ext>
-    </p:extLst>
-  </p:cSld>
-  <p:clrMapOvr>
-    <a:masterClrMapping/>
-  </p:clrMapOvr>
-</p:sld>
-</file>
-
-<file path=ppt/slides/slide40.xml><?xml version="1.0" encoding="utf-8"?>
-<p:sld xmlns:a="http://schemas.openxmlformats.org/drawingml/2006/main" xmlns:r="http://schemas.openxmlformats.org/officeDocument/2006/relationships" xmlns:p="http://schemas.openxmlformats.org/presentationml/2006/main">
-  <p:cSld>
-    <p:spTree>
-      <p:nvGrpSpPr>
-        <p:cNvPr id="1" name=""/>
-        <p:cNvGrpSpPr/>
-        <p:nvPr/>
-      </p:nvGrpSpPr>
-      <p:grpSpPr>
-        <a:xfrm>
-          <a:off x="0" y="0"/>
-          <a:ext cx="0" cy="0"/>
-          <a:chOff x="0" y="0"/>
-          <a:chExt cx="0" cy="0"/>
-        </a:xfrm>
-      </p:grpSpPr>
-      <p:sp>
-        <p:nvSpPr>
           <p:cNvPr id="2" name="Date Placeholder 1"/>
           <p:cNvSpPr>
             <a:spLocks noGrp="1"/>
@@ -15458,7 +14360,7 @@
               <a:pPr algn="r">
                 <a:defRPr/>
               </a:pPr>
-              <a:t>40</a:t>
+              <a:t>39</a:t>
             </a:fld>
             <a:endParaRPr lang="en-US" sz="900">
               <a:latin typeface="Arial Narrow" pitchFamily="34" charset="0"/>
@@ -15501,176 +14403,7 @@
 </p:sld>
 </file>
 
-<file path=ppt/slides/slide41.xml><?xml version="1.0" encoding="utf-8"?>
-<p:sld xmlns:a="http://schemas.openxmlformats.org/drawingml/2006/main" xmlns:r="http://schemas.openxmlformats.org/officeDocument/2006/relationships" xmlns:p="http://schemas.openxmlformats.org/presentationml/2006/main">
-  <p:cSld>
-    <p:bg>
-      <p:bgPr>
-        <a:gradFill flip="none" rotWithShape="1">
-          <a:gsLst>
-            <a:gs pos="100000">
-              <a:schemeClr val="bg2">
-                <a:lumMod val="50000"/>
-              </a:schemeClr>
-            </a:gs>
-            <a:gs pos="73000">
-              <a:schemeClr val="bg2">
-                <a:lumMod val="50000"/>
-                <a:alpha val="22000"/>
-              </a:schemeClr>
-            </a:gs>
-          </a:gsLst>
-          <a:lin ang="5400000" scaled="0"/>
-          <a:tileRect/>
-        </a:gradFill>
-        <a:effectLst/>
-      </p:bgPr>
-    </p:bg>
-    <p:spTree>
-      <p:nvGrpSpPr>
-        <p:cNvPr id="1" name=""/>
-        <p:cNvGrpSpPr/>
-        <p:nvPr/>
-      </p:nvGrpSpPr>
-      <p:grpSpPr>
-        <a:xfrm>
-          <a:off x="0" y="0"/>
-          <a:ext cx="0" cy="0"/>
-          <a:chOff x="0" y="0"/>
-          <a:chExt cx="0" cy="0"/>
-        </a:xfrm>
-      </p:grpSpPr>
-      <p:sp>
-        <p:nvSpPr>
-          <p:cNvPr id="2" name="Title 1"/>
-          <p:cNvSpPr>
-            <a:spLocks noGrp="1"/>
-          </p:cNvSpPr>
-          <p:nvPr>
-            <p:ph type="title"/>
-          </p:nvPr>
-        </p:nvSpPr>
-        <p:spPr/>
-        <p:txBody>
-          <a:bodyPr/>
-          <a:lstStyle/>
-          <a:p>
-            <a:r>
-              <a:rPr lang="en-US" b="1" dirty="0">
-                <a:solidFill>
-                  <a:srgbClr val="2D2DB9"/>
-                </a:solidFill>
-              </a:rPr>
-              <a:t>Textbook Exercise</a:t>
-            </a:r>
-          </a:p>
-        </p:txBody>
-      </p:sp>
-      <p:sp>
-        <p:nvSpPr>
-          <p:cNvPr id="3" name="Content Placeholder 2"/>
-          <p:cNvSpPr>
-            <a:spLocks noGrp="1"/>
-          </p:cNvSpPr>
-          <p:nvPr>
-            <p:ph idx="1"/>
-          </p:nvPr>
-        </p:nvSpPr>
-        <p:spPr/>
-        <p:txBody>
-          <a:bodyPr>
-            <a:normAutofit fontScale="85000" lnSpcReduction="10000"/>
-          </a:bodyPr>
-          <a:lstStyle/>
-          <a:p>
-            <a:pPr marL="0" indent="0">
-              <a:buNone/>
-            </a:pPr>
-            <a:r>
-              <a:rPr lang="en-US" dirty="0"/>
-              <a:t>Do Exercise 8-3, Work with Preferences, in the textbook</a:t>
-            </a:r>
-          </a:p>
-          <a:p>
-            <a:r>
-              <a:rPr lang="en-US" dirty="0"/>
-              <a:t>Use the exercise starter project, ch08_ex3_TipCalcualtor</a:t>
-            </a:r>
-          </a:p>
-          <a:p>
-            <a:r>
-              <a:rPr lang="en-US" dirty="0"/>
-              <a:t>Add a </a:t>
-            </a:r>
-            <a:r>
-              <a:rPr lang="en-US" dirty="0" err="1"/>
-              <a:t>ListPreference</a:t>
-            </a:r>
-            <a:r>
-              <a:rPr lang="en-US" dirty="0"/>
-              <a:t> with three default tip amounts to the menu</a:t>
-            </a:r>
-          </a:p>
-          <a:p>
-            <a:r>
-              <a:rPr lang="en-US" dirty="0"/>
-              <a:t>Add categories:</a:t>
-            </a:r>
-          </a:p>
-          <a:p>
-            <a:pPr lvl="1"/>
-            <a:r>
-              <a:rPr lang="en-US" dirty="0"/>
-              <a:t>Tip Percent</a:t>
-            </a:r>
-          </a:p>
-          <a:p>
-            <a:pPr lvl="1"/>
-            <a:r>
-              <a:rPr lang="en-US" dirty="0"/>
-              <a:t>Rounding</a:t>
-            </a:r>
-          </a:p>
-          <a:p>
-            <a:r>
-              <a:rPr lang="en-US" dirty="0"/>
-              <a:t>In the </a:t>
-            </a:r>
-            <a:r>
-              <a:rPr lang="en-US" dirty="0" err="1"/>
-              <a:t>SettingsFragment</a:t>
-            </a:r>
-            <a:r>
-              <a:rPr lang="en-US" dirty="0"/>
-              <a:t>, disable Default Tip Percent when Remember Tip Percent is unchecked</a:t>
-            </a:r>
-          </a:p>
-          <a:p>
-            <a:pPr lvl="1"/>
-            <a:endParaRPr lang="en-US" dirty="0"/>
-          </a:p>
-          <a:p>
-            <a:endParaRPr lang="en-US" dirty="0"/>
-          </a:p>
-          <a:p>
-            <a:endParaRPr lang="en-US" dirty="0"/>
-          </a:p>
-        </p:txBody>
-      </p:sp>
-    </p:spTree>
-    <p:extLst>
-      <p:ext uri="{BB962C8B-B14F-4D97-AF65-F5344CB8AC3E}">
-        <p14:creationId xmlns:p14="http://schemas.microsoft.com/office/powerpoint/2010/main" val="3584475079"/>
-      </p:ext>
-    </p:extLst>
-  </p:cSld>
-  <p:clrMapOvr>
-    <a:masterClrMapping/>
-  </p:clrMapOvr>
-</p:sld>
-</file>
-
-<file path=ppt/slides/slide5.xml><?xml version="1.0" encoding="utf-8"?>
+<file path=ppt/slides/slide4.xml><?xml version="1.0" encoding="utf-8"?>
 <p:sld xmlns:a="http://schemas.openxmlformats.org/drawingml/2006/main" xmlns:r="http://schemas.openxmlformats.org/officeDocument/2006/relationships" xmlns:p="http://schemas.openxmlformats.org/presentationml/2006/main">
   <p:cSld>
     <p:spTree>
@@ -15789,7 +14522,7 @@
               <a:pPr algn="r">
                 <a:defRPr/>
               </a:pPr>
-              <a:t>5</a:t>
+              <a:t>4</a:t>
             </a:fld>
             <a:endParaRPr lang="en-US" sz="900">
               <a:latin typeface="Arial Narrow" pitchFamily="34" charset="0"/>
@@ -15819,7 +14552,7 @@
           <a:graphicData uri="http://schemas.openxmlformats.org/presentationml/2006/ole">
             <mc:AlternateContent xmlns:mc="http://schemas.openxmlformats.org/markup-compatibility/2006">
               <mc:Choice xmlns:v="urn:schemas-microsoft-com:vml" Requires="v">
-                <p:oleObj spid="_x0000_s1110" name="Document" r:id="rId3" imgW="6965814" imgH="779723" progId="Word.Document.12">
+                <p:oleObj spid="_x0000_s1112" name="Document" r:id="rId3" imgW="6965814" imgH="779723" progId="Word.Document.12">
                   <p:embed/>
                 </p:oleObj>
               </mc:Choice>
@@ -15906,7 +14639,7 @@
           <a:graphicData uri="http://schemas.openxmlformats.org/presentationml/2006/ole">
             <mc:AlternateContent xmlns:mc="http://schemas.openxmlformats.org/markup-compatibility/2006">
               <mc:Choice xmlns:v="urn:schemas-microsoft-com:vml" Requires="v">
-                <p:oleObj spid="_x0000_s1111" name="Document" r:id="rId6" imgW="6965814" imgH="1055958" progId="Word.Document.12">
+                <p:oleObj spid="_x0000_s1113" name="Document" r:id="rId6" imgW="6965814" imgH="1055958" progId="Word.Document.12">
                   <p:embed/>
                 </p:oleObj>
               </mc:Choice>
@@ -15984,7 +14717,176 @@
 </p:sld>
 </file>
 
-<file path=ppt/slides/slide6.xml><?xml version="1.0" encoding="utf-8"?>
+<file path=ppt/slides/slide40.xml><?xml version="1.0" encoding="utf-8"?>
+<p:sld xmlns:a="http://schemas.openxmlformats.org/drawingml/2006/main" xmlns:r="http://schemas.openxmlformats.org/officeDocument/2006/relationships" xmlns:p="http://schemas.openxmlformats.org/presentationml/2006/main">
+  <p:cSld>
+    <p:bg>
+      <p:bgPr>
+        <a:gradFill flip="none" rotWithShape="1">
+          <a:gsLst>
+            <a:gs pos="100000">
+              <a:schemeClr val="bg2">
+                <a:lumMod val="50000"/>
+              </a:schemeClr>
+            </a:gs>
+            <a:gs pos="73000">
+              <a:schemeClr val="bg2">
+                <a:lumMod val="50000"/>
+                <a:alpha val="22000"/>
+              </a:schemeClr>
+            </a:gs>
+          </a:gsLst>
+          <a:lin ang="5400000" scaled="0"/>
+          <a:tileRect/>
+        </a:gradFill>
+        <a:effectLst/>
+      </p:bgPr>
+    </p:bg>
+    <p:spTree>
+      <p:nvGrpSpPr>
+        <p:cNvPr id="1" name=""/>
+        <p:cNvGrpSpPr/>
+        <p:nvPr/>
+      </p:nvGrpSpPr>
+      <p:grpSpPr>
+        <a:xfrm>
+          <a:off x="0" y="0"/>
+          <a:ext cx="0" cy="0"/>
+          <a:chOff x="0" y="0"/>
+          <a:chExt cx="0" cy="0"/>
+        </a:xfrm>
+      </p:grpSpPr>
+      <p:sp>
+        <p:nvSpPr>
+          <p:cNvPr id="2" name="Title 1"/>
+          <p:cNvSpPr>
+            <a:spLocks noGrp="1"/>
+          </p:cNvSpPr>
+          <p:nvPr>
+            <p:ph type="title"/>
+          </p:nvPr>
+        </p:nvSpPr>
+        <p:spPr/>
+        <p:txBody>
+          <a:bodyPr/>
+          <a:lstStyle/>
+          <a:p>
+            <a:r>
+              <a:rPr lang="en-US" b="1" dirty="0">
+                <a:solidFill>
+                  <a:srgbClr val="2D2DB9"/>
+                </a:solidFill>
+              </a:rPr>
+              <a:t>Textbook Exercise</a:t>
+            </a:r>
+          </a:p>
+        </p:txBody>
+      </p:sp>
+      <p:sp>
+        <p:nvSpPr>
+          <p:cNvPr id="3" name="Content Placeholder 2"/>
+          <p:cNvSpPr>
+            <a:spLocks noGrp="1"/>
+          </p:cNvSpPr>
+          <p:nvPr>
+            <p:ph idx="1"/>
+          </p:nvPr>
+        </p:nvSpPr>
+        <p:spPr/>
+        <p:txBody>
+          <a:bodyPr>
+            <a:normAutofit fontScale="85000" lnSpcReduction="10000"/>
+          </a:bodyPr>
+          <a:lstStyle/>
+          <a:p>
+            <a:pPr marL="0" indent="0">
+              <a:buNone/>
+            </a:pPr>
+            <a:r>
+              <a:rPr lang="en-US" dirty="0"/>
+              <a:t>Do Exercise 8-3, Work with Preferences, in the textbook</a:t>
+            </a:r>
+          </a:p>
+          <a:p>
+            <a:r>
+              <a:rPr lang="en-US" dirty="0"/>
+              <a:t>Use the exercise starter project, ch08_ex3_TipCalcualtor</a:t>
+            </a:r>
+          </a:p>
+          <a:p>
+            <a:r>
+              <a:rPr lang="en-US" dirty="0"/>
+              <a:t>Add a </a:t>
+            </a:r>
+            <a:r>
+              <a:rPr lang="en-US" dirty="0" err="1"/>
+              <a:t>ListPreference</a:t>
+            </a:r>
+            <a:r>
+              <a:rPr lang="en-US" dirty="0"/>
+              <a:t> with three default tip amounts to the menu</a:t>
+            </a:r>
+          </a:p>
+          <a:p>
+            <a:r>
+              <a:rPr lang="en-US" dirty="0"/>
+              <a:t>Add categories:</a:t>
+            </a:r>
+          </a:p>
+          <a:p>
+            <a:pPr lvl="1"/>
+            <a:r>
+              <a:rPr lang="en-US" dirty="0"/>
+              <a:t>Tip Percent</a:t>
+            </a:r>
+          </a:p>
+          <a:p>
+            <a:pPr lvl="1"/>
+            <a:r>
+              <a:rPr lang="en-US" dirty="0"/>
+              <a:t>Rounding</a:t>
+            </a:r>
+          </a:p>
+          <a:p>
+            <a:r>
+              <a:rPr lang="en-US" dirty="0"/>
+              <a:t>In the </a:t>
+            </a:r>
+            <a:r>
+              <a:rPr lang="en-US" dirty="0" err="1"/>
+              <a:t>SettingsFragment</a:t>
+            </a:r>
+            <a:r>
+              <a:rPr lang="en-US" dirty="0"/>
+              <a:t>, disable Default Tip Percent when Remember Tip Percent is unchecked</a:t>
+            </a:r>
+          </a:p>
+          <a:p>
+            <a:pPr lvl="1"/>
+            <a:endParaRPr lang="en-US" dirty="0"/>
+          </a:p>
+          <a:p>
+            <a:endParaRPr lang="en-US" dirty="0"/>
+          </a:p>
+          <a:p>
+            <a:endParaRPr lang="en-US" dirty="0"/>
+          </a:p>
+        </p:txBody>
+      </p:sp>
+    </p:spTree>
+    <p:extLst>
+      <p:ext uri="{BB962C8B-B14F-4D97-AF65-F5344CB8AC3E}">
+        <p14:creationId xmlns:p14="http://schemas.microsoft.com/office/powerpoint/2010/main" val="3584475079"/>
+      </p:ext>
+    </p:extLst>
+  </p:cSld>
+  <p:clrMapOvr>
+    <a:masterClrMapping/>
+  </p:clrMapOvr>
+</p:sld>
+</file>
+
+<file path=ppt/slides/slide5.xml><?xml version="1.0" encoding="utf-8"?>
 <p:sld xmlns:a="http://schemas.openxmlformats.org/drawingml/2006/main" xmlns:r="http://schemas.openxmlformats.org/officeDocument/2006/relationships" xmlns:p="http://schemas.openxmlformats.org/presentationml/2006/main">
   <p:cSld>
     <p:spTree>
@@ -16639,7 +15541,7 @@
               <a:pPr algn="r">
                 <a:defRPr/>
               </a:pPr>
-              <a:t>6</a:t>
+              <a:t>5</a:t>
             </a:fld>
             <a:endParaRPr lang="en-US" sz="900" kern="1200" dirty="0">
               <a:latin typeface="Arial Narrow" pitchFamily="34" charset="0"/>
@@ -16660,7 +15562,7 @@
 </p:sld>
 </file>
 
-<file path=ppt/slides/slide7.xml><?xml version="1.0" encoding="utf-8"?>
+<file path=ppt/slides/slide6.xml><?xml version="1.0" encoding="utf-8"?>
 <p:sld xmlns:a="http://schemas.openxmlformats.org/drawingml/2006/main" xmlns:r="http://schemas.openxmlformats.org/officeDocument/2006/relationships" xmlns:p="http://schemas.openxmlformats.org/presentationml/2006/main">
   <p:cSld>
     <p:spTree>
@@ -16779,7 +15681,7 @@
               <a:pPr algn="r">
                 <a:defRPr/>
               </a:pPr>
-              <a:t>7</a:t>
+              <a:t>6</a:t>
             </a:fld>
             <a:endParaRPr lang="en-US" sz="900">
               <a:latin typeface="Arial Narrow" pitchFamily="34" charset="0"/>
@@ -16809,7 +15711,7 @@
           <a:graphicData uri="http://schemas.openxmlformats.org/presentationml/2006/ole">
             <mc:AlternateContent xmlns:mc="http://schemas.openxmlformats.org/markup-compatibility/2006">
               <mc:Choice xmlns:v="urn:schemas-microsoft-com:vml" Requires="v">
-                <p:oleObj spid="_x0000_s2093" name="Document" r:id="rId3" imgW="7349921" imgH="1146715" progId="Word.Document.12">
+                <p:oleObj spid="_x0000_s2094" name="Document" r:id="rId3" imgW="7349921" imgH="1146715" progId="Word.Document.12">
                   <p:embed/>
                 </p:oleObj>
               </mc:Choice>
@@ -16887,7 +15789,7 @@
 </p:sld>
 </file>
 
-<file path=ppt/slides/slide8.xml><?xml version="1.0" encoding="utf-8"?>
+<file path=ppt/slides/slide7.xml><?xml version="1.0" encoding="utf-8"?>
 <p:sld xmlns:a="http://schemas.openxmlformats.org/drawingml/2006/main" xmlns:r="http://schemas.openxmlformats.org/officeDocument/2006/relationships" xmlns:p="http://schemas.openxmlformats.org/presentationml/2006/main">
   <p:cSld>
     <p:bg>
@@ -16993,7 +15895,7 @@
 </p:sld>
 </file>
 
-<file path=ppt/slides/slide9.xml><?xml version="1.0" encoding="utf-8"?>
+<file path=ppt/slides/slide8.xml><?xml version="1.0" encoding="utf-8"?>
 <p:sld xmlns:a="http://schemas.openxmlformats.org/drawingml/2006/main" xmlns:r="http://schemas.openxmlformats.org/officeDocument/2006/relationships" xmlns:p="http://schemas.openxmlformats.org/presentationml/2006/main">
   <p:cSld>
     <p:bg>
@@ -17070,6 +15972,236 @@
     <p:extLst>
       <p:ext uri="{BB962C8B-B14F-4D97-AF65-F5344CB8AC3E}">
         <p14:creationId xmlns:p14="http://schemas.microsoft.com/office/powerpoint/2010/main" val="112597181"/>
+      </p:ext>
+    </p:extLst>
+  </p:cSld>
+  <p:clrMapOvr>
+    <a:masterClrMapping/>
+  </p:clrMapOvr>
+</p:sld>
+</file>
+
+<file path=ppt/slides/slide9.xml><?xml version="1.0" encoding="utf-8"?>
+<p:sld xmlns:a="http://schemas.openxmlformats.org/drawingml/2006/main" xmlns:r="http://schemas.openxmlformats.org/officeDocument/2006/relationships" xmlns:p="http://schemas.openxmlformats.org/presentationml/2006/main">
+  <p:cSld>
+    <p:spTree>
+      <p:nvGrpSpPr>
+        <p:cNvPr id="1" name=""/>
+        <p:cNvGrpSpPr/>
+        <p:nvPr/>
+      </p:nvGrpSpPr>
+      <p:grpSpPr>
+        <a:xfrm>
+          <a:off x="0" y="0"/>
+          <a:ext cx="0" cy="0"/>
+          <a:chOff x="0" y="0"/>
+          <a:chExt cx="0" cy="0"/>
+        </a:xfrm>
+      </p:grpSpPr>
+      <p:sp>
+        <p:nvSpPr>
+          <p:cNvPr id="2" name="Date Placeholder 1"/>
+          <p:cNvSpPr>
+            <a:spLocks noGrp="1"/>
+          </p:cNvSpPr>
+          <p:nvPr>
+            <p:ph type="dt" sz="half" idx="10"/>
+          </p:nvPr>
+        </p:nvSpPr>
+        <p:spPr>
+          <a:xfrm>
+            <a:off x="762000" y="6248400"/>
+            <a:ext cx="1981200" cy="457200"/>
+          </a:xfrm>
+        </p:spPr>
+        <p:txBody>
+          <a:bodyPr/>
+          <a:lstStyle/>
+          <a:p>
+            <a:pPr>
+              <a:defRPr/>
+            </a:pPr>
+            <a:r>
+              <a:rPr lang="en-US"/>
+              <a:t>Murach's Android Programming, C8</a:t>
+            </a:r>
+          </a:p>
+        </p:txBody>
+      </p:sp>
+      <p:sp>
+        <p:nvSpPr>
+          <p:cNvPr id="3" name="Footer Placeholder 2"/>
+          <p:cNvSpPr>
+            <a:spLocks noGrp="1"/>
+          </p:cNvSpPr>
+          <p:nvPr>
+            <p:ph type="ftr" sz="quarter" idx="11"/>
+          </p:nvPr>
+        </p:nvSpPr>
+        <p:spPr>
+          <a:xfrm>
+            <a:off x="2558606" y="6248400"/>
+            <a:ext cx="4857640" cy="457200"/>
+          </a:xfrm>
+        </p:spPr>
+        <p:txBody>
+          <a:bodyPr/>
+          <a:lstStyle/>
+          <a:p>
+            <a:pPr>
+              <a:defRPr/>
+            </a:pPr>
+            <a:r>
+              <a:rPr lang="en-US" dirty="0"/>
+              <a:t>© 2015, Mike Murach &amp; Associates, Inc. – modified by Brian Bird 2016</a:t>
+            </a:r>
+          </a:p>
+        </p:txBody>
+      </p:sp>
+      <p:sp>
+        <p:nvSpPr>
+          <p:cNvPr id="4" name="Slide Number Placeholder 3"/>
+          <p:cNvSpPr>
+            <a:spLocks noGrp="1"/>
+          </p:cNvSpPr>
+          <p:nvPr>
+            <p:ph type="sldNum" sz="quarter" idx="12"/>
+          </p:nvPr>
+        </p:nvSpPr>
+        <p:spPr>
+          <a:xfrm>
+            <a:off x="6553200" y="6248400"/>
+            <a:ext cx="1905000" cy="457200"/>
+          </a:xfrm>
+        </p:spPr>
+        <p:txBody>
+          <a:bodyPr/>
+          <a:lstStyle/>
+          <a:p>
+            <a:pPr>
+              <a:defRPr/>
+            </a:pPr>
+            <a:endParaRPr lang="en-US"/>
+          </a:p>
+          <a:p>
+            <a:pPr algn="r">
+              <a:defRPr/>
+            </a:pPr>
+            <a:r>
+              <a:rPr lang="en-US" sz="900">
+                <a:latin typeface="Arial Narrow" pitchFamily="34" charset="0"/>
+              </a:rPr>
+              <a:t>Slide </a:t>
+            </a:r>
+            <a:fld id="{5ECE9829-65B2-40C6-AEFF-7C648FF56A9C}" type="slidenum">
+              <a:rPr lang="en-US" sz="900" smtClean="0">
+                <a:latin typeface="Arial Narrow" pitchFamily="34" charset="0"/>
+              </a:rPr>
+              <a:pPr algn="r">
+                <a:defRPr/>
+              </a:pPr>
+              <a:t>9</a:t>
+            </a:fld>
+            <a:endParaRPr lang="en-US" sz="900">
+              <a:latin typeface="Arial Narrow" pitchFamily="34" charset="0"/>
+            </a:endParaRPr>
+          </a:p>
+        </p:txBody>
+      </p:sp>
+      <p:graphicFrame>
+        <p:nvGraphicFramePr>
+          <p:cNvPr id="5" name="Object 4"/>
+          <p:cNvGraphicFramePr>
+            <a:graphicFrameLocks noChangeAspect="1"/>
+          </p:cNvGraphicFramePr>
+          <p:nvPr>
+            <p:extLst>
+              <p:ext uri="{D42A27DB-BD31-4B8C-83A1-F6EECF244321}">
+                <p14:modId xmlns:p14="http://schemas.microsoft.com/office/powerpoint/2010/main" val="239275979"/>
+              </p:ext>
+            </p:extLst>
+          </p:nvPr>
+        </p:nvGraphicFramePr>
+        <p:xfrm>
+          <a:off x="914400" y="697213"/>
+          <a:ext cx="6794500" cy="3608388"/>
+        </p:xfrm>
+        <a:graphic>
+          <a:graphicData uri="http://schemas.openxmlformats.org/presentationml/2006/ole">
+            <mc:AlternateContent xmlns:mc="http://schemas.openxmlformats.org/markup-compatibility/2006">
+              <mc:Choice xmlns:v="urn:schemas-microsoft-com:vml" Requires="v">
+                <p:oleObj spid="_x0000_s3120" name="Document" r:id="rId4" imgW="6864202" imgH="3644710" progId="Word.Document.12">
+                  <p:embed/>
+                </p:oleObj>
+              </mc:Choice>
+              <mc:Fallback>
+                <p:oleObj name="Document" r:id="rId4" imgW="6864202" imgH="3644710" progId="Word.Document.12">
+                  <p:embed/>
+                  <p:pic>
+                    <p:nvPicPr>
+                      <p:cNvPr id="0" name=""/>
+                      <p:cNvPicPr/>
+                      <p:nvPr/>
+                    </p:nvPicPr>
+                    <p:blipFill>
+                      <a:blip r:embed="rId5"/>
+                      <a:stretch>
+                        <a:fillRect/>
+                      </a:stretch>
+                    </p:blipFill>
+                    <p:spPr>
+                      <a:xfrm>
+                        <a:off x="914400" y="697213"/>
+                        <a:ext cx="6794500" cy="3608388"/>
+                      </a:xfrm>
+                      <a:prstGeom prst="rect">
+                        <a:avLst/>
+                      </a:prstGeom>
+                    </p:spPr>
+                  </p:pic>
+                </p:oleObj>
+              </mc:Fallback>
+            </mc:AlternateContent>
+          </a:graphicData>
+        </a:graphic>
+      </p:graphicFrame>
+      <p:sp>
+        <p:nvSpPr>
+          <p:cNvPr id="6" name="TextBox 5"/>
+          <p:cNvSpPr txBox="1"/>
+          <p:nvPr/>
+        </p:nvSpPr>
+        <p:spPr>
+          <a:xfrm>
+            <a:off x="914400" y="4644621"/>
+            <a:ext cx="6158845" cy="369332"/>
+          </a:xfrm>
+          <a:prstGeom prst="rect">
+            <a:avLst/>
+          </a:prstGeom>
+          <a:noFill/>
+        </p:spPr>
+        <p:txBody>
+          <a:bodyPr wrap="square" rtlCol="0">
+            <a:spAutoFit/>
+          </a:bodyPr>
+          <a:lstStyle/>
+          <a:p>
+            <a:r>
+              <a:rPr lang="en-US" dirty="0">
+                <a:solidFill>
+                  <a:srgbClr val="2D2DB9"/>
+                </a:solidFill>
+              </a:rPr>
+              <a:t>Note: This XML file format is used for all menu types</a:t>
+            </a:r>
+          </a:p>
+        </p:txBody>
+      </p:sp>
+    </p:spTree>
+    <p:extLst>
+      <p:ext uri="{BB962C8B-B14F-4D97-AF65-F5344CB8AC3E}">
+        <p14:creationId xmlns:p14="http://schemas.microsoft.com/office/powerpoint/2010/main" val="839718108"/>
       </p:ext>
     </p:extLst>
   </p:cSld>
